--- a/軟體工程期末專題報告.pptx
+++ b/軟體工程期末專題報告.pptx
@@ -275,7 +275,7 @@
           <a:p>
             <a:fld id="{C85E1984-8962-4D22-85D0-F7905988C2FE}" type="datetimeFigureOut">
               <a:rPr lang="zh-TW" altLang="en-US" smtClean="0"/>
-              <a:t>2018/11/7</a:t>
+              <a:t>2018/11/8</a:t>
             </a:fld>
             <a:endParaRPr lang="zh-TW" altLang="en-US"/>
           </a:p>
@@ -473,7 +473,7 @@
           <a:p>
             <a:fld id="{C85E1984-8962-4D22-85D0-F7905988C2FE}" type="datetimeFigureOut">
               <a:rPr lang="zh-TW" altLang="en-US" smtClean="0"/>
-              <a:t>2018/11/7</a:t>
+              <a:t>2018/11/8</a:t>
             </a:fld>
             <a:endParaRPr lang="zh-TW" altLang="en-US"/>
           </a:p>
@@ -681,7 +681,7 @@
           <a:p>
             <a:fld id="{C85E1984-8962-4D22-85D0-F7905988C2FE}" type="datetimeFigureOut">
               <a:rPr lang="zh-TW" altLang="en-US" smtClean="0"/>
-              <a:t>2018/11/7</a:t>
+              <a:t>2018/11/8</a:t>
             </a:fld>
             <a:endParaRPr lang="zh-TW" altLang="en-US"/>
           </a:p>
@@ -879,7 +879,7 @@
           <a:p>
             <a:fld id="{C85E1984-8962-4D22-85D0-F7905988C2FE}" type="datetimeFigureOut">
               <a:rPr lang="zh-TW" altLang="en-US" smtClean="0"/>
-              <a:t>2018/11/7</a:t>
+              <a:t>2018/11/8</a:t>
             </a:fld>
             <a:endParaRPr lang="zh-TW" altLang="en-US"/>
           </a:p>
@@ -1154,7 +1154,7 @@
           <a:p>
             <a:fld id="{C85E1984-8962-4D22-85D0-F7905988C2FE}" type="datetimeFigureOut">
               <a:rPr lang="zh-TW" altLang="en-US" smtClean="0"/>
-              <a:t>2018/11/7</a:t>
+              <a:t>2018/11/8</a:t>
             </a:fld>
             <a:endParaRPr lang="zh-TW" altLang="en-US"/>
           </a:p>
@@ -1419,7 +1419,7 @@
           <a:p>
             <a:fld id="{C85E1984-8962-4D22-85D0-F7905988C2FE}" type="datetimeFigureOut">
               <a:rPr lang="zh-TW" altLang="en-US" smtClean="0"/>
-              <a:t>2018/11/7</a:t>
+              <a:t>2018/11/8</a:t>
             </a:fld>
             <a:endParaRPr lang="zh-TW" altLang="en-US"/>
           </a:p>
@@ -1831,7 +1831,7 @@
           <a:p>
             <a:fld id="{C85E1984-8962-4D22-85D0-F7905988C2FE}" type="datetimeFigureOut">
               <a:rPr lang="zh-TW" altLang="en-US" smtClean="0"/>
-              <a:t>2018/11/7</a:t>
+              <a:t>2018/11/8</a:t>
             </a:fld>
             <a:endParaRPr lang="zh-TW" altLang="en-US"/>
           </a:p>
@@ -1972,7 +1972,7 @@
           <a:p>
             <a:fld id="{C85E1984-8962-4D22-85D0-F7905988C2FE}" type="datetimeFigureOut">
               <a:rPr lang="zh-TW" altLang="en-US" smtClean="0"/>
-              <a:t>2018/11/7</a:t>
+              <a:t>2018/11/8</a:t>
             </a:fld>
             <a:endParaRPr lang="zh-TW" altLang="en-US"/>
           </a:p>
@@ -2085,7 +2085,7 @@
           <a:p>
             <a:fld id="{C85E1984-8962-4D22-85D0-F7905988C2FE}" type="datetimeFigureOut">
               <a:rPr lang="zh-TW" altLang="en-US" smtClean="0"/>
-              <a:t>2018/11/7</a:t>
+              <a:t>2018/11/8</a:t>
             </a:fld>
             <a:endParaRPr lang="zh-TW" altLang="en-US"/>
           </a:p>
@@ -2396,7 +2396,7 @@
           <a:p>
             <a:fld id="{C85E1984-8962-4D22-85D0-F7905988C2FE}" type="datetimeFigureOut">
               <a:rPr lang="zh-TW" altLang="en-US" smtClean="0"/>
-              <a:t>2018/11/7</a:t>
+              <a:t>2018/11/8</a:t>
             </a:fld>
             <a:endParaRPr lang="zh-TW" altLang="en-US"/>
           </a:p>
@@ -2684,7 +2684,7 @@
           <a:p>
             <a:fld id="{C85E1984-8962-4D22-85D0-F7905988C2FE}" type="datetimeFigureOut">
               <a:rPr lang="zh-TW" altLang="en-US" smtClean="0"/>
-              <a:t>2018/11/7</a:t>
+              <a:t>2018/11/8</a:t>
             </a:fld>
             <a:endParaRPr lang="zh-TW" altLang="en-US"/>
           </a:p>
@@ -2925,7 +2925,7 @@
           <a:p>
             <a:fld id="{C85E1984-8962-4D22-85D0-F7905988C2FE}" type="datetimeFigureOut">
               <a:rPr lang="zh-TW" altLang="en-US" smtClean="0"/>
-              <a:t>2018/11/7</a:t>
+              <a:t>2018/11/8</a:t>
             </a:fld>
             <a:endParaRPr lang="zh-TW" altLang="en-US"/>
           </a:p>

--- a/軟體工程期末專題報告.pptx
+++ b/軟體工程期末專題報告.pptx
@@ -20,8 +20,8 @@
     <p:sldId id="273" r:id="rId14"/>
     <p:sldId id="266" r:id="rId15"/>
     <p:sldId id="267" r:id="rId16"/>
-    <p:sldId id="268" r:id="rId17"/>
-    <p:sldId id="262" r:id="rId18"/>
+    <p:sldId id="262" r:id="rId17"/>
+    <p:sldId id="268" r:id="rId18"/>
   </p:sldIdLst>
   <p:sldSz cx="12192000" cy="6858000"/>
   <p:notesSz cx="6858000" cy="9144000"/>
@@ -275,7 +275,7 @@
           <a:p>
             <a:fld id="{C85E1984-8962-4D22-85D0-F7905988C2FE}" type="datetimeFigureOut">
               <a:rPr lang="zh-TW" altLang="en-US" smtClean="0"/>
-              <a:t>2018/11/7</a:t>
+              <a:t>2018/11/8</a:t>
             </a:fld>
             <a:endParaRPr lang="zh-TW" altLang="en-US"/>
           </a:p>
@@ -473,7 +473,7 @@
           <a:p>
             <a:fld id="{C85E1984-8962-4D22-85D0-F7905988C2FE}" type="datetimeFigureOut">
               <a:rPr lang="zh-TW" altLang="en-US" smtClean="0"/>
-              <a:t>2018/11/7</a:t>
+              <a:t>2018/11/8</a:t>
             </a:fld>
             <a:endParaRPr lang="zh-TW" altLang="en-US"/>
           </a:p>
@@ -681,7 +681,7 @@
           <a:p>
             <a:fld id="{C85E1984-8962-4D22-85D0-F7905988C2FE}" type="datetimeFigureOut">
               <a:rPr lang="zh-TW" altLang="en-US" smtClean="0"/>
-              <a:t>2018/11/7</a:t>
+              <a:t>2018/11/8</a:t>
             </a:fld>
             <a:endParaRPr lang="zh-TW" altLang="en-US"/>
           </a:p>
@@ -879,7 +879,7 @@
           <a:p>
             <a:fld id="{C85E1984-8962-4D22-85D0-F7905988C2FE}" type="datetimeFigureOut">
               <a:rPr lang="zh-TW" altLang="en-US" smtClean="0"/>
-              <a:t>2018/11/7</a:t>
+              <a:t>2018/11/8</a:t>
             </a:fld>
             <a:endParaRPr lang="zh-TW" altLang="en-US"/>
           </a:p>
@@ -1154,7 +1154,7 @@
           <a:p>
             <a:fld id="{C85E1984-8962-4D22-85D0-F7905988C2FE}" type="datetimeFigureOut">
               <a:rPr lang="zh-TW" altLang="en-US" smtClean="0"/>
-              <a:t>2018/11/7</a:t>
+              <a:t>2018/11/8</a:t>
             </a:fld>
             <a:endParaRPr lang="zh-TW" altLang="en-US"/>
           </a:p>
@@ -1419,7 +1419,7 @@
           <a:p>
             <a:fld id="{C85E1984-8962-4D22-85D0-F7905988C2FE}" type="datetimeFigureOut">
               <a:rPr lang="zh-TW" altLang="en-US" smtClean="0"/>
-              <a:t>2018/11/7</a:t>
+              <a:t>2018/11/8</a:t>
             </a:fld>
             <a:endParaRPr lang="zh-TW" altLang="en-US"/>
           </a:p>
@@ -1831,7 +1831,7 @@
           <a:p>
             <a:fld id="{C85E1984-8962-4D22-85D0-F7905988C2FE}" type="datetimeFigureOut">
               <a:rPr lang="zh-TW" altLang="en-US" smtClean="0"/>
-              <a:t>2018/11/7</a:t>
+              <a:t>2018/11/8</a:t>
             </a:fld>
             <a:endParaRPr lang="zh-TW" altLang="en-US"/>
           </a:p>
@@ -1972,7 +1972,7 @@
           <a:p>
             <a:fld id="{C85E1984-8962-4D22-85D0-F7905988C2FE}" type="datetimeFigureOut">
               <a:rPr lang="zh-TW" altLang="en-US" smtClean="0"/>
-              <a:t>2018/11/7</a:t>
+              <a:t>2018/11/8</a:t>
             </a:fld>
             <a:endParaRPr lang="zh-TW" altLang="en-US"/>
           </a:p>
@@ -2085,7 +2085,7 @@
           <a:p>
             <a:fld id="{C85E1984-8962-4D22-85D0-F7905988C2FE}" type="datetimeFigureOut">
               <a:rPr lang="zh-TW" altLang="en-US" smtClean="0"/>
-              <a:t>2018/11/7</a:t>
+              <a:t>2018/11/8</a:t>
             </a:fld>
             <a:endParaRPr lang="zh-TW" altLang="en-US"/>
           </a:p>
@@ -2396,7 +2396,7 @@
           <a:p>
             <a:fld id="{C85E1984-8962-4D22-85D0-F7905988C2FE}" type="datetimeFigureOut">
               <a:rPr lang="zh-TW" altLang="en-US" smtClean="0"/>
-              <a:t>2018/11/7</a:t>
+              <a:t>2018/11/8</a:t>
             </a:fld>
             <a:endParaRPr lang="zh-TW" altLang="en-US"/>
           </a:p>
@@ -2684,7 +2684,7 @@
           <a:p>
             <a:fld id="{C85E1984-8962-4D22-85D0-F7905988C2FE}" type="datetimeFigureOut">
               <a:rPr lang="zh-TW" altLang="en-US" smtClean="0"/>
-              <a:t>2018/11/7</a:t>
+              <a:t>2018/11/8</a:t>
             </a:fld>
             <a:endParaRPr lang="zh-TW" altLang="en-US"/>
           </a:p>
@@ -2925,7 +2925,7 @@
           <a:p>
             <a:fld id="{C85E1984-8962-4D22-85D0-F7905988C2FE}" type="datetimeFigureOut">
               <a:rPr lang="zh-TW" altLang="en-US" smtClean="0"/>
-              <a:t>2018/11/7</a:t>
+              <a:t>2018/11/8</a:t>
             </a:fld>
             <a:endParaRPr lang="zh-TW" altLang="en-US"/>
           </a:p>
@@ -4988,7 +4988,12 @@
             <p:ph type="title"/>
           </p:nvPr>
         </p:nvSpPr>
-        <p:spPr/>
+        <p:spPr>
+          <a:xfrm>
+            <a:off x="838200" y="365125"/>
+            <a:ext cx="2930718" cy="1325563"/>
+          </a:xfrm>
+        </p:spPr>
         <p:txBody>
           <a:bodyPr/>
           <a:lstStyle/>
@@ -5003,10 +5008,10 @@
       </p:sp>
       <p:pic>
         <p:nvPicPr>
-          <p:cNvPr id="5" name="內容版面配置區 4">
-            <a:extLst>
-              <a:ext uri="{FF2B5EF4-FFF2-40B4-BE49-F238E27FC236}">
-                <a16:creationId xmlns:a16="http://schemas.microsoft.com/office/drawing/2014/main" id="{2A796895-65B4-452F-834B-61AC851B8BB6}"/>
+          <p:cNvPr id="11" name="內容版面配置區 10">
+            <a:extLst>
+              <a:ext uri="{FF2B5EF4-FFF2-40B4-BE49-F238E27FC236}">
+                <a16:creationId xmlns:a16="http://schemas.microsoft.com/office/drawing/2014/main" id="{4966A585-2182-44B2-835F-DF4DDE473358}"/>
               </a:ext>
             </a:extLst>
           </p:cNvPr>
@@ -5031,8 +5036,8 @@
         </p:blipFill>
         <p:spPr>
           <a:xfrm>
-            <a:off x="3867642" y="1417795"/>
-            <a:ext cx="4456716" cy="5440205"/>
+            <a:off x="6397388" y="522884"/>
+            <a:ext cx="3719323" cy="5812232"/>
           </a:xfrm>
         </p:spPr>
       </p:pic>
@@ -5082,7 +5087,12 @@
             <p:ph type="title"/>
           </p:nvPr>
         </p:nvSpPr>
-        <p:spPr/>
+        <p:spPr>
+          <a:xfrm>
+            <a:off x="838200" y="365125"/>
+            <a:ext cx="3304430" cy="1325563"/>
+          </a:xfrm>
+        </p:spPr>
         <p:txBody>
           <a:bodyPr/>
           <a:lstStyle/>
@@ -5097,10 +5107,10 @@
       </p:sp>
       <p:pic>
         <p:nvPicPr>
-          <p:cNvPr id="5" name="內容版面配置區 4">
-            <a:extLst>
-              <a:ext uri="{FF2B5EF4-FFF2-40B4-BE49-F238E27FC236}">
-                <a16:creationId xmlns:a16="http://schemas.microsoft.com/office/drawing/2014/main" id="{CB1BA9A8-71F1-46F0-8427-F933C969F5CA}"/>
+          <p:cNvPr id="9" name="內容版面配置區 8">
+            <a:extLst>
+              <a:ext uri="{FF2B5EF4-FFF2-40B4-BE49-F238E27FC236}">
+                <a16:creationId xmlns:a16="http://schemas.microsoft.com/office/drawing/2014/main" id="{64789FC2-86D0-4BD1-9681-DA5A681A89F6}"/>
               </a:ext>
             </a:extLst>
           </p:cNvPr>
@@ -5125,8 +5135,8 @@
         </p:blipFill>
         <p:spPr>
           <a:xfrm>
-            <a:off x="3263498" y="1308161"/>
-            <a:ext cx="5939879" cy="5184714"/>
+            <a:off x="5331887" y="1027906"/>
+            <a:ext cx="5291055" cy="4686049"/>
           </a:xfrm>
         </p:spPr>
       </p:pic>
@@ -5670,7 +5680,7 @@
           <p:cNvPr id="2" name="標題 1">
             <a:extLst>
               <a:ext uri="{FF2B5EF4-FFF2-40B4-BE49-F238E27FC236}">
-                <a16:creationId xmlns:a16="http://schemas.microsoft.com/office/drawing/2014/main" id="{8A19D16D-864C-4453-A552-2DDFBA70D595}"/>
+                <a16:creationId xmlns:a16="http://schemas.microsoft.com/office/drawing/2014/main" id="{5775160C-B777-42EA-87D0-DE72CDF5EAC9}"/>
               </a:ext>
             </a:extLst>
           </p:cNvPr>
@@ -5686,44 +5696,52 @@
           <a:bodyPr/>
           <a:lstStyle/>
           <a:p>
-            <a:pPr algn="ctr"/>
-            <a:r>
-              <a:rPr lang="en-US" altLang="zh-TW" dirty="0"/>
-              <a:t>Schedule</a:t>
-            </a:r>
-            <a:endParaRPr lang="zh-TW" altLang="en-US" dirty="0"/>
-          </a:p>
-        </p:txBody>
-      </p:sp>
-      <p:sp>
-        <p:nvSpPr>
-          <p:cNvPr id="3" name="內容版面配置區 2">
-            <a:extLst>
-              <a:ext uri="{FF2B5EF4-FFF2-40B4-BE49-F238E27FC236}">
-                <a16:creationId xmlns:a16="http://schemas.microsoft.com/office/drawing/2014/main" id="{6BB3D914-5555-40A6-9B28-4D74180DB553}"/>
-              </a:ext>
-            </a:extLst>
-          </p:cNvPr>
-          <p:cNvSpPr>
-            <a:spLocks noGrp="1"/>
-          </p:cNvSpPr>
+            <a:r>
+              <a:rPr lang="zh-TW" altLang="en-US" dirty="0"/>
+              <a:t>負責圖</a:t>
+            </a:r>
+          </a:p>
+        </p:txBody>
+      </p:sp>
+      <p:pic>
+        <p:nvPicPr>
+          <p:cNvPr id="9" name="內容版面配置區 8">
+            <a:extLst>
+              <a:ext uri="{FF2B5EF4-FFF2-40B4-BE49-F238E27FC236}">
+                <a16:creationId xmlns:a16="http://schemas.microsoft.com/office/drawing/2014/main" id="{A78AB682-5795-4BFC-A72C-B4A929E931CA}"/>
+              </a:ext>
+            </a:extLst>
+          </p:cNvPr>
+          <p:cNvPicPr>
+            <a:picLocks noGrp="1" noChangeAspect="1"/>
+          </p:cNvPicPr>
           <p:nvPr>
             <p:ph idx="1"/>
           </p:nvPr>
-        </p:nvSpPr>
-        <p:spPr/>
-        <p:txBody>
-          <a:bodyPr/>
-          <a:lstStyle/>
-          <a:p>
-            <a:endParaRPr lang="zh-TW" altLang="en-US"/>
-          </a:p>
-        </p:txBody>
-      </p:sp>
+        </p:nvPicPr>
+        <p:blipFill>
+          <a:blip r:embed="rId2">
+            <a:extLst>
+              <a:ext uri="{28A0092B-C50C-407E-A947-70E740481C1C}">
+                <a14:useLocalDpi xmlns:a14="http://schemas.microsoft.com/office/drawing/2010/main" val="0"/>
+              </a:ext>
+            </a:extLst>
+          </a:blip>
+          <a:stretch>
+            <a:fillRect/>
+          </a:stretch>
+        </p:blipFill>
+        <p:spPr>
+          <a:xfrm>
+            <a:off x="1366100" y="1555423"/>
+            <a:ext cx="8390641" cy="5020067"/>
+          </a:xfrm>
+        </p:spPr>
+      </p:pic>
     </p:spTree>
     <p:extLst>
       <p:ext uri="{BB962C8B-B14F-4D97-AF65-F5344CB8AC3E}">
-        <p14:creationId xmlns:p14="http://schemas.microsoft.com/office/powerpoint/2010/main" val="2200194056"/>
+        <p14:creationId xmlns:p14="http://schemas.microsoft.com/office/powerpoint/2010/main" val="2984683628"/>
       </p:ext>
     </p:extLst>
   </p:cSld>
@@ -5755,7 +5773,7 @@
           <p:cNvPr id="2" name="標題 1">
             <a:extLst>
               <a:ext uri="{FF2B5EF4-FFF2-40B4-BE49-F238E27FC236}">
-                <a16:creationId xmlns:a16="http://schemas.microsoft.com/office/drawing/2014/main" id="{5775160C-B777-42EA-87D0-DE72CDF5EAC9}"/>
+                <a16:creationId xmlns:a16="http://schemas.microsoft.com/office/drawing/2014/main" id="{8A19D16D-864C-4453-A552-2DDFBA70D595}"/>
               </a:ext>
             </a:extLst>
           </p:cNvPr>
@@ -5771,52 +5789,49 @@
           <a:bodyPr/>
           <a:lstStyle/>
           <a:p>
-            <a:r>
-              <a:rPr lang="zh-TW" altLang="en-US" dirty="0"/>
-              <a:t>負責圖</a:t>
-            </a:r>
+            <a:pPr algn="ctr"/>
+            <a:r>
+              <a:rPr lang="en-US" altLang="zh-TW" dirty="0"/>
+              <a:t>Schedule</a:t>
+            </a:r>
+            <a:endParaRPr lang="zh-TW" altLang="en-US" dirty="0"/>
           </a:p>
         </p:txBody>
       </p:sp>
       <p:pic>
         <p:nvPicPr>
-          <p:cNvPr id="9" name="內容版面配置區 8">
-            <a:extLst>
-              <a:ext uri="{FF2B5EF4-FFF2-40B4-BE49-F238E27FC236}">
-                <a16:creationId xmlns:a16="http://schemas.microsoft.com/office/drawing/2014/main" id="{A78AB682-5795-4BFC-A72C-B4A929E931CA}"/>
+          <p:cNvPr id="9" name="圖片 8">
+            <a:extLst>
+              <a:ext uri="{FF2B5EF4-FFF2-40B4-BE49-F238E27FC236}">
+                <a16:creationId xmlns:a16="http://schemas.microsoft.com/office/drawing/2014/main" id="{8C8C40F0-AC94-4BCD-BFAC-844F1BCF61A3}"/>
               </a:ext>
             </a:extLst>
           </p:cNvPr>
           <p:cNvPicPr>
-            <a:picLocks noGrp="1" noChangeAspect="1"/>
+            <a:picLocks noChangeAspect="1"/>
           </p:cNvPicPr>
-          <p:nvPr>
-            <p:ph idx="1"/>
-          </p:nvPr>
+          <p:nvPr/>
         </p:nvPicPr>
         <p:blipFill>
-          <a:blip r:embed="rId2">
-            <a:extLst>
-              <a:ext uri="{28A0092B-C50C-407E-A947-70E740481C1C}">
-                <a14:useLocalDpi xmlns:a14="http://schemas.microsoft.com/office/drawing/2010/main" val="0"/>
-              </a:ext>
-            </a:extLst>
-          </a:blip>
+          <a:blip r:embed="rId2"/>
           <a:stretch>
             <a:fillRect/>
           </a:stretch>
         </p:blipFill>
         <p:spPr>
           <a:xfrm>
-            <a:off x="1366100" y="1555423"/>
-            <a:ext cx="8390641" cy="5020067"/>
+            <a:off x="862012" y="1843087"/>
+            <a:ext cx="10467975" cy="3171825"/>
           </a:xfrm>
+          <a:prstGeom prst="rect">
+            <a:avLst/>
+          </a:prstGeom>
         </p:spPr>
       </p:pic>
     </p:spTree>
     <p:extLst>
       <p:ext uri="{BB962C8B-B14F-4D97-AF65-F5344CB8AC3E}">
-        <p14:creationId xmlns:p14="http://schemas.microsoft.com/office/powerpoint/2010/main" val="2984683628"/>
+        <p14:creationId xmlns:p14="http://schemas.microsoft.com/office/powerpoint/2010/main" val="2200194056"/>
       </p:ext>
     </p:extLst>
   </p:cSld>
@@ -8109,7 +8124,7 @@
         </p:nvSpPr>
         <p:spPr>
           <a:xfrm>
-            <a:off x="838200" y="365125"/>
+            <a:off x="489486" y="408136"/>
             <a:ext cx="10515600" cy="1325563"/>
           </a:xfrm>
         </p:spPr>
@@ -8184,8 +8199,8 @@
         </p:nvSpPr>
         <p:spPr>
           <a:xfrm>
-            <a:off x="2036247" y="2246968"/>
-            <a:ext cx="7422078" cy="1754326"/>
+            <a:off x="2036247" y="2967335"/>
+            <a:ext cx="7422078" cy="923330"/>
           </a:xfrm>
           <a:prstGeom prst="rect">
             <a:avLst/>
@@ -8222,127 +8237,6 @@
                 </a:solidFill>
               </a:rPr>
               <a:t>射擊遊戲</a:t>
-            </a:r>
-          </a:p>
-          <a:p>
-            <a:pPr algn="ctr"/>
-            <a:endParaRPr lang="zh-TW" altLang="en-US" sz="5400" dirty="0"/>
-          </a:p>
-        </p:txBody>
-      </p:sp>
-      <p:pic>
-        <p:nvPicPr>
-          <p:cNvPr id="20" name="圖片 19">
-            <a:extLst>
-              <a:ext uri="{FF2B5EF4-FFF2-40B4-BE49-F238E27FC236}">
-                <a16:creationId xmlns:a16="http://schemas.microsoft.com/office/drawing/2014/main" id="{E3F8B732-63C5-409A-A4E6-A2501889A06B}"/>
-              </a:ext>
-            </a:extLst>
-          </p:cNvPr>
-          <p:cNvPicPr>
-            <a:picLocks noChangeAspect="1"/>
-          </p:cNvPicPr>
-          <p:nvPr/>
-        </p:nvPicPr>
-        <p:blipFill>
-          <a:blip r:embed="rId2">
-            <a:extLst>
-              <a:ext uri="{28A0092B-C50C-407E-A947-70E740481C1C}">
-                <a14:useLocalDpi xmlns:a14="http://schemas.microsoft.com/office/drawing/2010/main" val="0"/>
-              </a:ext>
-            </a:extLst>
-          </a:blip>
-          <a:stretch>
-            <a:fillRect/>
-          </a:stretch>
-        </p:blipFill>
-        <p:spPr>
-          <a:xfrm>
-            <a:off x="9458325" y="3322122"/>
-            <a:ext cx="2733675" cy="3657600"/>
-          </a:xfrm>
-          <a:prstGeom prst="rect">
-            <a:avLst/>
-          </a:prstGeom>
-        </p:spPr>
-      </p:pic>
-      <p:sp>
-        <p:nvSpPr>
-          <p:cNvPr id="21" name="箭號: 向右 20">
-            <a:extLst>
-              <a:ext uri="{FF2B5EF4-FFF2-40B4-BE49-F238E27FC236}">
-                <a16:creationId xmlns:a16="http://schemas.microsoft.com/office/drawing/2014/main" id="{E6719807-5012-4BF1-AF37-3F2120AD5469}"/>
-              </a:ext>
-            </a:extLst>
-          </p:cNvPr>
-          <p:cNvSpPr/>
-          <p:nvPr/>
-        </p:nvSpPr>
-        <p:spPr>
-          <a:xfrm>
-            <a:off x="6096000" y="5438899"/>
-            <a:ext cx="3119252" cy="873001"/>
-          </a:xfrm>
-          <a:prstGeom prst="rightArrow">
-            <a:avLst/>
-          </a:prstGeom>
-        </p:spPr>
-        <p:style>
-          <a:lnRef idx="2">
-            <a:schemeClr val="accent1">
-              <a:shade val="50000"/>
-            </a:schemeClr>
-          </a:lnRef>
-          <a:fillRef idx="1">
-            <a:schemeClr val="accent1"/>
-          </a:fillRef>
-          <a:effectRef idx="0">
-            <a:schemeClr val="accent1"/>
-          </a:effectRef>
-          <a:fontRef idx="minor">
-            <a:schemeClr val="lt1"/>
-          </a:fontRef>
-        </p:style>
-        <p:txBody>
-          <a:bodyPr rtlCol="0" anchor="ctr"/>
-          <a:lstStyle/>
-          <a:p>
-            <a:pPr algn="ctr"/>
-            <a:endParaRPr lang="zh-TW" altLang="en-US"/>
-          </a:p>
-        </p:txBody>
-      </p:sp>
-      <p:sp>
-        <p:nvSpPr>
-          <p:cNvPr id="22" name="文字方塊 21">
-            <a:extLst>
-              <a:ext uri="{FF2B5EF4-FFF2-40B4-BE49-F238E27FC236}">
-                <a16:creationId xmlns:a16="http://schemas.microsoft.com/office/drawing/2014/main" id="{CCFB5DDF-7055-4ADD-B36A-28FB6E6802B1}"/>
-              </a:ext>
-            </a:extLst>
-          </p:cNvPr>
-          <p:cNvSpPr txBox="1"/>
-          <p:nvPr/>
-        </p:nvSpPr>
-        <p:spPr>
-          <a:xfrm>
-            <a:off x="3221182" y="5413734"/>
-            <a:ext cx="3215244" cy="923330"/>
-          </a:xfrm>
-          <a:prstGeom prst="rect">
-            <a:avLst/>
-          </a:prstGeom>
-          <a:noFill/>
-        </p:spPr>
-        <p:txBody>
-          <a:bodyPr wrap="square" rtlCol="0">
-            <a:spAutoFit/>
-          </a:bodyPr>
-          <a:lstStyle/>
-          <a:p>
-            <a:r>
-              <a:rPr lang="zh-TW" altLang="en-US" sz="5400" dirty="0"/>
-              <a:t>親地彈</a:t>
             </a:r>
           </a:p>
         </p:txBody>
@@ -8357,277 +8251,6 @@
   <p:clrMapOvr>
     <a:masterClrMapping/>
   </p:clrMapOvr>
-  <p:timing>
-    <p:tnLst>
-      <p:par>
-        <p:cTn id="1" dur="indefinite" restart="never" nodeType="tmRoot">
-          <p:childTnLst>
-            <p:seq concurrent="1" nextAc="seek">
-              <p:cTn id="2" dur="indefinite" nodeType="mainSeq">
-                <p:childTnLst>
-                  <p:par>
-                    <p:cTn id="3" fill="hold">
-                      <p:stCondLst>
-                        <p:cond delay="indefinite"/>
-                      </p:stCondLst>
-                      <p:childTnLst>
-                        <p:par>
-                          <p:cTn id="4" fill="hold">
-                            <p:stCondLst>
-                              <p:cond delay="0"/>
-                            </p:stCondLst>
-                            <p:childTnLst>
-                              <p:par>
-                                <p:cTn id="5" presetID="2" presetClass="entr" presetSubtype="4" fill="hold" nodeType="clickEffect">
-                                  <p:stCondLst>
-                                    <p:cond delay="0"/>
-                                  </p:stCondLst>
-                                  <p:childTnLst>
-                                    <p:set>
-                                      <p:cBhvr>
-                                        <p:cTn id="6" dur="1" fill="hold">
-                                          <p:stCondLst>
-                                            <p:cond delay="0"/>
-                                          </p:stCondLst>
-                                        </p:cTn>
-                                        <p:tgtEl>
-                                          <p:spTgt spid="20"/>
-                                        </p:tgtEl>
-                                        <p:attrNameLst>
-                                          <p:attrName>style.visibility</p:attrName>
-                                        </p:attrNameLst>
-                                      </p:cBhvr>
-                                      <p:to>
-                                        <p:strVal val="visible"/>
-                                      </p:to>
-                                    </p:set>
-                                    <p:anim calcmode="lin" valueType="num">
-                                      <p:cBhvr additive="base">
-                                        <p:cTn id="7" dur="500" fill="hold"/>
-                                        <p:tgtEl>
-                                          <p:spTgt spid="20"/>
-                                        </p:tgtEl>
-                                        <p:attrNameLst>
-                                          <p:attrName>ppt_x</p:attrName>
-                                        </p:attrNameLst>
-                                      </p:cBhvr>
-                                      <p:tavLst>
-                                        <p:tav tm="0">
-                                          <p:val>
-                                            <p:strVal val="#ppt_x"/>
-                                          </p:val>
-                                        </p:tav>
-                                        <p:tav tm="100000">
-                                          <p:val>
-                                            <p:strVal val="#ppt_x"/>
-                                          </p:val>
-                                        </p:tav>
-                                      </p:tavLst>
-                                    </p:anim>
-                                    <p:anim calcmode="lin" valueType="num">
-                                      <p:cBhvr additive="base">
-                                        <p:cTn id="8" dur="500" fill="hold"/>
-                                        <p:tgtEl>
-                                          <p:spTgt spid="20"/>
-                                        </p:tgtEl>
-                                        <p:attrNameLst>
-                                          <p:attrName>ppt_y</p:attrName>
-                                        </p:attrNameLst>
-                                      </p:cBhvr>
-                                      <p:tavLst>
-                                        <p:tav tm="0">
-                                          <p:val>
-                                            <p:strVal val="1+#ppt_h/2"/>
-                                          </p:val>
-                                        </p:tav>
-                                        <p:tav tm="100000">
-                                          <p:val>
-                                            <p:strVal val="#ppt_y"/>
-                                          </p:val>
-                                        </p:tav>
-                                      </p:tavLst>
-                                    </p:anim>
-                                  </p:childTnLst>
-                                </p:cTn>
-                              </p:par>
-                              <p:par>
-                                <p:cTn id="9" presetID="2" presetClass="entr" presetSubtype="4" fill="hold" grpId="0" nodeType="withEffect">
-                                  <p:stCondLst>
-                                    <p:cond delay="0"/>
-                                  </p:stCondLst>
-                                  <p:childTnLst>
-                                    <p:set>
-                                      <p:cBhvr>
-                                        <p:cTn id="10" dur="1" fill="hold">
-                                          <p:stCondLst>
-                                            <p:cond delay="0"/>
-                                          </p:stCondLst>
-                                        </p:cTn>
-                                        <p:tgtEl>
-                                          <p:spTgt spid="21"/>
-                                        </p:tgtEl>
-                                        <p:attrNameLst>
-                                          <p:attrName>style.visibility</p:attrName>
-                                        </p:attrNameLst>
-                                      </p:cBhvr>
-                                      <p:to>
-                                        <p:strVal val="visible"/>
-                                      </p:to>
-                                    </p:set>
-                                    <p:anim calcmode="lin" valueType="num">
-                                      <p:cBhvr additive="base">
-                                        <p:cTn id="11" dur="500" fill="hold"/>
-                                        <p:tgtEl>
-                                          <p:spTgt spid="21"/>
-                                        </p:tgtEl>
-                                        <p:attrNameLst>
-                                          <p:attrName>ppt_x</p:attrName>
-                                        </p:attrNameLst>
-                                      </p:cBhvr>
-                                      <p:tavLst>
-                                        <p:tav tm="0">
-                                          <p:val>
-                                            <p:strVal val="#ppt_x"/>
-                                          </p:val>
-                                        </p:tav>
-                                        <p:tav tm="100000">
-                                          <p:val>
-                                            <p:strVal val="#ppt_x"/>
-                                          </p:val>
-                                        </p:tav>
-                                      </p:tavLst>
-                                    </p:anim>
-                                    <p:anim calcmode="lin" valueType="num">
-                                      <p:cBhvr additive="base">
-                                        <p:cTn id="12" dur="500" fill="hold"/>
-                                        <p:tgtEl>
-                                          <p:spTgt spid="21"/>
-                                        </p:tgtEl>
-                                        <p:attrNameLst>
-                                          <p:attrName>ppt_y</p:attrName>
-                                        </p:attrNameLst>
-                                      </p:cBhvr>
-                                      <p:tavLst>
-                                        <p:tav tm="0">
-                                          <p:val>
-                                            <p:strVal val="1+#ppt_h/2"/>
-                                          </p:val>
-                                        </p:tav>
-                                        <p:tav tm="100000">
-                                          <p:val>
-                                            <p:strVal val="#ppt_y"/>
-                                          </p:val>
-                                        </p:tav>
-                                      </p:tavLst>
-                                    </p:anim>
-                                  </p:childTnLst>
-                                </p:cTn>
-                              </p:par>
-                              <p:par>
-                                <p:cTn id="13" presetID="2" presetClass="entr" presetSubtype="4" fill="hold" grpId="0" nodeType="withEffect">
-                                  <p:stCondLst>
-                                    <p:cond delay="0"/>
-                                  </p:stCondLst>
-                                  <p:childTnLst>
-                                    <p:set>
-                                      <p:cBhvr>
-                                        <p:cTn id="14" dur="1" fill="hold">
-                                          <p:stCondLst>
-                                            <p:cond delay="0"/>
-                                          </p:stCondLst>
-                                        </p:cTn>
-                                        <p:tgtEl>
-                                          <p:spTgt spid="22"/>
-                                        </p:tgtEl>
-                                        <p:attrNameLst>
-                                          <p:attrName>style.visibility</p:attrName>
-                                        </p:attrNameLst>
-                                      </p:cBhvr>
-                                      <p:to>
-                                        <p:strVal val="visible"/>
-                                      </p:to>
-                                    </p:set>
-                                    <p:anim calcmode="lin" valueType="num">
-                                      <p:cBhvr additive="base">
-                                        <p:cTn id="15" dur="500" fill="hold"/>
-                                        <p:tgtEl>
-                                          <p:spTgt spid="22"/>
-                                        </p:tgtEl>
-                                        <p:attrNameLst>
-                                          <p:attrName>ppt_x</p:attrName>
-                                        </p:attrNameLst>
-                                      </p:cBhvr>
-                                      <p:tavLst>
-                                        <p:tav tm="0">
-                                          <p:val>
-                                            <p:strVal val="#ppt_x"/>
-                                          </p:val>
-                                        </p:tav>
-                                        <p:tav tm="100000">
-                                          <p:val>
-                                            <p:strVal val="#ppt_x"/>
-                                          </p:val>
-                                        </p:tav>
-                                      </p:tavLst>
-                                    </p:anim>
-                                    <p:anim calcmode="lin" valueType="num">
-                                      <p:cBhvr additive="base">
-                                        <p:cTn id="16" dur="500" fill="hold"/>
-                                        <p:tgtEl>
-                                          <p:spTgt spid="22"/>
-                                        </p:tgtEl>
-                                        <p:attrNameLst>
-                                          <p:attrName>ppt_y</p:attrName>
-                                        </p:attrNameLst>
-                                      </p:cBhvr>
-                                      <p:tavLst>
-                                        <p:tav tm="0">
-                                          <p:val>
-                                            <p:strVal val="1+#ppt_h/2"/>
-                                          </p:val>
-                                        </p:tav>
-                                        <p:tav tm="100000">
-                                          <p:val>
-                                            <p:strVal val="#ppt_y"/>
-                                          </p:val>
-                                        </p:tav>
-                                      </p:tavLst>
-                                    </p:anim>
-                                  </p:childTnLst>
-                                </p:cTn>
-                              </p:par>
-                            </p:childTnLst>
-                          </p:cTn>
-                        </p:par>
-                      </p:childTnLst>
-                    </p:cTn>
-                  </p:par>
-                </p:childTnLst>
-              </p:cTn>
-              <p:prevCondLst>
-                <p:cond evt="onPrev" delay="0">
-                  <p:tgtEl>
-                    <p:sldTgt/>
-                  </p:tgtEl>
-                </p:cond>
-              </p:prevCondLst>
-              <p:nextCondLst>
-                <p:cond evt="onNext" delay="0">
-                  <p:tgtEl>
-                    <p:sldTgt/>
-                  </p:tgtEl>
-                </p:cond>
-              </p:nextCondLst>
-            </p:seq>
-          </p:childTnLst>
-        </p:cTn>
-      </p:par>
-    </p:tnLst>
-    <p:bldLst>
-      <p:bldP spid="21" grpId="0" animBg="1"/>
-      <p:bldP spid="22" grpId="0"/>
-    </p:bldLst>
-  </p:timing>
 </p:sld>
 </file>
 

--- a/軟體工程期末專題報告.pptx
+++ b/軟體工程期末專題報告.pptx
@@ -19,11 +19,11 @@
     <p:sldId id="272" r:id="rId13"/>
     <p:sldId id="264" r:id="rId14"/>
     <p:sldId id="269" r:id="rId15"/>
-    <p:sldId id="265" r:id="rId16"/>
-    <p:sldId id="273" r:id="rId17"/>
-    <p:sldId id="266" r:id="rId18"/>
+    <p:sldId id="273" r:id="rId16"/>
+    <p:sldId id="265" r:id="rId17"/>
+    <p:sldId id="262" r:id="rId18"/>
     <p:sldId id="267" r:id="rId19"/>
-    <p:sldId id="262" r:id="rId20"/>
+    <p:sldId id="274" r:id="rId20"/>
     <p:sldId id="268" r:id="rId21"/>
   </p:sldIdLst>
   <p:sldSz cx="12192000" cy="6858000"/>
@@ -278,7 +278,7 @@
           <a:p>
             <a:fld id="{C85E1984-8962-4D22-85D0-F7905988C2FE}" type="datetimeFigureOut">
               <a:rPr lang="zh-TW" altLang="en-US" smtClean="0"/>
-              <a:t>2018/11/14</a:t>
+              <a:t>2018/11/19</a:t>
             </a:fld>
             <a:endParaRPr lang="zh-TW" altLang="en-US"/>
           </a:p>
@@ -476,7 +476,7 @@
           <a:p>
             <a:fld id="{C85E1984-8962-4D22-85D0-F7905988C2FE}" type="datetimeFigureOut">
               <a:rPr lang="zh-TW" altLang="en-US" smtClean="0"/>
-              <a:t>2018/11/14</a:t>
+              <a:t>2018/11/19</a:t>
             </a:fld>
             <a:endParaRPr lang="zh-TW" altLang="en-US"/>
           </a:p>
@@ -684,7 +684,7 @@
           <a:p>
             <a:fld id="{C85E1984-8962-4D22-85D0-F7905988C2FE}" type="datetimeFigureOut">
               <a:rPr lang="zh-TW" altLang="en-US" smtClean="0"/>
-              <a:t>2018/11/14</a:t>
+              <a:t>2018/11/19</a:t>
             </a:fld>
             <a:endParaRPr lang="zh-TW" altLang="en-US"/>
           </a:p>
@@ -1088,7 +1088,7 @@
           <a:p>
             <a:fld id="{C85E1984-8962-4D22-85D0-F7905988C2FE}" type="datetimeFigureOut">
               <a:rPr lang="zh-TW" altLang="en-US" smtClean="0"/>
-              <a:t>2018/11/14</a:t>
+              <a:t>2018/11/19</a:t>
             </a:fld>
             <a:endParaRPr lang="zh-TW" altLang="en-US"/>
           </a:p>
@@ -1329,7 +1329,7 @@
           <a:p>
             <a:fld id="{C85E1984-8962-4D22-85D0-F7905988C2FE}" type="datetimeFigureOut">
               <a:rPr lang="zh-TW" altLang="en-US" smtClean="0"/>
-              <a:t>2018/11/14</a:t>
+              <a:t>2018/11/19</a:t>
             </a:fld>
             <a:endParaRPr lang="zh-TW" altLang="en-US"/>
           </a:p>
@@ -1577,7 +1577,7 @@
           <a:p>
             <a:fld id="{C85E1984-8962-4D22-85D0-F7905988C2FE}" type="datetimeFigureOut">
               <a:rPr lang="zh-TW" altLang="en-US" smtClean="0"/>
-              <a:t>2018/11/14</a:t>
+              <a:t>2018/11/19</a:t>
             </a:fld>
             <a:endParaRPr lang="zh-TW" altLang="en-US"/>
           </a:p>
@@ -1875,7 +1875,7 @@
           <a:p>
             <a:fld id="{C85E1984-8962-4D22-85D0-F7905988C2FE}" type="datetimeFigureOut">
               <a:rPr lang="zh-TW" altLang="en-US" smtClean="0"/>
-              <a:t>2018/11/14</a:t>
+              <a:t>2018/11/19</a:t>
             </a:fld>
             <a:endParaRPr lang="zh-TW" altLang="en-US"/>
           </a:p>
@@ -2269,7 +2269,7 @@
           <a:p>
             <a:fld id="{C85E1984-8962-4D22-85D0-F7905988C2FE}" type="datetimeFigureOut">
               <a:rPr lang="zh-TW" altLang="en-US" smtClean="0"/>
-              <a:t>2018/11/14</a:t>
+              <a:t>2018/11/19</a:t>
             </a:fld>
             <a:endParaRPr lang="zh-TW" altLang="en-US"/>
           </a:p>
@@ -2418,7 +2418,7 @@
           <a:p>
             <a:fld id="{C85E1984-8962-4D22-85D0-F7905988C2FE}" type="datetimeFigureOut">
               <a:rPr lang="zh-TW" altLang="en-US" smtClean="0"/>
-              <a:t>2018/11/14</a:t>
+              <a:t>2018/11/19</a:t>
             </a:fld>
             <a:endParaRPr lang="zh-TW" altLang="en-US"/>
           </a:p>
@@ -2544,7 +2544,7 @@
           <a:p>
             <a:fld id="{C85E1984-8962-4D22-85D0-F7905988C2FE}" type="datetimeFigureOut">
               <a:rPr lang="zh-TW" altLang="en-US" smtClean="0"/>
-              <a:t>2018/11/14</a:t>
+              <a:t>2018/11/19</a:t>
             </a:fld>
             <a:endParaRPr lang="zh-TW" altLang="en-US"/>
           </a:p>
@@ -2799,7 +2799,7 @@
           <a:p>
             <a:fld id="{C85E1984-8962-4D22-85D0-F7905988C2FE}" type="datetimeFigureOut">
               <a:rPr lang="zh-TW" altLang="en-US" smtClean="0"/>
-              <a:t>2018/11/14</a:t>
+              <a:t>2018/11/19</a:t>
             </a:fld>
             <a:endParaRPr lang="zh-TW" altLang="en-US"/>
           </a:p>
@@ -3016,7 +3016,7 @@
           <a:p>
             <a:fld id="{C85E1984-8962-4D22-85D0-F7905988C2FE}" type="datetimeFigureOut">
               <a:rPr lang="zh-TW" altLang="en-US" smtClean="0"/>
-              <a:t>2018/11/14</a:t>
+              <a:t>2018/11/19</a:t>
             </a:fld>
             <a:endParaRPr lang="zh-TW" altLang="en-US"/>
           </a:p>
@@ -3312,7 +3312,7 @@
           <a:p>
             <a:fld id="{C85E1984-8962-4D22-85D0-F7905988C2FE}" type="datetimeFigureOut">
               <a:rPr lang="zh-TW" altLang="en-US" smtClean="0"/>
-              <a:t>2018/11/14</a:t>
+              <a:t>2018/11/19</a:t>
             </a:fld>
             <a:endParaRPr lang="zh-TW" altLang="en-US"/>
           </a:p>
@@ -3596,7 +3596,7 @@
           <a:p>
             <a:fld id="{C85E1984-8962-4D22-85D0-F7905988C2FE}" type="datetimeFigureOut">
               <a:rPr lang="zh-TW" altLang="en-US" smtClean="0"/>
-              <a:t>2018/11/14</a:t>
+              <a:t>2018/11/19</a:t>
             </a:fld>
             <a:endParaRPr lang="zh-TW" altLang="en-US"/>
           </a:p>
@@ -3844,7 +3844,7 @@
           <a:p>
             <a:fld id="{C85E1984-8962-4D22-85D0-F7905988C2FE}" type="datetimeFigureOut">
               <a:rPr lang="zh-TW" altLang="en-US" smtClean="0"/>
-              <a:t>2018/11/14</a:t>
+              <a:t>2018/11/19</a:t>
             </a:fld>
             <a:endParaRPr lang="zh-TW" altLang="en-US"/>
           </a:p>
@@ -4183,7 +4183,7 @@
           <a:p>
             <a:fld id="{C85E1984-8962-4D22-85D0-F7905988C2FE}" type="datetimeFigureOut">
               <a:rPr lang="zh-TW" altLang="en-US" smtClean="0"/>
-              <a:t>2018/11/14</a:t>
+              <a:t>2018/11/19</a:t>
             </a:fld>
             <a:endParaRPr lang="zh-TW" altLang="en-US"/>
           </a:p>
@@ -4530,7 +4530,7 @@
           <a:p>
             <a:fld id="{C85E1984-8962-4D22-85D0-F7905988C2FE}" type="datetimeFigureOut">
               <a:rPr lang="zh-TW" altLang="en-US" smtClean="0"/>
-              <a:t>2018/11/14</a:t>
+              <a:t>2018/11/19</a:t>
             </a:fld>
             <a:endParaRPr lang="zh-TW" altLang="en-US"/>
           </a:p>
@@ -4904,7 +4904,7 @@
           <a:p>
             <a:fld id="{C85E1984-8962-4D22-85D0-F7905988C2FE}" type="datetimeFigureOut">
               <a:rPr lang="zh-TW" altLang="en-US" smtClean="0"/>
-              <a:t>2018/11/14</a:t>
+              <a:t>2018/11/19</a:t>
             </a:fld>
             <a:endParaRPr lang="zh-TW" altLang="en-US"/>
           </a:p>
@@ -5374,7 +5374,7 @@
           <a:p>
             <a:fld id="{C85E1984-8962-4D22-85D0-F7905988C2FE}" type="datetimeFigureOut">
               <a:rPr lang="zh-TW" altLang="en-US" smtClean="0"/>
-              <a:t>2018/11/14</a:t>
+              <a:t>2018/11/19</a:t>
             </a:fld>
             <a:endParaRPr lang="zh-TW" altLang="en-US"/>
           </a:p>
@@ -5579,7 +5579,7 @@
           <a:p>
             <a:fld id="{C85E1984-8962-4D22-85D0-F7905988C2FE}" type="datetimeFigureOut">
               <a:rPr lang="zh-TW" altLang="en-US" smtClean="0"/>
-              <a:t>2018/11/14</a:t>
+              <a:t>2018/11/19</a:t>
             </a:fld>
             <a:endParaRPr lang="zh-TW" altLang="en-US"/>
           </a:p>
@@ -5790,7 +5790,7 @@
           <a:p>
             <a:fld id="{C85E1984-8962-4D22-85D0-F7905988C2FE}" type="datetimeFigureOut">
               <a:rPr lang="zh-TW" altLang="en-US" smtClean="0"/>
-              <a:t>2018/11/14</a:t>
+              <a:t>2018/11/19</a:t>
             </a:fld>
             <a:endParaRPr lang="zh-TW" altLang="en-US"/>
           </a:p>
@@ -6213,7 +6213,7 @@
           <a:p>
             <a:fld id="{C85E1984-8962-4D22-85D0-F7905988C2FE}" type="datetimeFigureOut">
               <a:rPr lang="zh-TW" altLang="en-US" smtClean="0"/>
-              <a:t>2018/11/14</a:t>
+              <a:t>2018/11/19</a:t>
             </a:fld>
             <a:endParaRPr lang="zh-TW" altLang="en-US"/>
           </a:p>
@@ -6516,7 +6516,7 @@
           <a:p>
             <a:fld id="{C85E1984-8962-4D22-85D0-F7905988C2FE}" type="datetimeFigureOut">
               <a:rPr lang="zh-TW" altLang="en-US" smtClean="0"/>
-              <a:t>2018/11/14</a:t>
+              <a:t>2018/11/19</a:t>
             </a:fld>
             <a:endParaRPr lang="zh-TW" altLang="en-US"/>
           </a:p>
@@ -6729,7 +6729,7 @@
           <a:p>
             <a:fld id="{C85E1984-8962-4D22-85D0-F7905988C2FE}" type="datetimeFigureOut">
               <a:rPr lang="zh-TW" altLang="en-US" smtClean="0"/>
-              <a:t>2018/11/14</a:t>
+              <a:t>2018/11/19</a:t>
             </a:fld>
             <a:endParaRPr lang="zh-TW" altLang="en-US"/>
           </a:p>
@@ -6977,7 +6977,7 @@
           <a:p>
             <a:fld id="{C85E1984-8962-4D22-85D0-F7905988C2FE}" type="datetimeFigureOut">
               <a:rPr lang="zh-TW" altLang="en-US" smtClean="0"/>
-              <a:t>2018/11/14</a:t>
+              <a:t>2018/11/19</a:t>
             </a:fld>
             <a:endParaRPr lang="zh-TW" altLang="en-US"/>
           </a:p>
@@ -7275,7 +7275,7 @@
           <a:p>
             <a:fld id="{C85E1984-8962-4D22-85D0-F7905988C2FE}" type="datetimeFigureOut">
               <a:rPr lang="zh-TW" altLang="en-US" smtClean="0"/>
-              <a:t>2018/11/14</a:t>
+              <a:t>2018/11/19</a:t>
             </a:fld>
             <a:endParaRPr lang="zh-TW" altLang="en-US"/>
           </a:p>
@@ -7669,7 +7669,7 @@
           <a:p>
             <a:fld id="{C85E1984-8962-4D22-85D0-F7905988C2FE}" type="datetimeFigureOut">
               <a:rPr lang="zh-TW" altLang="en-US" smtClean="0"/>
-              <a:t>2018/11/14</a:t>
+              <a:t>2018/11/19</a:t>
             </a:fld>
             <a:endParaRPr lang="zh-TW" altLang="en-US"/>
           </a:p>
@@ -7818,7 +7818,7 @@
           <a:p>
             <a:fld id="{C85E1984-8962-4D22-85D0-F7905988C2FE}" type="datetimeFigureOut">
               <a:rPr lang="zh-TW" altLang="en-US" smtClean="0"/>
-              <a:t>2018/11/14</a:t>
+              <a:t>2018/11/19</a:t>
             </a:fld>
             <a:endParaRPr lang="zh-TW" altLang="en-US"/>
           </a:p>
@@ -7944,7 +7944,7 @@
           <a:p>
             <a:fld id="{C85E1984-8962-4D22-85D0-F7905988C2FE}" type="datetimeFigureOut">
               <a:rPr lang="zh-TW" altLang="en-US" smtClean="0"/>
-              <a:t>2018/11/14</a:t>
+              <a:t>2018/11/19</a:t>
             </a:fld>
             <a:endParaRPr lang="zh-TW" altLang="en-US"/>
           </a:p>
@@ -8199,7 +8199,7 @@
           <a:p>
             <a:fld id="{C85E1984-8962-4D22-85D0-F7905988C2FE}" type="datetimeFigureOut">
               <a:rPr lang="zh-TW" altLang="en-US" smtClean="0"/>
-              <a:t>2018/11/14</a:t>
+              <a:t>2018/11/19</a:t>
             </a:fld>
             <a:endParaRPr lang="zh-TW" altLang="en-US"/>
           </a:p>
@@ -8514,7 +8514,7 @@
           <a:p>
             <a:fld id="{C85E1984-8962-4D22-85D0-F7905988C2FE}" type="datetimeFigureOut">
               <a:rPr lang="zh-TW" altLang="en-US" smtClean="0"/>
-              <a:t>2018/11/14</a:t>
+              <a:t>2018/11/19</a:t>
             </a:fld>
             <a:endParaRPr lang="zh-TW" altLang="en-US"/>
           </a:p>
@@ -8798,7 +8798,7 @@
           <a:p>
             <a:fld id="{C85E1984-8962-4D22-85D0-F7905988C2FE}" type="datetimeFigureOut">
               <a:rPr lang="zh-TW" altLang="en-US" smtClean="0"/>
-              <a:t>2018/11/14</a:t>
+              <a:t>2018/11/19</a:t>
             </a:fld>
             <a:endParaRPr lang="zh-TW" altLang="en-US"/>
           </a:p>
@@ -9046,7 +9046,7 @@
           <a:p>
             <a:fld id="{C85E1984-8962-4D22-85D0-F7905988C2FE}" type="datetimeFigureOut">
               <a:rPr lang="zh-TW" altLang="en-US" smtClean="0"/>
-              <a:t>2018/11/14</a:t>
+              <a:t>2018/11/19</a:t>
             </a:fld>
             <a:endParaRPr lang="zh-TW" altLang="en-US"/>
           </a:p>
@@ -9330,7 +9330,7 @@
           <a:p>
             <a:fld id="{C85E1984-8962-4D22-85D0-F7905988C2FE}" type="datetimeFigureOut">
               <a:rPr lang="zh-TW" altLang="en-US" smtClean="0"/>
-              <a:t>2018/11/14</a:t>
+              <a:t>2018/11/19</a:t>
             </a:fld>
             <a:endParaRPr lang="zh-TW" altLang="en-US"/>
           </a:p>
@@ -9650,7 +9650,7 @@
           <a:p>
             <a:fld id="{C85E1984-8962-4D22-85D0-F7905988C2FE}" type="datetimeFigureOut">
               <a:rPr lang="zh-TW" altLang="en-US" smtClean="0"/>
-              <a:t>2018/11/14</a:t>
+              <a:t>2018/11/19</a:t>
             </a:fld>
             <a:endParaRPr lang="zh-TW" altLang="en-US"/>
           </a:p>
@@ -9997,7 +9997,7 @@
           <a:p>
             <a:fld id="{C85E1984-8962-4D22-85D0-F7905988C2FE}" type="datetimeFigureOut">
               <a:rPr lang="zh-TW" altLang="en-US" smtClean="0"/>
-              <a:t>2018/11/14</a:t>
+              <a:t>2018/11/19</a:t>
             </a:fld>
             <a:endParaRPr lang="zh-TW" altLang="en-US"/>
           </a:p>
@@ -10371,7 +10371,7 @@
           <a:p>
             <a:fld id="{C85E1984-8962-4D22-85D0-F7905988C2FE}" type="datetimeFigureOut">
               <a:rPr lang="zh-TW" altLang="en-US" smtClean="0"/>
-              <a:t>2018/11/14</a:t>
+              <a:t>2018/11/19</a:t>
             </a:fld>
             <a:endParaRPr lang="zh-TW" altLang="en-US"/>
           </a:p>
@@ -10841,7 +10841,7 @@
           <a:p>
             <a:fld id="{C85E1984-8962-4D22-85D0-F7905988C2FE}" type="datetimeFigureOut">
               <a:rPr lang="zh-TW" altLang="en-US" smtClean="0"/>
-              <a:t>2018/11/14</a:t>
+              <a:t>2018/11/19</a:t>
             </a:fld>
             <a:endParaRPr lang="zh-TW" altLang="en-US"/>
           </a:p>
@@ -11046,7 +11046,7 @@
           <a:p>
             <a:fld id="{C85E1984-8962-4D22-85D0-F7905988C2FE}" type="datetimeFigureOut">
               <a:rPr lang="zh-TW" altLang="en-US" smtClean="0"/>
-              <a:t>2018/11/14</a:t>
+              <a:t>2018/11/19</a:t>
             </a:fld>
             <a:endParaRPr lang="zh-TW" altLang="en-US"/>
           </a:p>
@@ -11257,7 +11257,7 @@
           <a:p>
             <a:fld id="{C85E1984-8962-4D22-85D0-F7905988C2FE}" type="datetimeFigureOut">
               <a:rPr lang="zh-TW" altLang="en-US" smtClean="0"/>
-              <a:t>2018/11/14</a:t>
+              <a:t>2018/11/19</a:t>
             </a:fld>
             <a:endParaRPr lang="zh-TW" altLang="en-US"/>
           </a:p>
@@ -11537,7 +11537,7 @@
           <a:p>
             <a:fld id="{C85E1984-8962-4D22-85D0-F7905988C2FE}" type="datetimeFigureOut">
               <a:rPr lang="zh-TW" altLang="en-US" smtClean="0"/>
-              <a:t>2018/11/14</a:t>
+              <a:t>2018/11/19</a:t>
             </a:fld>
             <a:endParaRPr lang="zh-TW" altLang="en-US"/>
           </a:p>
@@ -11804,7 +11804,7 @@
           <a:p>
             <a:fld id="{C85E1984-8962-4D22-85D0-F7905988C2FE}" type="datetimeFigureOut">
               <a:rPr lang="zh-TW" altLang="en-US" smtClean="0"/>
-              <a:t>2018/11/14</a:t>
+              <a:t>2018/11/19</a:t>
             </a:fld>
             <a:endParaRPr lang="zh-TW" altLang="en-US"/>
           </a:p>
@@ -12133,7 +12133,7 @@
           <a:p>
             <a:fld id="{C85E1984-8962-4D22-85D0-F7905988C2FE}" type="datetimeFigureOut">
               <a:rPr lang="zh-TW" altLang="en-US" smtClean="0"/>
-              <a:t>2018/11/14</a:t>
+              <a:t>2018/11/19</a:t>
             </a:fld>
             <a:endParaRPr lang="zh-TW" altLang="en-US"/>
           </a:p>
@@ -12456,7 +12456,7 @@
           <a:p>
             <a:fld id="{C85E1984-8962-4D22-85D0-F7905988C2FE}" type="datetimeFigureOut">
               <a:rPr lang="zh-TW" altLang="en-US" smtClean="0"/>
-              <a:t>2018/11/14</a:t>
+              <a:t>2018/11/19</a:t>
             </a:fld>
             <a:endParaRPr lang="zh-TW" altLang="en-US"/>
           </a:p>
@@ -12943,7 +12943,7 @@
           <a:p>
             <a:fld id="{C85E1984-8962-4D22-85D0-F7905988C2FE}" type="datetimeFigureOut">
               <a:rPr lang="zh-TW" altLang="en-US" smtClean="0"/>
-              <a:t>2018/11/14</a:t>
+              <a:t>2018/11/19</a:t>
             </a:fld>
             <a:endParaRPr lang="zh-TW" altLang="en-US"/>
           </a:p>
@@ -13325,7 +13325,7 @@
           <a:p>
             <a:fld id="{C85E1984-8962-4D22-85D0-F7905988C2FE}" type="datetimeFigureOut">
               <a:rPr lang="zh-TW" altLang="en-US" smtClean="0"/>
-              <a:t>2018/11/14</a:t>
+              <a:t>2018/11/19</a:t>
             </a:fld>
             <a:endParaRPr lang="zh-TW" altLang="en-US"/>
           </a:p>
@@ -13530,7 +13530,7 @@
           <a:p>
             <a:fld id="{C85E1984-8962-4D22-85D0-F7905988C2FE}" type="datetimeFigureOut">
               <a:rPr lang="zh-TW" altLang="en-US" smtClean="0"/>
-              <a:t>2018/11/14</a:t>
+              <a:t>2018/11/19</a:t>
             </a:fld>
             <a:endParaRPr lang="zh-TW" altLang="en-US"/>
           </a:p>
@@ -13707,7 +13707,7 @@
           <a:p>
             <a:fld id="{C85E1984-8962-4D22-85D0-F7905988C2FE}" type="datetimeFigureOut">
               <a:rPr lang="zh-TW" altLang="en-US" smtClean="0"/>
-              <a:t>2018/11/14</a:t>
+              <a:t>2018/11/19</a:t>
             </a:fld>
             <a:endParaRPr lang="zh-TW" altLang="en-US"/>
           </a:p>
@@ -14040,7 +14040,7 @@
           <a:p>
             <a:fld id="{C85E1984-8962-4D22-85D0-F7905988C2FE}" type="datetimeFigureOut">
               <a:rPr lang="zh-TW" altLang="en-US" smtClean="0"/>
-              <a:t>2018/11/14</a:t>
+              <a:t>2018/11/19</a:t>
             </a:fld>
             <a:endParaRPr lang="zh-TW" altLang="en-US"/>
           </a:p>
@@ -14385,7 +14385,7 @@
           <a:p>
             <a:fld id="{C85E1984-8962-4D22-85D0-F7905988C2FE}" type="datetimeFigureOut">
               <a:rPr lang="zh-TW" altLang="en-US" smtClean="0"/>
-              <a:t>2018/11/14</a:t>
+              <a:t>2018/11/19</a:t>
             </a:fld>
             <a:endParaRPr lang="zh-TW" altLang="en-US"/>
           </a:p>
@@ -14723,7 +14723,7 @@
           <a:p>
             <a:fld id="{C85E1984-8962-4D22-85D0-F7905988C2FE}" type="datetimeFigureOut">
               <a:rPr lang="zh-TW" altLang="en-US" smtClean="0"/>
-              <a:t>2018/11/14</a:t>
+              <a:t>2018/11/19</a:t>
             </a:fld>
             <a:endParaRPr lang="zh-TW" altLang="en-US"/>
           </a:p>
@@ -15124,7 +15124,7 @@
           <a:p>
             <a:fld id="{C85E1984-8962-4D22-85D0-F7905988C2FE}" type="datetimeFigureOut">
               <a:rPr lang="zh-TW" altLang="en-US" smtClean="0"/>
-              <a:t>2018/11/14</a:t>
+              <a:t>2018/11/19</a:t>
             </a:fld>
             <a:endParaRPr lang="zh-TW" altLang="en-US"/>
           </a:p>
@@ -15460,7 +15460,7 @@
           <a:p>
             <a:fld id="{C85E1984-8962-4D22-85D0-F7905988C2FE}" type="datetimeFigureOut">
               <a:rPr lang="zh-TW" altLang="en-US" smtClean="0"/>
-              <a:t>2018/11/14</a:t>
+              <a:t>2018/11/19</a:t>
             </a:fld>
             <a:endParaRPr lang="zh-TW" altLang="en-US"/>
           </a:p>
@@ -15780,7 +15780,7 @@
           <a:p>
             <a:fld id="{C85E1984-8962-4D22-85D0-F7905988C2FE}" type="datetimeFigureOut">
               <a:rPr lang="zh-TW" altLang="en-US" smtClean="0"/>
-              <a:t>2018/11/14</a:t>
+              <a:t>2018/11/19</a:t>
             </a:fld>
             <a:endParaRPr lang="zh-TW" altLang="en-US"/>
           </a:p>
@@ -16176,7 +16176,7 @@
           <a:p>
             <a:fld id="{C85E1984-8962-4D22-85D0-F7905988C2FE}" type="datetimeFigureOut">
               <a:rPr lang="zh-TW" altLang="en-US" smtClean="0"/>
-              <a:t>2018/11/14</a:t>
+              <a:t>2018/11/19</a:t>
             </a:fld>
             <a:endParaRPr lang="zh-TW" altLang="en-US"/>
           </a:p>
@@ -16392,7 +16392,7 @@
           <a:p>
             <a:fld id="{C85E1984-8962-4D22-85D0-F7905988C2FE}" type="datetimeFigureOut">
               <a:rPr lang="zh-TW" altLang="en-US" smtClean="0"/>
-              <a:t>2018/11/14</a:t>
+              <a:t>2018/11/19</a:t>
             </a:fld>
             <a:endParaRPr lang="zh-TW" altLang="en-US"/>
           </a:p>
@@ -16574,7 +16574,7 @@
           <a:p>
             <a:fld id="{C85E1984-8962-4D22-85D0-F7905988C2FE}" type="datetimeFigureOut">
               <a:rPr lang="zh-TW" altLang="en-US" smtClean="0"/>
-              <a:t>2018/11/14</a:t>
+              <a:t>2018/11/19</a:t>
             </a:fld>
             <a:endParaRPr lang="zh-TW" altLang="en-US"/>
           </a:p>
@@ -16836,7 +16836,7 @@
           <a:p>
             <a:fld id="{C85E1984-8962-4D22-85D0-F7905988C2FE}" type="datetimeFigureOut">
               <a:rPr lang="zh-TW" altLang="en-US" smtClean="0"/>
-              <a:t>2018/11/14</a:t>
+              <a:t>2018/11/19</a:t>
             </a:fld>
             <a:endParaRPr lang="zh-TW" altLang="en-US"/>
           </a:p>
@@ -17019,7 +17019,7 @@
           <a:p>
             <a:fld id="{C85E1984-8962-4D22-85D0-F7905988C2FE}" type="datetimeFigureOut">
               <a:rPr lang="zh-TW" altLang="en-US" smtClean="0"/>
-              <a:t>2018/11/14</a:t>
+              <a:t>2018/11/19</a:t>
             </a:fld>
             <a:endParaRPr lang="zh-TW" altLang="en-US"/>
           </a:p>
@@ -17330,7 +17330,7 @@
           <a:p>
             <a:fld id="{C85E1984-8962-4D22-85D0-F7905988C2FE}" type="datetimeFigureOut">
               <a:rPr lang="zh-TW" altLang="en-US" smtClean="0"/>
-              <a:t>2018/11/14</a:t>
+              <a:t>2018/11/19</a:t>
             </a:fld>
             <a:endParaRPr lang="zh-TW" altLang="en-US"/>
           </a:p>
@@ -17618,7 +17618,7 @@
           <a:p>
             <a:fld id="{C85E1984-8962-4D22-85D0-F7905988C2FE}" type="datetimeFigureOut">
               <a:rPr lang="zh-TW" altLang="en-US" smtClean="0"/>
-              <a:t>2018/11/14</a:t>
+              <a:t>2018/11/19</a:t>
             </a:fld>
             <a:endParaRPr lang="zh-TW" altLang="en-US"/>
           </a:p>
@@ -17859,7 +17859,7 @@
           <a:p>
             <a:fld id="{C85E1984-8962-4D22-85D0-F7905988C2FE}" type="datetimeFigureOut">
               <a:rPr lang="zh-TW" altLang="en-US" smtClean="0"/>
-              <a:t>2018/11/14</a:t>
+              <a:t>2018/11/19</a:t>
             </a:fld>
             <a:endParaRPr lang="zh-TW" altLang="en-US"/>
           </a:p>
@@ -18549,7 +18549,7 @@
           <a:p>
             <a:fld id="{C85E1984-8962-4D22-85D0-F7905988C2FE}" type="datetimeFigureOut">
               <a:rPr lang="zh-TW" altLang="en-US" smtClean="0"/>
-              <a:t>2018/11/14</a:t>
+              <a:t>2018/11/19</a:t>
             </a:fld>
             <a:endParaRPr lang="zh-TW" altLang="en-US"/>
           </a:p>
@@ -19365,7 +19365,7 @@
           <a:p>
             <a:fld id="{C85E1984-8962-4D22-85D0-F7905988C2FE}" type="datetimeFigureOut">
               <a:rPr lang="zh-TW" altLang="en-US" smtClean="0"/>
-              <a:t>2018/11/14</a:t>
+              <a:t>2018/11/19</a:t>
             </a:fld>
             <a:endParaRPr lang="zh-TW" altLang="en-US"/>
           </a:p>
@@ -21860,7 +21860,7 @@
           <a:p>
             <a:fld id="{C85E1984-8962-4D22-85D0-F7905988C2FE}" type="datetimeFigureOut">
               <a:rPr lang="zh-TW" altLang="en-US" smtClean="0"/>
-              <a:t>2018/11/14</a:t>
+              <a:t>2018/11/19</a:t>
             </a:fld>
             <a:endParaRPr lang="zh-TW" altLang="en-US"/>
           </a:p>
@@ -24305,105 +24305,6 @@
           <p:cNvPr id="2" name="標題 1">
             <a:extLst>
               <a:ext uri="{FF2B5EF4-FFF2-40B4-BE49-F238E27FC236}">
-                <a16:creationId xmlns:a16="http://schemas.microsoft.com/office/drawing/2014/main" id="{F67A1079-3A1C-4109-90E2-726FAEC4FE48}"/>
-              </a:ext>
-            </a:extLst>
-          </p:cNvPr>
-          <p:cNvSpPr>
-            <a:spLocks noGrp="1"/>
-          </p:cNvSpPr>
-          <p:nvPr>
-            <p:ph type="title"/>
-          </p:nvPr>
-        </p:nvSpPr>
-        <p:spPr>
-          <a:xfrm>
-            <a:off x="838200" y="365125"/>
-            <a:ext cx="2930718" cy="1325563"/>
-          </a:xfrm>
-        </p:spPr>
-        <p:txBody>
-          <a:bodyPr/>
-          <a:lstStyle/>
-          <a:p>
-            <a:pPr algn="ctr"/>
-            <a:r>
-              <a:rPr lang="zh-TW" altLang="en-US" dirty="0"/>
-              <a:t>系統架構</a:t>
-            </a:r>
-          </a:p>
-        </p:txBody>
-      </p:sp>
-      <p:pic>
-        <p:nvPicPr>
-          <p:cNvPr id="11" name="內容版面配置區 10">
-            <a:extLst>
-              <a:ext uri="{FF2B5EF4-FFF2-40B4-BE49-F238E27FC236}">
-                <a16:creationId xmlns:a16="http://schemas.microsoft.com/office/drawing/2014/main" id="{4966A585-2182-44B2-835F-DF4DDE473358}"/>
-              </a:ext>
-            </a:extLst>
-          </p:cNvPr>
-          <p:cNvPicPr>
-            <a:picLocks noGrp="1" noChangeAspect="1"/>
-          </p:cNvPicPr>
-          <p:nvPr>
-            <p:ph idx="1"/>
-          </p:nvPr>
-        </p:nvPicPr>
-        <p:blipFill>
-          <a:blip r:embed="rId2">
-            <a:extLst>
-              <a:ext uri="{28A0092B-C50C-407E-A947-70E740481C1C}">
-                <a14:useLocalDpi xmlns:a14="http://schemas.microsoft.com/office/drawing/2010/main" val="0"/>
-              </a:ext>
-            </a:extLst>
-          </a:blip>
-          <a:stretch>
-            <a:fillRect/>
-          </a:stretch>
-        </p:blipFill>
-        <p:spPr>
-          <a:xfrm>
-            <a:off x="6397388" y="522884"/>
-            <a:ext cx="3719323" cy="5812232"/>
-          </a:xfrm>
-        </p:spPr>
-      </p:pic>
-    </p:spTree>
-    <p:extLst>
-      <p:ext uri="{BB962C8B-B14F-4D97-AF65-F5344CB8AC3E}">
-        <p14:creationId xmlns:p14="http://schemas.microsoft.com/office/powerpoint/2010/main" val="1162394172"/>
-      </p:ext>
-    </p:extLst>
-  </p:cSld>
-  <p:clrMapOvr>
-    <a:masterClrMapping/>
-  </p:clrMapOvr>
-</p:sld>
-</file>
-
-<file path=ppt/slides/slide13.xml><?xml version="1.0" encoding="utf-8"?>
-<p:sld xmlns:a="http://schemas.openxmlformats.org/drawingml/2006/main" xmlns:r="http://schemas.openxmlformats.org/officeDocument/2006/relationships" xmlns:p="http://schemas.openxmlformats.org/presentationml/2006/main">
-  <p:cSld>
-    <p:spTree>
-      <p:nvGrpSpPr>
-        <p:cNvPr id="1" name=""/>
-        <p:cNvGrpSpPr/>
-        <p:nvPr/>
-      </p:nvGrpSpPr>
-      <p:grpSpPr>
-        <a:xfrm>
-          <a:off x="0" y="0"/>
-          <a:ext cx="0" cy="0"/>
-          <a:chOff x="0" y="0"/>
-          <a:chExt cx="0" cy="0"/>
-        </a:xfrm>
-      </p:grpSpPr>
-      <p:sp>
-        <p:nvSpPr>
-          <p:cNvPr id="2" name="標題 1">
-            <a:extLst>
-              <a:ext uri="{FF2B5EF4-FFF2-40B4-BE49-F238E27FC236}">
                 <a16:creationId xmlns:a16="http://schemas.microsoft.com/office/drawing/2014/main" id="{23050A43-DD0C-4D58-87CD-5BC7918577FE}"/>
               </a:ext>
             </a:extLst>
@@ -24481,43 +24382,9 @@
 </p:sld>
 </file>
 
-<file path=ppt/slides/slide14.xml><?xml version="1.0" encoding="utf-8"?>
+<file path=ppt/slides/slide13.xml><?xml version="1.0" encoding="utf-8"?>
 <p:sld xmlns:a="http://schemas.openxmlformats.org/drawingml/2006/main" xmlns:r="http://schemas.openxmlformats.org/officeDocument/2006/relationships" xmlns:p="http://schemas.openxmlformats.org/presentationml/2006/main">
   <p:cSld>
-    <p:bg>
-      <p:bgPr>
-        <a:gradFill>
-          <a:gsLst>
-            <a:gs pos="0">
-              <a:schemeClr val="accent1">
-                <a:lumMod val="5000"/>
-                <a:lumOff val="95000"/>
-              </a:schemeClr>
-            </a:gs>
-            <a:gs pos="74000">
-              <a:schemeClr val="accent1">
-                <a:lumMod val="45000"/>
-                <a:lumOff val="55000"/>
-              </a:schemeClr>
-            </a:gs>
-            <a:gs pos="83000">
-              <a:schemeClr val="accent1">
-                <a:lumMod val="45000"/>
-                <a:lumOff val="55000"/>
-              </a:schemeClr>
-            </a:gs>
-            <a:gs pos="100000">
-              <a:schemeClr val="accent1">
-                <a:lumMod val="30000"/>
-                <a:lumOff val="70000"/>
-              </a:schemeClr>
-            </a:gs>
-          </a:gsLst>
-          <a:lin ang="5400000" scaled="1"/>
-        </a:gradFill>
-        <a:effectLst/>
-      </p:bgPr>
-    </p:bg>
     <p:spTree>
       <p:nvGrpSpPr>
         <p:cNvPr id="1" name=""/>
@@ -24537,7 +24404,7 @@
           <p:cNvPr id="2" name="標題 1">
             <a:extLst>
               <a:ext uri="{FF2B5EF4-FFF2-40B4-BE49-F238E27FC236}">
-                <a16:creationId xmlns:a16="http://schemas.microsoft.com/office/drawing/2014/main" id="{D9475F4D-DF1D-4E65-960B-0C29B1335732}"/>
+                <a16:creationId xmlns:a16="http://schemas.microsoft.com/office/drawing/2014/main" id="{F67A1079-3A1C-4109-90E2-726FAEC4FE48}"/>
               </a:ext>
             </a:extLst>
           </p:cNvPr>
@@ -24548,15 +24415,37 @@
             <p:ph type="title"/>
           </p:nvPr>
         </p:nvSpPr>
-        <p:spPr/>
-        <p:txBody>
-          <a:bodyPr/>
+        <p:spPr>
+          <a:xfrm>
+            <a:off x="1021080" y="858106"/>
+            <a:ext cx="3646336" cy="1325563"/>
+          </a:xfrm>
+        </p:spPr>
+        <p:txBody>
+          <a:bodyPr>
+            <a:normAutofit fontScale="90000"/>
+          </a:bodyPr>
           <a:lstStyle/>
           <a:p>
             <a:pPr algn="ctr"/>
             <a:r>
+              <a:rPr lang="zh-TW" altLang="en-US" dirty="0"/>
+              <a:t>系統架構流程</a:t>
+            </a:r>
+            <a:br>
               <a:rPr lang="en-US" altLang="zh-TW" dirty="0"/>
-              <a:t>UML</a:t>
+            </a:br>
+            <a:r>
+              <a:rPr lang="en-US" altLang="zh-TW" dirty="0"/>
+              <a:t>(</a:t>
+            </a:r>
+            <a:r>
+              <a:rPr lang="zh-TW" altLang="en-US" dirty="0"/>
+              <a:t>活動圖型</a:t>
+            </a:r>
+            <a:r>
+              <a:rPr lang="en-US" altLang="zh-TW" dirty="0"/>
+              <a:t>)</a:t>
             </a:r>
             <a:endParaRPr lang="zh-TW" altLang="en-US" dirty="0"/>
           </a:p>
@@ -24564,10 +24453,10 @@
       </p:sp>
       <p:sp>
         <p:nvSpPr>
-          <p:cNvPr id="3" name="內容版面配置區 2">
+          <p:cNvPr id="4" name="內容版面配置區 3">
             <a:extLst>
               <a:ext uri="{FF2B5EF4-FFF2-40B4-BE49-F238E27FC236}">
-                <a16:creationId xmlns:a16="http://schemas.microsoft.com/office/drawing/2014/main" id="{C71189A9-BCE5-46CA-9CC0-194EE75483A6}"/>
+                <a16:creationId xmlns:a16="http://schemas.microsoft.com/office/drawing/2014/main" id="{F1D94F3C-F294-4938-B619-EB3A33F91B07}"/>
               </a:ext>
             </a:extLst>
           </p:cNvPr>
@@ -24587,10 +24476,138 @@
           </a:p>
         </p:txBody>
       </p:sp>
+      <p:pic>
+        <p:nvPicPr>
+          <p:cNvPr id="5" name="圖片 4">
+            <a:extLst>
+              <a:ext uri="{FF2B5EF4-FFF2-40B4-BE49-F238E27FC236}">
+                <a16:creationId xmlns:a16="http://schemas.microsoft.com/office/drawing/2014/main" id="{291B0B5A-49A4-41DE-9F9B-BC959A82655F}"/>
+              </a:ext>
+            </a:extLst>
+          </p:cNvPr>
+          <p:cNvPicPr>
+            <a:picLocks noChangeAspect="1"/>
+          </p:cNvPicPr>
+          <p:nvPr/>
+        </p:nvPicPr>
+        <p:blipFill>
+          <a:blip r:embed="rId2"/>
+          <a:stretch>
+            <a:fillRect/>
+          </a:stretch>
+        </p:blipFill>
+        <p:spPr>
+          <a:xfrm>
+            <a:off x="4656086" y="858106"/>
+            <a:ext cx="6514834" cy="5211867"/>
+          </a:xfrm>
+          <a:prstGeom prst="rect">
+            <a:avLst/>
+          </a:prstGeom>
+        </p:spPr>
+      </p:pic>
     </p:spTree>
     <p:extLst>
       <p:ext uri="{BB962C8B-B14F-4D97-AF65-F5344CB8AC3E}">
-        <p14:creationId xmlns:p14="http://schemas.microsoft.com/office/powerpoint/2010/main" val="3670054054"/>
+        <p14:creationId xmlns:p14="http://schemas.microsoft.com/office/powerpoint/2010/main" val="1162394172"/>
+      </p:ext>
+    </p:extLst>
+  </p:cSld>
+  <p:clrMapOvr>
+    <a:masterClrMapping/>
+  </p:clrMapOvr>
+</p:sld>
+</file>
+
+<file path=ppt/slides/slide14.xml><?xml version="1.0" encoding="utf-8"?>
+<p:sld xmlns:a="http://schemas.openxmlformats.org/drawingml/2006/main" xmlns:r="http://schemas.openxmlformats.org/officeDocument/2006/relationships" xmlns:p="http://schemas.openxmlformats.org/presentationml/2006/main">
+  <p:cSld>
+    <p:spTree>
+      <p:nvGrpSpPr>
+        <p:cNvPr id="1" name=""/>
+        <p:cNvGrpSpPr/>
+        <p:nvPr/>
+      </p:nvGrpSpPr>
+      <p:grpSpPr>
+        <a:xfrm>
+          <a:off x="0" y="0"/>
+          <a:ext cx="0" cy="0"/>
+          <a:chOff x="0" y="0"/>
+          <a:chExt cx="0" cy="0"/>
+        </a:xfrm>
+      </p:grpSpPr>
+      <p:sp>
+        <p:nvSpPr>
+          <p:cNvPr id="2" name="標題 1">
+            <a:extLst>
+              <a:ext uri="{FF2B5EF4-FFF2-40B4-BE49-F238E27FC236}">
+                <a16:creationId xmlns:a16="http://schemas.microsoft.com/office/drawing/2014/main" id="{5775160C-B777-42EA-87D0-DE72CDF5EAC9}"/>
+              </a:ext>
+            </a:extLst>
+          </p:cNvPr>
+          <p:cNvSpPr>
+            <a:spLocks noGrp="1"/>
+          </p:cNvSpPr>
+          <p:nvPr>
+            <p:ph type="title"/>
+          </p:nvPr>
+        </p:nvSpPr>
+        <p:spPr>
+          <a:xfrm>
+            <a:off x="1295402" y="449697"/>
+            <a:ext cx="9601196" cy="1303867"/>
+          </a:xfrm>
+        </p:spPr>
+        <p:txBody>
+          <a:bodyPr/>
+          <a:lstStyle/>
+          <a:p>
+            <a:r>
+              <a:rPr lang="zh-TW" altLang="en-US" dirty="0"/>
+              <a:t>負責圖</a:t>
+            </a:r>
+          </a:p>
+        </p:txBody>
+      </p:sp>
+      <p:pic>
+        <p:nvPicPr>
+          <p:cNvPr id="9" name="內容版面配置區 8">
+            <a:extLst>
+              <a:ext uri="{FF2B5EF4-FFF2-40B4-BE49-F238E27FC236}">
+                <a16:creationId xmlns:a16="http://schemas.microsoft.com/office/drawing/2014/main" id="{A78AB682-5795-4BFC-A72C-B4A929E931CA}"/>
+              </a:ext>
+            </a:extLst>
+          </p:cNvPr>
+          <p:cNvPicPr>
+            <a:picLocks noGrp="1" noChangeAspect="1"/>
+          </p:cNvPicPr>
+          <p:nvPr>
+            <p:ph idx="1"/>
+          </p:nvPr>
+        </p:nvPicPr>
+        <p:blipFill>
+          <a:blip r:embed="rId2">
+            <a:extLst>
+              <a:ext uri="{28A0092B-C50C-407E-A947-70E740481C1C}">
+                <a14:useLocalDpi xmlns:a14="http://schemas.microsoft.com/office/drawing/2010/main" val="0"/>
+              </a:ext>
+            </a:extLst>
+          </a:blip>
+          <a:stretch>
+            <a:fillRect/>
+          </a:stretch>
+        </p:blipFill>
+        <p:spPr>
+          <a:xfrm>
+            <a:off x="1900679" y="1388236"/>
+            <a:ext cx="8390641" cy="5020067"/>
+          </a:xfrm>
+        </p:spPr>
+      </p:pic>
+    </p:spTree>
+    <p:extLst>
+      <p:ext uri="{BB962C8B-B14F-4D97-AF65-F5344CB8AC3E}">
+        <p14:creationId xmlns:p14="http://schemas.microsoft.com/office/powerpoint/2010/main" val="2984683628"/>
       </p:ext>
     </p:extLst>
   </p:cSld>
@@ -24738,7 +24755,7 @@
             </a:pPr>
             <a:r>
               <a:rPr lang="zh-TW" altLang="en-US" sz="2400" dirty="0"/>
-              <a:t>蔡育倫</a:t>
+              <a:t>蔡育倫 </a:t>
             </a:r>
             <a:r>
               <a:rPr lang="en-US" altLang="zh-TW" sz="2400" dirty="0"/>
@@ -24746,7 +24763,7 @@
             </a:r>
             <a:r>
               <a:rPr lang="zh-TW" altLang="en-US" sz="2400" dirty="0"/>
-              <a:t>資料收集、程式撰寫、編寫簡報、模組設計、道具外觀設計、音效製作</a:t>
+              <a:t> 資料收集、程式撰寫、編寫簡報、模組設計、道具外觀設計、音效製作</a:t>
             </a:r>
             <a:endParaRPr lang="en-US" altLang="zh-TW" sz="2400" dirty="0"/>
           </a:p>
@@ -24756,7 +24773,7 @@
             </a:pPr>
             <a:r>
               <a:rPr lang="zh-TW" altLang="en-US" sz="2400" dirty="0"/>
-              <a:t>林育民</a:t>
+              <a:t>林育民 </a:t>
             </a:r>
             <a:r>
               <a:rPr lang="en-US" altLang="zh-TW" sz="2400" dirty="0"/>
@@ -24764,7 +24781,7 @@
             </a:r>
             <a:r>
               <a:rPr lang="zh-TW" altLang="en-US" sz="2400" dirty="0"/>
-              <a:t>程式撰寫、網路架構設計、</a:t>
+              <a:t> 程式撰寫、網路架構設計、</a:t>
             </a:r>
             <a:r>
               <a:rPr lang="en-US" altLang="zh-TW" sz="2400" dirty="0"/>
@@ -24790,7 +24807,7 @@
             </a:pPr>
             <a:r>
               <a:rPr lang="zh-TW" altLang="en-US" sz="2400" dirty="0"/>
-              <a:t>柯盛文</a:t>
+              <a:t>柯盛文 </a:t>
             </a:r>
             <a:r>
               <a:rPr lang="en-US" altLang="zh-TW" sz="2400" dirty="0"/>
@@ -24798,7 +24815,7 @@
             </a:r>
             <a:r>
               <a:rPr lang="zh-TW" altLang="en-US" sz="2400" dirty="0"/>
-              <a:t>資料收集、編寫簡報、 場景設計、動畫設計</a:t>
+              <a:t> 資料收集、編寫簡報、 場景設計、動畫設計</a:t>
             </a:r>
             <a:endParaRPr lang="en-US" altLang="zh-TW" sz="2400" dirty="0"/>
           </a:p>
@@ -25057,6 +25074,40 @@
 <file path=ppt/slides/slide16.xml><?xml version="1.0" encoding="utf-8"?>
 <p:sld xmlns:a="http://schemas.openxmlformats.org/drawingml/2006/main" xmlns:r="http://schemas.openxmlformats.org/officeDocument/2006/relationships" xmlns:p="http://schemas.openxmlformats.org/presentationml/2006/main">
   <p:cSld>
+    <p:bg>
+      <p:bgPr>
+        <a:gradFill>
+          <a:gsLst>
+            <a:gs pos="0">
+              <a:schemeClr val="accent1">
+                <a:lumMod val="5000"/>
+                <a:lumOff val="95000"/>
+              </a:schemeClr>
+            </a:gs>
+            <a:gs pos="74000">
+              <a:schemeClr val="accent1">
+                <a:lumMod val="45000"/>
+                <a:lumOff val="55000"/>
+              </a:schemeClr>
+            </a:gs>
+            <a:gs pos="83000">
+              <a:schemeClr val="accent1">
+                <a:lumMod val="45000"/>
+                <a:lumOff val="55000"/>
+              </a:schemeClr>
+            </a:gs>
+            <a:gs pos="100000">
+              <a:schemeClr val="accent1">
+                <a:lumMod val="30000"/>
+                <a:lumOff val="70000"/>
+              </a:schemeClr>
+            </a:gs>
+          </a:gsLst>
+          <a:lin ang="5400000" scaled="1"/>
+        </a:gradFill>
+        <a:effectLst/>
+      </p:bgPr>
+    </p:bg>
     <p:spTree>
       <p:nvGrpSpPr>
         <p:cNvPr id="1" name=""/>
@@ -25076,7 +25127,7 @@
           <p:cNvPr id="2" name="標題 1">
             <a:extLst>
               <a:ext uri="{FF2B5EF4-FFF2-40B4-BE49-F238E27FC236}">
-                <a16:creationId xmlns:a16="http://schemas.microsoft.com/office/drawing/2014/main" id="{5775160C-B777-42EA-87D0-DE72CDF5EAC9}"/>
+                <a16:creationId xmlns:a16="http://schemas.microsoft.com/office/drawing/2014/main" id="{AD0E9541-6206-498B-AB52-75779FD1B36A}"/>
               </a:ext>
             </a:extLst>
           </p:cNvPr>
@@ -25089,60 +25140,392 @@
         </p:nvSpPr>
         <p:spPr>
           <a:xfrm>
-            <a:off x="1295402" y="449697"/>
-            <a:ext cx="9601196" cy="1303867"/>
+            <a:off x="838200" y="365125"/>
+            <a:ext cx="10515600" cy="1325563"/>
           </a:xfrm>
         </p:spPr>
         <p:txBody>
           <a:bodyPr/>
           <a:lstStyle/>
           <a:p>
+            <a:pPr algn="ctr"/>
             <a:r>
               <a:rPr lang="zh-TW" altLang="en-US" dirty="0"/>
-              <a:t>負責圖</a:t>
-            </a:r>
-          </a:p>
-        </p:txBody>
-      </p:sp>
-      <p:pic>
-        <p:nvPicPr>
-          <p:cNvPr id="9" name="內容版面配置區 8">
+              <a:t>組員分工</a:t>
+            </a:r>
+          </a:p>
+        </p:txBody>
+      </p:sp>
+      <p:graphicFrame>
+        <p:nvGraphicFramePr>
+          <p:cNvPr id="7" name="內容版面配置區 6">
             <a:extLst>
               <a:ext uri="{FF2B5EF4-FFF2-40B4-BE49-F238E27FC236}">
-                <a16:creationId xmlns:a16="http://schemas.microsoft.com/office/drawing/2014/main" id="{A78AB682-5795-4BFC-A72C-B4A929E931CA}"/>
+                <a16:creationId xmlns:a16="http://schemas.microsoft.com/office/drawing/2014/main" id="{367C5052-E55F-480E-9452-C2B05154059C}"/>
               </a:ext>
             </a:extLst>
           </p:cNvPr>
-          <p:cNvPicPr>
-            <a:picLocks noGrp="1" noChangeAspect="1"/>
-          </p:cNvPicPr>
+          <p:cNvGraphicFramePr>
+            <a:graphicFrameLocks noGrp="1"/>
+          </p:cNvGraphicFramePr>
           <p:nvPr>
             <p:ph idx="1"/>
-          </p:nvPr>
-        </p:nvPicPr>
-        <p:blipFill>
-          <a:blip r:embed="rId2">
-            <a:extLst>
-              <a:ext uri="{28A0092B-C50C-407E-A947-70E740481C1C}">
-                <a14:useLocalDpi xmlns:a14="http://schemas.microsoft.com/office/drawing/2010/main" val="0"/>
-              </a:ext>
-            </a:extLst>
-          </a:blip>
-          <a:stretch>
-            <a:fillRect/>
-          </a:stretch>
-        </p:blipFill>
-        <p:spPr>
-          <a:xfrm>
-            <a:off x="1900679" y="1388236"/>
-            <a:ext cx="8390641" cy="5020067"/>
-          </a:xfrm>
-        </p:spPr>
-      </p:pic>
+            <p:extLst>
+              <p:ext uri="{D42A27DB-BD31-4B8C-83A1-F6EECF244321}">
+                <p14:modId xmlns:p14="http://schemas.microsoft.com/office/powerpoint/2010/main" val="3856146976"/>
+              </p:ext>
+            </p:extLst>
+          </p:nvPr>
+        </p:nvGraphicFramePr>
+        <p:xfrm>
+          <a:off x="2014537" y="2305165"/>
+          <a:ext cx="8162926" cy="3337560"/>
+        </p:xfrm>
+        <a:graphic>
+          <a:graphicData uri="http://schemas.openxmlformats.org/drawingml/2006/table">
+            <a:tbl>
+              <a:tblPr firstRow="1" bandRow="1">
+                <a:tableStyleId>{5C22544A-7EE6-4342-B048-85BDC9FD1C3A}</a:tableStyleId>
+              </a:tblPr>
+              <a:tblGrid>
+                <a:gridCol w="4081463">
+                  <a:extLst>
+                    <a:ext uri="{9D8B030D-6E8A-4147-A177-3AD203B41FA5}">
+                      <a16:colId xmlns:a16="http://schemas.microsoft.com/office/drawing/2014/main" val="1450855380"/>
+                    </a:ext>
+                  </a:extLst>
+                </a:gridCol>
+                <a:gridCol w="4081463">
+                  <a:extLst>
+                    <a:ext uri="{9D8B030D-6E8A-4147-A177-3AD203B41FA5}">
+                      <a16:colId xmlns:a16="http://schemas.microsoft.com/office/drawing/2014/main" val="1689627237"/>
+                    </a:ext>
+                  </a:extLst>
+                </a:gridCol>
+              </a:tblGrid>
+              <a:tr h="370840">
+                <a:tc>
+                  <a:txBody>
+                    <a:bodyPr/>
+                    <a:lstStyle/>
+                    <a:p>
+                      <a:r>
+                        <a:rPr lang="zh-TW" altLang="en-US" dirty="0"/>
+                        <a:t>項目</a:t>
+                      </a:r>
+                    </a:p>
+                  </a:txBody>
+                  <a:tcPr/>
+                </a:tc>
+                <a:tc>
+                  <a:txBody>
+                    <a:bodyPr/>
+                    <a:lstStyle/>
+                    <a:p>
+                      <a:r>
+                        <a:rPr lang="zh-TW" altLang="en-US" dirty="0"/>
+                        <a:t>人員</a:t>
+                      </a:r>
+                    </a:p>
+                  </a:txBody>
+                  <a:tcPr/>
+                </a:tc>
+                <a:extLst>
+                  <a:ext uri="{0D108BD9-81ED-4DB2-BD59-A6C34878D82A}">
+                    <a16:rowId xmlns:a16="http://schemas.microsoft.com/office/drawing/2014/main" val="2539288228"/>
+                  </a:ext>
+                </a:extLst>
+              </a:tr>
+              <a:tr h="370840">
+                <a:tc>
+                  <a:txBody>
+                    <a:bodyPr/>
+                    <a:lstStyle/>
+                    <a:p>
+                      <a:r>
+                        <a:rPr lang="zh-TW" altLang="en-US" dirty="0"/>
+                        <a:t>資料蒐集、討論</a:t>
+                      </a:r>
+                    </a:p>
+                  </a:txBody>
+                  <a:tcPr/>
+                </a:tc>
+                <a:tc>
+                  <a:txBody>
+                    <a:bodyPr/>
+                    <a:lstStyle/>
+                    <a:p>
+                      <a:r>
+                        <a:rPr lang="zh-TW" altLang="en-US" dirty="0"/>
+                        <a:t>蔡育倫、林育民、柯盛文</a:t>
+                      </a:r>
+                    </a:p>
+                  </a:txBody>
+                  <a:tcPr/>
+                </a:tc>
+                <a:extLst>
+                  <a:ext uri="{0D108BD9-81ED-4DB2-BD59-A6C34878D82A}">
+                    <a16:rowId xmlns:a16="http://schemas.microsoft.com/office/drawing/2014/main" val="4281356103"/>
+                  </a:ext>
+                </a:extLst>
+              </a:tr>
+              <a:tr h="370840">
+                <a:tc>
+                  <a:txBody>
+                    <a:bodyPr/>
+                    <a:lstStyle/>
+                    <a:p>
+                      <a:r>
+                        <a:rPr lang="zh-TW" altLang="en-US" dirty="0"/>
+                        <a:t>摘要、動機、目的</a:t>
+                      </a:r>
+                    </a:p>
+                  </a:txBody>
+                  <a:tcPr/>
+                </a:tc>
+                <a:tc>
+                  <a:txBody>
+                    <a:bodyPr/>
+                    <a:lstStyle/>
+                    <a:p>
+                      <a:r>
+                        <a:rPr lang="zh-TW" altLang="en-US" dirty="0"/>
+                        <a:t>蔡育倫</a:t>
+                      </a:r>
+                    </a:p>
+                  </a:txBody>
+                  <a:tcPr/>
+                </a:tc>
+                <a:extLst>
+                  <a:ext uri="{0D108BD9-81ED-4DB2-BD59-A6C34878D82A}">
+                    <a16:rowId xmlns:a16="http://schemas.microsoft.com/office/drawing/2014/main" val="869558050"/>
+                  </a:ext>
+                </a:extLst>
+              </a:tr>
+              <a:tr h="370840">
+                <a:tc>
+                  <a:txBody>
+                    <a:bodyPr/>
+                    <a:lstStyle/>
+                    <a:p>
+                      <a:pPr marL="0" marR="0" lvl="0" indent="0" algn="l" defTabSz="914400" rtl="0" eaLnBrk="1" fontAlgn="auto" latinLnBrk="0" hangingPunct="1">
+                        <a:lnSpc>
+                          <a:spcPct val="100000"/>
+                        </a:lnSpc>
+                        <a:spcBef>
+                          <a:spcPts val="0"/>
+                        </a:spcBef>
+                        <a:spcAft>
+                          <a:spcPts val="0"/>
+                        </a:spcAft>
+                        <a:buClrTx/>
+                        <a:buSzTx/>
+                        <a:buFontTx/>
+                        <a:buNone/>
+                        <a:tabLst/>
+                        <a:defRPr/>
+                      </a:pPr>
+                      <a:r>
+                        <a:rPr lang="zh-TW" altLang="en-US" dirty="0"/>
+                        <a:t>需求分析、需求說明</a:t>
+                      </a:r>
+                    </a:p>
+                  </a:txBody>
+                  <a:tcPr/>
+                </a:tc>
+                <a:tc>
+                  <a:txBody>
+                    <a:bodyPr/>
+                    <a:lstStyle/>
+                    <a:p>
+                      <a:r>
+                        <a:rPr lang="zh-TW" altLang="en-US" dirty="0"/>
+                        <a:t>蔡育倫、林育民</a:t>
+                      </a:r>
+                    </a:p>
+                  </a:txBody>
+                  <a:tcPr/>
+                </a:tc>
+                <a:extLst>
+                  <a:ext uri="{0D108BD9-81ED-4DB2-BD59-A6C34878D82A}">
+                    <a16:rowId xmlns:a16="http://schemas.microsoft.com/office/drawing/2014/main" val="4129691135"/>
+                  </a:ext>
+                </a:extLst>
+              </a:tr>
+              <a:tr h="370840">
+                <a:tc>
+                  <a:txBody>
+                    <a:bodyPr/>
+                    <a:lstStyle/>
+                    <a:p>
+                      <a:r>
+                        <a:rPr lang="zh-TW" altLang="en-US" dirty="0"/>
+                        <a:t>功能說明、功能架構</a:t>
+                      </a:r>
+                    </a:p>
+                  </a:txBody>
+                  <a:tcPr/>
+                </a:tc>
+                <a:tc>
+                  <a:txBody>
+                    <a:bodyPr/>
+                    <a:lstStyle/>
+                    <a:p>
+                      <a:r>
+                        <a:rPr lang="zh-TW" altLang="en-US" dirty="0"/>
+                        <a:t>蔡育倫</a:t>
+                      </a:r>
+                    </a:p>
+                  </a:txBody>
+                  <a:tcPr/>
+                </a:tc>
+                <a:extLst>
+                  <a:ext uri="{0D108BD9-81ED-4DB2-BD59-A6C34878D82A}">
+                    <a16:rowId xmlns:a16="http://schemas.microsoft.com/office/drawing/2014/main" val="3428913119"/>
+                  </a:ext>
+                </a:extLst>
+              </a:tr>
+              <a:tr h="370840">
+                <a:tc>
+                  <a:txBody>
+                    <a:bodyPr/>
+                    <a:lstStyle/>
+                    <a:p>
+                      <a:r>
+                        <a:rPr lang="zh-TW" altLang="en-US" dirty="0"/>
+                        <a:t>系統架構流程圖</a:t>
+                      </a:r>
+                    </a:p>
+                  </a:txBody>
+                  <a:tcPr/>
+                </a:tc>
+                <a:tc>
+                  <a:txBody>
+                    <a:bodyPr/>
+                    <a:lstStyle/>
+                    <a:p>
+                      <a:r>
+                        <a:rPr lang="zh-TW" altLang="en-US" dirty="0"/>
+                        <a:t>林育民</a:t>
+                      </a:r>
+                    </a:p>
+                  </a:txBody>
+                  <a:tcPr/>
+                </a:tc>
+                <a:extLst>
+                  <a:ext uri="{0D108BD9-81ED-4DB2-BD59-A6C34878D82A}">
+                    <a16:rowId xmlns:a16="http://schemas.microsoft.com/office/drawing/2014/main" val="1877934430"/>
+                  </a:ext>
+                </a:extLst>
+              </a:tr>
+              <a:tr h="370840">
+                <a:tc>
+                  <a:txBody>
+                    <a:bodyPr/>
+                    <a:lstStyle/>
+                    <a:p>
+                      <a:r>
+                        <a:rPr lang="zh-TW" altLang="en-US" dirty="0"/>
+                        <a:t>最終統合報告</a:t>
+                      </a:r>
+                    </a:p>
+                  </a:txBody>
+                  <a:tcPr/>
+                </a:tc>
+                <a:tc>
+                  <a:txBody>
+                    <a:bodyPr/>
+                    <a:lstStyle/>
+                    <a:p>
+                      <a:r>
+                        <a:rPr lang="zh-TW" altLang="en-US" dirty="0"/>
+                        <a:t>柯盛文</a:t>
+                      </a:r>
+                    </a:p>
+                  </a:txBody>
+                  <a:tcPr/>
+                </a:tc>
+                <a:extLst>
+                  <a:ext uri="{0D108BD9-81ED-4DB2-BD59-A6C34878D82A}">
+                    <a16:rowId xmlns:a16="http://schemas.microsoft.com/office/drawing/2014/main" val="4021172491"/>
+                  </a:ext>
+                </a:extLst>
+              </a:tr>
+              <a:tr h="370840">
+                <a:tc>
+                  <a:txBody>
+                    <a:bodyPr/>
+                    <a:lstStyle/>
+                    <a:p>
+                      <a:r>
+                        <a:rPr lang="en-US" altLang="zh-TW" dirty="0"/>
+                        <a:t>Schedule</a:t>
+                      </a:r>
+                      <a:endParaRPr lang="zh-TW" altLang="en-US" dirty="0"/>
+                    </a:p>
+                  </a:txBody>
+                  <a:tcPr/>
+                </a:tc>
+                <a:tc>
+                  <a:txBody>
+                    <a:bodyPr/>
+                    <a:lstStyle/>
+                    <a:p>
+                      <a:r>
+                        <a:rPr lang="zh-TW" altLang="en-US" dirty="0"/>
+                        <a:t>林育民</a:t>
+                      </a:r>
+                    </a:p>
+                  </a:txBody>
+                  <a:tcPr/>
+                </a:tc>
+                <a:extLst>
+                  <a:ext uri="{0D108BD9-81ED-4DB2-BD59-A6C34878D82A}">
+                    <a16:rowId xmlns:a16="http://schemas.microsoft.com/office/drawing/2014/main" val="4210397023"/>
+                  </a:ext>
+                </a:extLst>
+              </a:tr>
+              <a:tr h="370840">
+                <a:tc>
+                  <a:txBody>
+                    <a:bodyPr/>
+                    <a:lstStyle/>
+                    <a:p>
+                      <a:r>
+                        <a:rPr lang="zh-TW" altLang="en-US" dirty="0"/>
+                        <a:t>報告製作</a:t>
+                      </a:r>
+                    </a:p>
+                  </a:txBody>
+                  <a:tcPr/>
+                </a:tc>
+                <a:tc>
+                  <a:txBody>
+                    <a:bodyPr/>
+                    <a:lstStyle/>
+                    <a:p>
+                      <a:r>
+                        <a:rPr lang="zh-TW" altLang="en-US" dirty="0"/>
+                        <a:t>蔡育倫、柯盛文</a:t>
+                      </a:r>
+                    </a:p>
+                  </a:txBody>
+                  <a:tcPr/>
+                </a:tc>
+                <a:extLst>
+                  <a:ext uri="{0D108BD9-81ED-4DB2-BD59-A6C34878D82A}">
+                    <a16:rowId xmlns:a16="http://schemas.microsoft.com/office/drawing/2014/main" val="1196218711"/>
+                  </a:ext>
+                </a:extLst>
+              </a:tr>
+            </a:tbl>
+          </a:graphicData>
+        </a:graphic>
+      </p:graphicFrame>
     </p:spTree>
     <p:extLst>
       <p:ext uri="{BB962C8B-B14F-4D97-AF65-F5344CB8AC3E}">
-        <p14:creationId xmlns:p14="http://schemas.microsoft.com/office/powerpoint/2010/main" val="2984683628"/>
+        <p14:creationId xmlns:p14="http://schemas.microsoft.com/office/powerpoint/2010/main" val="1463212587"/>
       </p:ext>
     </p:extLst>
   </p:cSld>
@@ -25283,7 +25666,12 @@
             <p:ph type="title"/>
           </p:nvPr>
         </p:nvSpPr>
-        <p:spPr/>
+        <p:spPr>
+          <a:xfrm>
+            <a:off x="-158269" y="643992"/>
+            <a:ext cx="8911687" cy="1280890"/>
+          </a:xfrm>
+        </p:spPr>
         <p:txBody>
           <a:bodyPr/>
           <a:lstStyle/>
@@ -27320,74 +27708,40 @@
             <p:ph idx="1"/>
           </p:nvPr>
         </p:nvSpPr>
-        <p:spPr/>
+        <p:spPr>
+          <a:xfrm>
+            <a:off x="2014661" y="2592525"/>
+            <a:ext cx="8162677" cy="1672949"/>
+          </a:xfrm>
+        </p:spPr>
         <p:txBody>
           <a:bodyPr>
             <a:normAutofit/>
           </a:bodyPr>
           <a:lstStyle/>
           <a:p>
+            <a:pPr marL="0" indent="0">
+              <a:buNone/>
+            </a:pPr>
+            <a:endParaRPr lang="en-US" altLang="zh-TW" dirty="0"/>
+          </a:p>
+          <a:p>
+            <a:pPr marL="0" indent="0">
+              <a:buNone/>
+            </a:pPr>
             <a:r>
               <a:rPr lang="zh-TW" altLang="en-US" dirty="0"/>
-              <a:t>本文研究動機有三： </a:t>
-            </a:r>
-          </a:p>
-          <a:p>
-            <a:pPr marL="0" indent="0">
-              <a:buNone/>
-            </a:pPr>
+              <a:t>依照趨勢來看，</a:t>
+            </a:r>
             <a:r>
               <a:rPr lang="en-US" altLang="zh-TW" dirty="0"/>
-              <a:t>	1.</a:t>
+              <a:t>VR</a:t>
             </a:r>
             <a:r>
               <a:rPr lang="zh-TW" altLang="en-US" dirty="0"/>
-              <a:t>不同型態的手機遊戲軟體 </a:t>
-            </a:r>
-          </a:p>
-          <a:p>
-            <a:pPr marL="0" indent="0">
-              <a:buNone/>
-            </a:pPr>
-            <a:r>
-              <a:rPr lang="zh-TW" altLang="en-US" dirty="0"/>
-              <a:t>  </a:t>
-            </a:r>
-          </a:p>
-          <a:p>
-            <a:pPr marL="0" indent="0">
-              <a:buNone/>
-            </a:pPr>
-            <a:r>
-              <a:rPr lang="en-US" altLang="zh-TW" dirty="0"/>
-              <a:t>	2.</a:t>
-            </a:r>
-            <a:r>
-              <a:rPr lang="zh-TW" altLang="en-US" dirty="0"/>
-              <a:t>結合不同元素的新遊戲 </a:t>
-            </a:r>
-          </a:p>
-          <a:p>
-            <a:pPr marL="0" indent="0">
-              <a:buNone/>
-            </a:pPr>
-            <a:r>
-              <a:rPr lang="zh-TW" altLang="en-US" dirty="0"/>
-              <a:t> </a:t>
-            </a:r>
-          </a:p>
-          <a:p>
-            <a:pPr marL="0" indent="0">
-              <a:buNone/>
-            </a:pPr>
-            <a:r>
-              <a:rPr lang="en-US" altLang="zh-TW" dirty="0"/>
-              <a:t>	3.</a:t>
-            </a:r>
-            <a:r>
-              <a:rPr lang="zh-TW" altLang="en-US" dirty="0"/>
-              <a:t>讓使用者能紓解壓力 </a:t>
-            </a:r>
+              <a:t>平台是未來展示遊戲的最佳平台</a:t>
+            </a:r>
+            <a:endParaRPr lang="en-US" altLang="zh-TW" dirty="0"/>
           </a:p>
         </p:txBody>
       </p:sp>
@@ -27401,183 +27755,6 @@
   <p:clrMapOvr>
     <a:masterClrMapping/>
   </p:clrMapOvr>
-  <p:timing>
-    <p:tnLst>
-      <p:par>
-        <p:cTn id="1" dur="indefinite" restart="never" nodeType="tmRoot">
-          <p:childTnLst>
-            <p:seq concurrent="1" nextAc="seek">
-              <p:cTn id="2" dur="indefinite" nodeType="mainSeq">
-                <p:childTnLst>
-                  <p:par>
-                    <p:cTn id="3" fill="hold">
-                      <p:stCondLst>
-                        <p:cond delay="indefinite"/>
-                      </p:stCondLst>
-                      <p:childTnLst>
-                        <p:par>
-                          <p:cTn id="4" fill="hold">
-                            <p:stCondLst>
-                              <p:cond delay="0"/>
-                            </p:stCondLst>
-                            <p:childTnLst>
-                              <p:par>
-                                <p:cTn id="5" presetID="1" presetClass="entr" presetSubtype="0" fill="hold" nodeType="clickEffect">
-                                  <p:stCondLst>
-                                    <p:cond delay="0"/>
-                                  </p:stCondLst>
-                                  <p:childTnLst>
-                                    <p:set>
-                                      <p:cBhvr>
-                                        <p:cTn id="6" dur="1" fill="hold">
-                                          <p:stCondLst>
-                                            <p:cond delay="0"/>
-                                          </p:stCondLst>
-                                        </p:cTn>
-                                        <p:tgtEl>
-                                          <p:spTgt spid="3">
-                                            <p:txEl>
-                                              <p:pRg st="1" end="1"/>
-                                            </p:txEl>
-                                          </p:spTgt>
-                                        </p:tgtEl>
-                                        <p:attrNameLst>
-                                          <p:attrName>style.visibility</p:attrName>
-                                        </p:attrNameLst>
-                                      </p:cBhvr>
-                                      <p:to>
-                                        <p:strVal val="visible"/>
-                                      </p:to>
-                                    </p:set>
-                                  </p:childTnLst>
-                                </p:cTn>
-                              </p:par>
-                            </p:childTnLst>
-                          </p:cTn>
-                        </p:par>
-                      </p:childTnLst>
-                    </p:cTn>
-                  </p:par>
-                  <p:par>
-                    <p:cTn id="7" fill="hold">
-                      <p:stCondLst>
-                        <p:cond delay="indefinite"/>
-                      </p:stCondLst>
-                      <p:childTnLst>
-                        <p:par>
-                          <p:cTn id="8" fill="hold">
-                            <p:stCondLst>
-                              <p:cond delay="0"/>
-                            </p:stCondLst>
-                            <p:childTnLst>
-                              <p:par>
-                                <p:cTn id="9" presetID="1" presetClass="entr" presetSubtype="0" fill="hold" nodeType="clickEffect">
-                                  <p:stCondLst>
-                                    <p:cond delay="0"/>
-                                  </p:stCondLst>
-                                  <p:childTnLst>
-                                    <p:set>
-                                      <p:cBhvr>
-                                        <p:cTn id="10" dur="1" fill="hold">
-                                          <p:stCondLst>
-                                            <p:cond delay="0"/>
-                                          </p:stCondLst>
-                                        </p:cTn>
-                                        <p:tgtEl>
-                                          <p:spTgt spid="3">
-                                            <p:txEl>
-                                              <p:pRg st="3" end="3"/>
-                                            </p:txEl>
-                                          </p:spTgt>
-                                        </p:tgtEl>
-                                        <p:attrNameLst>
-                                          <p:attrName>style.visibility</p:attrName>
-                                        </p:attrNameLst>
-                                      </p:cBhvr>
-                                      <p:to>
-                                        <p:strVal val="visible"/>
-                                      </p:to>
-                                    </p:set>
-                                  </p:childTnLst>
-                                </p:cTn>
-                              </p:par>
-                            </p:childTnLst>
-                          </p:cTn>
-                        </p:par>
-                      </p:childTnLst>
-                    </p:cTn>
-                  </p:par>
-                  <p:par>
-                    <p:cTn id="11" fill="hold">
-                      <p:stCondLst>
-                        <p:cond delay="indefinite"/>
-                      </p:stCondLst>
-                      <p:childTnLst>
-                        <p:par>
-                          <p:cTn id="12" fill="hold">
-                            <p:stCondLst>
-                              <p:cond delay="0"/>
-                            </p:stCondLst>
-                            <p:childTnLst>
-                              <p:par>
-                                <p:cTn id="13" presetID="1" presetClass="entr" presetSubtype="0" fill="hold" nodeType="clickEffect">
-                                  <p:stCondLst>
-                                    <p:cond delay="0"/>
-                                  </p:stCondLst>
-                                  <p:childTnLst>
-                                    <p:set>
-                                      <p:cBhvr>
-                                        <p:cTn id="14" dur="1" fill="hold">
-                                          <p:stCondLst>
-                                            <p:cond delay="0"/>
-                                          </p:stCondLst>
-                                        </p:cTn>
-                                        <p:tgtEl>
-                                          <p:spTgt spid="3">
-                                            <p:txEl>
-                                              <p:pRg st="5" end="5"/>
-                                            </p:txEl>
-                                          </p:spTgt>
-                                        </p:tgtEl>
-                                        <p:attrNameLst>
-                                          <p:attrName>style.visibility</p:attrName>
-                                        </p:attrNameLst>
-                                      </p:cBhvr>
-                                      <p:to>
-                                        <p:strVal val="visible"/>
-                                      </p:to>
-                                    </p:set>
-                                  </p:childTnLst>
-                                </p:cTn>
-                              </p:par>
-                            </p:childTnLst>
-                          </p:cTn>
-                        </p:par>
-                      </p:childTnLst>
-                    </p:cTn>
-                  </p:par>
-                </p:childTnLst>
-              </p:cTn>
-              <p:prevCondLst>
-                <p:cond evt="onPrev" delay="0">
-                  <p:tgtEl>
-                    <p:sldTgt/>
-                  </p:tgtEl>
-                </p:cond>
-              </p:prevCondLst>
-              <p:nextCondLst>
-                <p:cond evt="onNext" delay="0">
-                  <p:tgtEl>
-                    <p:sldTgt/>
-                  </p:tgtEl>
-                </p:cond>
-              </p:nextCondLst>
-            </p:seq>
-          </p:childTnLst>
-        </p:cTn>
-      </p:par>
-    </p:tnLst>
-  </p:timing>
 </p:sld>
 </file>
 

--- a/軟體工程期末專題報告.pptx
+++ b/軟體工程期末專題報告.pptx
@@ -278,7 +278,7 @@
           <a:p>
             <a:fld id="{C85E1984-8962-4D22-85D0-F7905988C2FE}" type="datetimeFigureOut">
               <a:rPr lang="zh-TW" altLang="en-US" smtClean="0"/>
-              <a:t>2018/11/19</a:t>
+              <a:t>2018/11/20</a:t>
             </a:fld>
             <a:endParaRPr lang="zh-TW" altLang="en-US"/>
           </a:p>
@@ -476,7 +476,7 @@
           <a:p>
             <a:fld id="{C85E1984-8962-4D22-85D0-F7905988C2FE}" type="datetimeFigureOut">
               <a:rPr lang="zh-TW" altLang="en-US" smtClean="0"/>
-              <a:t>2018/11/19</a:t>
+              <a:t>2018/11/20</a:t>
             </a:fld>
             <a:endParaRPr lang="zh-TW" altLang="en-US"/>
           </a:p>
@@ -684,7 +684,7 @@
           <a:p>
             <a:fld id="{C85E1984-8962-4D22-85D0-F7905988C2FE}" type="datetimeFigureOut">
               <a:rPr lang="zh-TW" altLang="en-US" smtClean="0"/>
-              <a:t>2018/11/19</a:t>
+              <a:t>2018/11/20</a:t>
             </a:fld>
             <a:endParaRPr lang="zh-TW" altLang="en-US"/>
           </a:p>
@@ -1088,7 +1088,7 @@
           <a:p>
             <a:fld id="{C85E1984-8962-4D22-85D0-F7905988C2FE}" type="datetimeFigureOut">
               <a:rPr lang="zh-TW" altLang="en-US" smtClean="0"/>
-              <a:t>2018/11/19</a:t>
+              <a:t>2018/11/20</a:t>
             </a:fld>
             <a:endParaRPr lang="zh-TW" altLang="en-US"/>
           </a:p>
@@ -1329,7 +1329,7 @@
           <a:p>
             <a:fld id="{C85E1984-8962-4D22-85D0-F7905988C2FE}" type="datetimeFigureOut">
               <a:rPr lang="zh-TW" altLang="en-US" smtClean="0"/>
-              <a:t>2018/11/19</a:t>
+              <a:t>2018/11/20</a:t>
             </a:fld>
             <a:endParaRPr lang="zh-TW" altLang="en-US"/>
           </a:p>
@@ -1577,7 +1577,7 @@
           <a:p>
             <a:fld id="{C85E1984-8962-4D22-85D0-F7905988C2FE}" type="datetimeFigureOut">
               <a:rPr lang="zh-TW" altLang="en-US" smtClean="0"/>
-              <a:t>2018/11/19</a:t>
+              <a:t>2018/11/20</a:t>
             </a:fld>
             <a:endParaRPr lang="zh-TW" altLang="en-US"/>
           </a:p>
@@ -1875,7 +1875,7 @@
           <a:p>
             <a:fld id="{C85E1984-8962-4D22-85D0-F7905988C2FE}" type="datetimeFigureOut">
               <a:rPr lang="zh-TW" altLang="en-US" smtClean="0"/>
-              <a:t>2018/11/19</a:t>
+              <a:t>2018/11/20</a:t>
             </a:fld>
             <a:endParaRPr lang="zh-TW" altLang="en-US"/>
           </a:p>
@@ -2269,7 +2269,7 @@
           <a:p>
             <a:fld id="{C85E1984-8962-4D22-85D0-F7905988C2FE}" type="datetimeFigureOut">
               <a:rPr lang="zh-TW" altLang="en-US" smtClean="0"/>
-              <a:t>2018/11/19</a:t>
+              <a:t>2018/11/20</a:t>
             </a:fld>
             <a:endParaRPr lang="zh-TW" altLang="en-US"/>
           </a:p>
@@ -2418,7 +2418,7 @@
           <a:p>
             <a:fld id="{C85E1984-8962-4D22-85D0-F7905988C2FE}" type="datetimeFigureOut">
               <a:rPr lang="zh-TW" altLang="en-US" smtClean="0"/>
-              <a:t>2018/11/19</a:t>
+              <a:t>2018/11/20</a:t>
             </a:fld>
             <a:endParaRPr lang="zh-TW" altLang="en-US"/>
           </a:p>
@@ -2544,7 +2544,7 @@
           <a:p>
             <a:fld id="{C85E1984-8962-4D22-85D0-F7905988C2FE}" type="datetimeFigureOut">
               <a:rPr lang="zh-TW" altLang="en-US" smtClean="0"/>
-              <a:t>2018/11/19</a:t>
+              <a:t>2018/11/20</a:t>
             </a:fld>
             <a:endParaRPr lang="zh-TW" altLang="en-US"/>
           </a:p>
@@ -2799,7 +2799,7 @@
           <a:p>
             <a:fld id="{C85E1984-8962-4D22-85D0-F7905988C2FE}" type="datetimeFigureOut">
               <a:rPr lang="zh-TW" altLang="en-US" smtClean="0"/>
-              <a:t>2018/11/19</a:t>
+              <a:t>2018/11/20</a:t>
             </a:fld>
             <a:endParaRPr lang="zh-TW" altLang="en-US"/>
           </a:p>
@@ -3016,7 +3016,7 @@
           <a:p>
             <a:fld id="{C85E1984-8962-4D22-85D0-F7905988C2FE}" type="datetimeFigureOut">
               <a:rPr lang="zh-TW" altLang="en-US" smtClean="0"/>
-              <a:t>2018/11/19</a:t>
+              <a:t>2018/11/20</a:t>
             </a:fld>
             <a:endParaRPr lang="zh-TW" altLang="en-US"/>
           </a:p>
@@ -3312,7 +3312,7 @@
           <a:p>
             <a:fld id="{C85E1984-8962-4D22-85D0-F7905988C2FE}" type="datetimeFigureOut">
               <a:rPr lang="zh-TW" altLang="en-US" smtClean="0"/>
-              <a:t>2018/11/19</a:t>
+              <a:t>2018/11/20</a:t>
             </a:fld>
             <a:endParaRPr lang="zh-TW" altLang="en-US"/>
           </a:p>
@@ -3596,7 +3596,7 @@
           <a:p>
             <a:fld id="{C85E1984-8962-4D22-85D0-F7905988C2FE}" type="datetimeFigureOut">
               <a:rPr lang="zh-TW" altLang="en-US" smtClean="0"/>
-              <a:t>2018/11/19</a:t>
+              <a:t>2018/11/20</a:t>
             </a:fld>
             <a:endParaRPr lang="zh-TW" altLang="en-US"/>
           </a:p>
@@ -3844,7 +3844,7 @@
           <a:p>
             <a:fld id="{C85E1984-8962-4D22-85D0-F7905988C2FE}" type="datetimeFigureOut">
               <a:rPr lang="zh-TW" altLang="en-US" smtClean="0"/>
-              <a:t>2018/11/19</a:t>
+              <a:t>2018/11/20</a:t>
             </a:fld>
             <a:endParaRPr lang="zh-TW" altLang="en-US"/>
           </a:p>
@@ -4183,7 +4183,7 @@
           <a:p>
             <a:fld id="{C85E1984-8962-4D22-85D0-F7905988C2FE}" type="datetimeFigureOut">
               <a:rPr lang="zh-TW" altLang="en-US" smtClean="0"/>
-              <a:t>2018/11/19</a:t>
+              <a:t>2018/11/20</a:t>
             </a:fld>
             <a:endParaRPr lang="zh-TW" altLang="en-US"/>
           </a:p>
@@ -4530,7 +4530,7 @@
           <a:p>
             <a:fld id="{C85E1984-8962-4D22-85D0-F7905988C2FE}" type="datetimeFigureOut">
               <a:rPr lang="zh-TW" altLang="en-US" smtClean="0"/>
-              <a:t>2018/11/19</a:t>
+              <a:t>2018/11/20</a:t>
             </a:fld>
             <a:endParaRPr lang="zh-TW" altLang="en-US"/>
           </a:p>
@@ -4904,7 +4904,7 @@
           <a:p>
             <a:fld id="{C85E1984-8962-4D22-85D0-F7905988C2FE}" type="datetimeFigureOut">
               <a:rPr lang="zh-TW" altLang="en-US" smtClean="0"/>
-              <a:t>2018/11/19</a:t>
+              <a:t>2018/11/20</a:t>
             </a:fld>
             <a:endParaRPr lang="zh-TW" altLang="en-US"/>
           </a:p>
@@ -5374,7 +5374,7 @@
           <a:p>
             <a:fld id="{C85E1984-8962-4D22-85D0-F7905988C2FE}" type="datetimeFigureOut">
               <a:rPr lang="zh-TW" altLang="en-US" smtClean="0"/>
-              <a:t>2018/11/19</a:t>
+              <a:t>2018/11/20</a:t>
             </a:fld>
             <a:endParaRPr lang="zh-TW" altLang="en-US"/>
           </a:p>
@@ -5579,7 +5579,7 @@
           <a:p>
             <a:fld id="{C85E1984-8962-4D22-85D0-F7905988C2FE}" type="datetimeFigureOut">
               <a:rPr lang="zh-TW" altLang="en-US" smtClean="0"/>
-              <a:t>2018/11/19</a:t>
+              <a:t>2018/11/20</a:t>
             </a:fld>
             <a:endParaRPr lang="zh-TW" altLang="en-US"/>
           </a:p>
@@ -5790,7 +5790,7 @@
           <a:p>
             <a:fld id="{C85E1984-8962-4D22-85D0-F7905988C2FE}" type="datetimeFigureOut">
               <a:rPr lang="zh-TW" altLang="en-US" smtClean="0"/>
-              <a:t>2018/11/19</a:t>
+              <a:t>2018/11/20</a:t>
             </a:fld>
             <a:endParaRPr lang="zh-TW" altLang="en-US"/>
           </a:p>
@@ -6213,7 +6213,7 @@
           <a:p>
             <a:fld id="{C85E1984-8962-4D22-85D0-F7905988C2FE}" type="datetimeFigureOut">
               <a:rPr lang="zh-TW" altLang="en-US" smtClean="0"/>
-              <a:t>2018/11/19</a:t>
+              <a:t>2018/11/20</a:t>
             </a:fld>
             <a:endParaRPr lang="zh-TW" altLang="en-US"/>
           </a:p>
@@ -6516,7 +6516,7 @@
           <a:p>
             <a:fld id="{C85E1984-8962-4D22-85D0-F7905988C2FE}" type="datetimeFigureOut">
               <a:rPr lang="zh-TW" altLang="en-US" smtClean="0"/>
-              <a:t>2018/11/19</a:t>
+              <a:t>2018/11/20</a:t>
             </a:fld>
             <a:endParaRPr lang="zh-TW" altLang="en-US"/>
           </a:p>
@@ -6729,7 +6729,7 @@
           <a:p>
             <a:fld id="{C85E1984-8962-4D22-85D0-F7905988C2FE}" type="datetimeFigureOut">
               <a:rPr lang="zh-TW" altLang="en-US" smtClean="0"/>
-              <a:t>2018/11/19</a:t>
+              <a:t>2018/11/20</a:t>
             </a:fld>
             <a:endParaRPr lang="zh-TW" altLang="en-US"/>
           </a:p>
@@ -6977,7 +6977,7 @@
           <a:p>
             <a:fld id="{C85E1984-8962-4D22-85D0-F7905988C2FE}" type="datetimeFigureOut">
               <a:rPr lang="zh-TW" altLang="en-US" smtClean="0"/>
-              <a:t>2018/11/19</a:t>
+              <a:t>2018/11/20</a:t>
             </a:fld>
             <a:endParaRPr lang="zh-TW" altLang="en-US"/>
           </a:p>
@@ -7275,7 +7275,7 @@
           <a:p>
             <a:fld id="{C85E1984-8962-4D22-85D0-F7905988C2FE}" type="datetimeFigureOut">
               <a:rPr lang="zh-TW" altLang="en-US" smtClean="0"/>
-              <a:t>2018/11/19</a:t>
+              <a:t>2018/11/20</a:t>
             </a:fld>
             <a:endParaRPr lang="zh-TW" altLang="en-US"/>
           </a:p>
@@ -7669,7 +7669,7 @@
           <a:p>
             <a:fld id="{C85E1984-8962-4D22-85D0-F7905988C2FE}" type="datetimeFigureOut">
               <a:rPr lang="zh-TW" altLang="en-US" smtClean="0"/>
-              <a:t>2018/11/19</a:t>
+              <a:t>2018/11/20</a:t>
             </a:fld>
             <a:endParaRPr lang="zh-TW" altLang="en-US"/>
           </a:p>
@@ -7818,7 +7818,7 @@
           <a:p>
             <a:fld id="{C85E1984-8962-4D22-85D0-F7905988C2FE}" type="datetimeFigureOut">
               <a:rPr lang="zh-TW" altLang="en-US" smtClean="0"/>
-              <a:t>2018/11/19</a:t>
+              <a:t>2018/11/20</a:t>
             </a:fld>
             <a:endParaRPr lang="zh-TW" altLang="en-US"/>
           </a:p>
@@ -7944,7 +7944,7 @@
           <a:p>
             <a:fld id="{C85E1984-8962-4D22-85D0-F7905988C2FE}" type="datetimeFigureOut">
               <a:rPr lang="zh-TW" altLang="en-US" smtClean="0"/>
-              <a:t>2018/11/19</a:t>
+              <a:t>2018/11/20</a:t>
             </a:fld>
             <a:endParaRPr lang="zh-TW" altLang="en-US"/>
           </a:p>
@@ -8199,7 +8199,7 @@
           <a:p>
             <a:fld id="{C85E1984-8962-4D22-85D0-F7905988C2FE}" type="datetimeFigureOut">
               <a:rPr lang="zh-TW" altLang="en-US" smtClean="0"/>
-              <a:t>2018/11/19</a:t>
+              <a:t>2018/11/20</a:t>
             </a:fld>
             <a:endParaRPr lang="zh-TW" altLang="en-US"/>
           </a:p>
@@ -8514,7 +8514,7 @@
           <a:p>
             <a:fld id="{C85E1984-8962-4D22-85D0-F7905988C2FE}" type="datetimeFigureOut">
               <a:rPr lang="zh-TW" altLang="en-US" smtClean="0"/>
-              <a:t>2018/11/19</a:t>
+              <a:t>2018/11/20</a:t>
             </a:fld>
             <a:endParaRPr lang="zh-TW" altLang="en-US"/>
           </a:p>
@@ -8798,7 +8798,7 @@
           <a:p>
             <a:fld id="{C85E1984-8962-4D22-85D0-F7905988C2FE}" type="datetimeFigureOut">
               <a:rPr lang="zh-TW" altLang="en-US" smtClean="0"/>
-              <a:t>2018/11/19</a:t>
+              <a:t>2018/11/20</a:t>
             </a:fld>
             <a:endParaRPr lang="zh-TW" altLang="en-US"/>
           </a:p>
@@ -9046,7 +9046,7 @@
           <a:p>
             <a:fld id="{C85E1984-8962-4D22-85D0-F7905988C2FE}" type="datetimeFigureOut">
               <a:rPr lang="zh-TW" altLang="en-US" smtClean="0"/>
-              <a:t>2018/11/19</a:t>
+              <a:t>2018/11/20</a:t>
             </a:fld>
             <a:endParaRPr lang="zh-TW" altLang="en-US"/>
           </a:p>
@@ -9330,7 +9330,7 @@
           <a:p>
             <a:fld id="{C85E1984-8962-4D22-85D0-F7905988C2FE}" type="datetimeFigureOut">
               <a:rPr lang="zh-TW" altLang="en-US" smtClean="0"/>
-              <a:t>2018/11/19</a:t>
+              <a:t>2018/11/20</a:t>
             </a:fld>
             <a:endParaRPr lang="zh-TW" altLang="en-US"/>
           </a:p>
@@ -9650,7 +9650,7 @@
           <a:p>
             <a:fld id="{C85E1984-8962-4D22-85D0-F7905988C2FE}" type="datetimeFigureOut">
               <a:rPr lang="zh-TW" altLang="en-US" smtClean="0"/>
-              <a:t>2018/11/19</a:t>
+              <a:t>2018/11/20</a:t>
             </a:fld>
             <a:endParaRPr lang="zh-TW" altLang="en-US"/>
           </a:p>
@@ -9997,7 +9997,7 @@
           <a:p>
             <a:fld id="{C85E1984-8962-4D22-85D0-F7905988C2FE}" type="datetimeFigureOut">
               <a:rPr lang="zh-TW" altLang="en-US" smtClean="0"/>
-              <a:t>2018/11/19</a:t>
+              <a:t>2018/11/20</a:t>
             </a:fld>
             <a:endParaRPr lang="zh-TW" altLang="en-US"/>
           </a:p>
@@ -10371,7 +10371,7 @@
           <a:p>
             <a:fld id="{C85E1984-8962-4D22-85D0-F7905988C2FE}" type="datetimeFigureOut">
               <a:rPr lang="zh-TW" altLang="en-US" smtClean="0"/>
-              <a:t>2018/11/19</a:t>
+              <a:t>2018/11/20</a:t>
             </a:fld>
             <a:endParaRPr lang="zh-TW" altLang="en-US"/>
           </a:p>
@@ -10841,7 +10841,7 @@
           <a:p>
             <a:fld id="{C85E1984-8962-4D22-85D0-F7905988C2FE}" type="datetimeFigureOut">
               <a:rPr lang="zh-TW" altLang="en-US" smtClean="0"/>
-              <a:t>2018/11/19</a:t>
+              <a:t>2018/11/20</a:t>
             </a:fld>
             <a:endParaRPr lang="zh-TW" altLang="en-US"/>
           </a:p>
@@ -11046,7 +11046,7 @@
           <a:p>
             <a:fld id="{C85E1984-8962-4D22-85D0-F7905988C2FE}" type="datetimeFigureOut">
               <a:rPr lang="zh-TW" altLang="en-US" smtClean="0"/>
-              <a:t>2018/11/19</a:t>
+              <a:t>2018/11/20</a:t>
             </a:fld>
             <a:endParaRPr lang="zh-TW" altLang="en-US"/>
           </a:p>
@@ -11257,7 +11257,7 @@
           <a:p>
             <a:fld id="{C85E1984-8962-4D22-85D0-F7905988C2FE}" type="datetimeFigureOut">
               <a:rPr lang="zh-TW" altLang="en-US" smtClean="0"/>
-              <a:t>2018/11/19</a:t>
+              <a:t>2018/11/20</a:t>
             </a:fld>
             <a:endParaRPr lang="zh-TW" altLang="en-US"/>
           </a:p>
@@ -11537,7 +11537,7 @@
           <a:p>
             <a:fld id="{C85E1984-8962-4D22-85D0-F7905988C2FE}" type="datetimeFigureOut">
               <a:rPr lang="zh-TW" altLang="en-US" smtClean="0"/>
-              <a:t>2018/11/19</a:t>
+              <a:t>2018/11/20</a:t>
             </a:fld>
             <a:endParaRPr lang="zh-TW" altLang="en-US"/>
           </a:p>
@@ -11804,7 +11804,7 @@
           <a:p>
             <a:fld id="{C85E1984-8962-4D22-85D0-F7905988C2FE}" type="datetimeFigureOut">
               <a:rPr lang="zh-TW" altLang="en-US" smtClean="0"/>
-              <a:t>2018/11/19</a:t>
+              <a:t>2018/11/20</a:t>
             </a:fld>
             <a:endParaRPr lang="zh-TW" altLang="en-US"/>
           </a:p>
@@ -12133,7 +12133,7 @@
           <a:p>
             <a:fld id="{C85E1984-8962-4D22-85D0-F7905988C2FE}" type="datetimeFigureOut">
               <a:rPr lang="zh-TW" altLang="en-US" smtClean="0"/>
-              <a:t>2018/11/19</a:t>
+              <a:t>2018/11/20</a:t>
             </a:fld>
             <a:endParaRPr lang="zh-TW" altLang="en-US"/>
           </a:p>
@@ -12456,7 +12456,7 @@
           <a:p>
             <a:fld id="{C85E1984-8962-4D22-85D0-F7905988C2FE}" type="datetimeFigureOut">
               <a:rPr lang="zh-TW" altLang="en-US" smtClean="0"/>
-              <a:t>2018/11/19</a:t>
+              <a:t>2018/11/20</a:t>
             </a:fld>
             <a:endParaRPr lang="zh-TW" altLang="en-US"/>
           </a:p>
@@ -12943,7 +12943,7 @@
           <a:p>
             <a:fld id="{C85E1984-8962-4D22-85D0-F7905988C2FE}" type="datetimeFigureOut">
               <a:rPr lang="zh-TW" altLang="en-US" smtClean="0"/>
-              <a:t>2018/11/19</a:t>
+              <a:t>2018/11/20</a:t>
             </a:fld>
             <a:endParaRPr lang="zh-TW" altLang="en-US"/>
           </a:p>
@@ -13325,7 +13325,7 @@
           <a:p>
             <a:fld id="{C85E1984-8962-4D22-85D0-F7905988C2FE}" type="datetimeFigureOut">
               <a:rPr lang="zh-TW" altLang="en-US" smtClean="0"/>
-              <a:t>2018/11/19</a:t>
+              <a:t>2018/11/20</a:t>
             </a:fld>
             <a:endParaRPr lang="zh-TW" altLang="en-US"/>
           </a:p>
@@ -13530,7 +13530,7 @@
           <a:p>
             <a:fld id="{C85E1984-8962-4D22-85D0-F7905988C2FE}" type="datetimeFigureOut">
               <a:rPr lang="zh-TW" altLang="en-US" smtClean="0"/>
-              <a:t>2018/11/19</a:t>
+              <a:t>2018/11/20</a:t>
             </a:fld>
             <a:endParaRPr lang="zh-TW" altLang="en-US"/>
           </a:p>
@@ -13707,7 +13707,7 @@
           <a:p>
             <a:fld id="{C85E1984-8962-4D22-85D0-F7905988C2FE}" type="datetimeFigureOut">
               <a:rPr lang="zh-TW" altLang="en-US" smtClean="0"/>
-              <a:t>2018/11/19</a:t>
+              <a:t>2018/11/20</a:t>
             </a:fld>
             <a:endParaRPr lang="zh-TW" altLang="en-US"/>
           </a:p>
@@ -14040,7 +14040,7 @@
           <a:p>
             <a:fld id="{C85E1984-8962-4D22-85D0-F7905988C2FE}" type="datetimeFigureOut">
               <a:rPr lang="zh-TW" altLang="en-US" smtClean="0"/>
-              <a:t>2018/11/19</a:t>
+              <a:t>2018/11/20</a:t>
             </a:fld>
             <a:endParaRPr lang="zh-TW" altLang="en-US"/>
           </a:p>
@@ -14385,7 +14385,7 @@
           <a:p>
             <a:fld id="{C85E1984-8962-4D22-85D0-F7905988C2FE}" type="datetimeFigureOut">
               <a:rPr lang="zh-TW" altLang="en-US" smtClean="0"/>
-              <a:t>2018/11/19</a:t>
+              <a:t>2018/11/20</a:t>
             </a:fld>
             <a:endParaRPr lang="zh-TW" altLang="en-US"/>
           </a:p>
@@ -14723,7 +14723,7 @@
           <a:p>
             <a:fld id="{C85E1984-8962-4D22-85D0-F7905988C2FE}" type="datetimeFigureOut">
               <a:rPr lang="zh-TW" altLang="en-US" smtClean="0"/>
-              <a:t>2018/11/19</a:t>
+              <a:t>2018/11/20</a:t>
             </a:fld>
             <a:endParaRPr lang="zh-TW" altLang="en-US"/>
           </a:p>
@@ -15124,7 +15124,7 @@
           <a:p>
             <a:fld id="{C85E1984-8962-4D22-85D0-F7905988C2FE}" type="datetimeFigureOut">
               <a:rPr lang="zh-TW" altLang="en-US" smtClean="0"/>
-              <a:t>2018/11/19</a:t>
+              <a:t>2018/11/20</a:t>
             </a:fld>
             <a:endParaRPr lang="zh-TW" altLang="en-US"/>
           </a:p>
@@ -15460,7 +15460,7 @@
           <a:p>
             <a:fld id="{C85E1984-8962-4D22-85D0-F7905988C2FE}" type="datetimeFigureOut">
               <a:rPr lang="zh-TW" altLang="en-US" smtClean="0"/>
-              <a:t>2018/11/19</a:t>
+              <a:t>2018/11/20</a:t>
             </a:fld>
             <a:endParaRPr lang="zh-TW" altLang="en-US"/>
           </a:p>
@@ -15780,7 +15780,7 @@
           <a:p>
             <a:fld id="{C85E1984-8962-4D22-85D0-F7905988C2FE}" type="datetimeFigureOut">
               <a:rPr lang="zh-TW" altLang="en-US" smtClean="0"/>
-              <a:t>2018/11/19</a:t>
+              <a:t>2018/11/20</a:t>
             </a:fld>
             <a:endParaRPr lang="zh-TW" altLang="en-US"/>
           </a:p>
@@ -16176,7 +16176,7 @@
           <a:p>
             <a:fld id="{C85E1984-8962-4D22-85D0-F7905988C2FE}" type="datetimeFigureOut">
               <a:rPr lang="zh-TW" altLang="en-US" smtClean="0"/>
-              <a:t>2018/11/19</a:t>
+              <a:t>2018/11/20</a:t>
             </a:fld>
             <a:endParaRPr lang="zh-TW" altLang="en-US"/>
           </a:p>
@@ -16392,7 +16392,7 @@
           <a:p>
             <a:fld id="{C85E1984-8962-4D22-85D0-F7905988C2FE}" type="datetimeFigureOut">
               <a:rPr lang="zh-TW" altLang="en-US" smtClean="0"/>
-              <a:t>2018/11/19</a:t>
+              <a:t>2018/11/20</a:t>
             </a:fld>
             <a:endParaRPr lang="zh-TW" altLang="en-US"/>
           </a:p>
@@ -16574,7 +16574,7 @@
           <a:p>
             <a:fld id="{C85E1984-8962-4D22-85D0-F7905988C2FE}" type="datetimeFigureOut">
               <a:rPr lang="zh-TW" altLang="en-US" smtClean="0"/>
-              <a:t>2018/11/19</a:t>
+              <a:t>2018/11/20</a:t>
             </a:fld>
             <a:endParaRPr lang="zh-TW" altLang="en-US"/>
           </a:p>
@@ -16836,7 +16836,7 @@
           <a:p>
             <a:fld id="{C85E1984-8962-4D22-85D0-F7905988C2FE}" type="datetimeFigureOut">
               <a:rPr lang="zh-TW" altLang="en-US" smtClean="0"/>
-              <a:t>2018/11/19</a:t>
+              <a:t>2018/11/20</a:t>
             </a:fld>
             <a:endParaRPr lang="zh-TW" altLang="en-US"/>
           </a:p>
@@ -17019,7 +17019,7 @@
           <a:p>
             <a:fld id="{C85E1984-8962-4D22-85D0-F7905988C2FE}" type="datetimeFigureOut">
               <a:rPr lang="zh-TW" altLang="en-US" smtClean="0"/>
-              <a:t>2018/11/19</a:t>
+              <a:t>2018/11/20</a:t>
             </a:fld>
             <a:endParaRPr lang="zh-TW" altLang="en-US"/>
           </a:p>
@@ -17330,7 +17330,7 @@
           <a:p>
             <a:fld id="{C85E1984-8962-4D22-85D0-F7905988C2FE}" type="datetimeFigureOut">
               <a:rPr lang="zh-TW" altLang="en-US" smtClean="0"/>
-              <a:t>2018/11/19</a:t>
+              <a:t>2018/11/20</a:t>
             </a:fld>
             <a:endParaRPr lang="zh-TW" altLang="en-US"/>
           </a:p>
@@ -17618,7 +17618,7 @@
           <a:p>
             <a:fld id="{C85E1984-8962-4D22-85D0-F7905988C2FE}" type="datetimeFigureOut">
               <a:rPr lang="zh-TW" altLang="en-US" smtClean="0"/>
-              <a:t>2018/11/19</a:t>
+              <a:t>2018/11/20</a:t>
             </a:fld>
             <a:endParaRPr lang="zh-TW" altLang="en-US"/>
           </a:p>
@@ -17859,7 +17859,7 @@
           <a:p>
             <a:fld id="{C85E1984-8962-4D22-85D0-F7905988C2FE}" type="datetimeFigureOut">
               <a:rPr lang="zh-TW" altLang="en-US" smtClean="0"/>
-              <a:t>2018/11/19</a:t>
+              <a:t>2018/11/20</a:t>
             </a:fld>
             <a:endParaRPr lang="zh-TW" altLang="en-US"/>
           </a:p>
@@ -18549,7 +18549,7 @@
           <a:p>
             <a:fld id="{C85E1984-8962-4D22-85D0-F7905988C2FE}" type="datetimeFigureOut">
               <a:rPr lang="zh-TW" altLang="en-US" smtClean="0"/>
-              <a:t>2018/11/19</a:t>
+              <a:t>2018/11/20</a:t>
             </a:fld>
             <a:endParaRPr lang="zh-TW" altLang="en-US"/>
           </a:p>
@@ -19365,7 +19365,7 @@
           <a:p>
             <a:fld id="{C85E1984-8962-4D22-85D0-F7905988C2FE}" type="datetimeFigureOut">
               <a:rPr lang="zh-TW" altLang="en-US" smtClean="0"/>
-              <a:t>2018/11/19</a:t>
+              <a:t>2018/11/20</a:t>
             </a:fld>
             <a:endParaRPr lang="zh-TW" altLang="en-US"/>
           </a:p>
@@ -21860,7 +21860,7 @@
           <a:p>
             <a:fld id="{C85E1984-8962-4D22-85D0-F7905988C2FE}" type="datetimeFigureOut">
               <a:rPr lang="zh-TW" altLang="en-US" smtClean="0"/>
-              <a:t>2018/11/19</a:t>
+              <a:t>2018/11/20</a:t>
             </a:fld>
             <a:endParaRPr lang="zh-TW" altLang="en-US"/>
           </a:p>
@@ -24472,16 +24472,16 @@
           <a:bodyPr/>
           <a:lstStyle/>
           <a:p>
-            <a:endParaRPr lang="zh-TW" altLang="en-US"/>
+            <a:endParaRPr lang="zh-TW" altLang="en-US" dirty="0"/>
           </a:p>
         </p:txBody>
       </p:sp>
       <p:pic>
         <p:nvPicPr>
-          <p:cNvPr id="5" name="圖片 4">
+          <p:cNvPr id="3" name="圖片 2">
             <a:extLst>
               <a:ext uri="{FF2B5EF4-FFF2-40B4-BE49-F238E27FC236}">
-                <a16:creationId xmlns:a16="http://schemas.microsoft.com/office/drawing/2014/main" id="{291B0B5A-49A4-41DE-9F9B-BC959A82655F}"/>
+                <a16:creationId xmlns:a16="http://schemas.microsoft.com/office/drawing/2014/main" id="{7A322034-2E06-4F9D-91FF-FA2CFF8F6C78}"/>
               </a:ext>
             </a:extLst>
           </p:cNvPr>
@@ -24498,8 +24498,8 @@
         </p:blipFill>
         <p:spPr>
           <a:xfrm>
-            <a:off x="4656086" y="858106"/>
-            <a:ext cx="6514834" cy="5211867"/>
+            <a:off x="4422493" y="1137037"/>
+            <a:ext cx="6970732" cy="4964450"/>
           </a:xfrm>
           <a:prstGeom prst="rect">
             <a:avLst/>

--- a/軟體工程期末專題報告.pptx
+++ b/軟體工程期末專題報告.pptx
@@ -19,11 +19,11 @@
     <p:sldId id="272" r:id="rId13"/>
     <p:sldId id="264" r:id="rId14"/>
     <p:sldId id="269" r:id="rId15"/>
-    <p:sldId id="265" r:id="rId16"/>
-    <p:sldId id="273" r:id="rId17"/>
-    <p:sldId id="266" r:id="rId18"/>
+    <p:sldId id="273" r:id="rId16"/>
+    <p:sldId id="265" r:id="rId17"/>
+    <p:sldId id="262" r:id="rId18"/>
     <p:sldId id="267" r:id="rId19"/>
-    <p:sldId id="262" r:id="rId20"/>
+    <p:sldId id="274" r:id="rId20"/>
     <p:sldId id="268" r:id="rId21"/>
   </p:sldIdLst>
   <p:sldSz cx="12192000" cy="6858000"/>
@@ -278,7 +278,7 @@
           <a:p>
             <a:fld id="{C85E1984-8962-4D22-85D0-F7905988C2FE}" type="datetimeFigureOut">
               <a:rPr lang="zh-TW" altLang="en-US" smtClean="0"/>
-              <a:t>2018/11/14</a:t>
+              <a:t>2018/11/20</a:t>
             </a:fld>
             <a:endParaRPr lang="zh-TW" altLang="en-US"/>
           </a:p>
@@ -476,7 +476,7 @@
           <a:p>
             <a:fld id="{C85E1984-8962-4D22-85D0-F7905988C2FE}" type="datetimeFigureOut">
               <a:rPr lang="zh-TW" altLang="en-US" smtClean="0"/>
-              <a:t>2018/11/14</a:t>
+              <a:t>2018/11/20</a:t>
             </a:fld>
             <a:endParaRPr lang="zh-TW" altLang="en-US"/>
           </a:p>
@@ -684,7 +684,7 @@
           <a:p>
             <a:fld id="{C85E1984-8962-4D22-85D0-F7905988C2FE}" type="datetimeFigureOut">
               <a:rPr lang="zh-TW" altLang="en-US" smtClean="0"/>
-              <a:t>2018/11/14</a:t>
+              <a:t>2018/11/20</a:t>
             </a:fld>
             <a:endParaRPr lang="zh-TW" altLang="en-US"/>
           </a:p>
@@ -1088,7 +1088,7 @@
           <a:p>
             <a:fld id="{C85E1984-8962-4D22-85D0-F7905988C2FE}" type="datetimeFigureOut">
               <a:rPr lang="zh-TW" altLang="en-US" smtClean="0"/>
-              <a:t>2018/11/14</a:t>
+              <a:t>2018/11/20</a:t>
             </a:fld>
             <a:endParaRPr lang="zh-TW" altLang="en-US"/>
           </a:p>
@@ -1329,7 +1329,7 @@
           <a:p>
             <a:fld id="{C85E1984-8962-4D22-85D0-F7905988C2FE}" type="datetimeFigureOut">
               <a:rPr lang="zh-TW" altLang="en-US" smtClean="0"/>
-              <a:t>2018/11/14</a:t>
+              <a:t>2018/11/20</a:t>
             </a:fld>
             <a:endParaRPr lang="zh-TW" altLang="en-US"/>
           </a:p>
@@ -1577,7 +1577,7 @@
           <a:p>
             <a:fld id="{C85E1984-8962-4D22-85D0-F7905988C2FE}" type="datetimeFigureOut">
               <a:rPr lang="zh-TW" altLang="en-US" smtClean="0"/>
-              <a:t>2018/11/14</a:t>
+              <a:t>2018/11/20</a:t>
             </a:fld>
             <a:endParaRPr lang="zh-TW" altLang="en-US"/>
           </a:p>
@@ -1875,7 +1875,7 @@
           <a:p>
             <a:fld id="{C85E1984-8962-4D22-85D0-F7905988C2FE}" type="datetimeFigureOut">
               <a:rPr lang="zh-TW" altLang="en-US" smtClean="0"/>
-              <a:t>2018/11/14</a:t>
+              <a:t>2018/11/20</a:t>
             </a:fld>
             <a:endParaRPr lang="zh-TW" altLang="en-US"/>
           </a:p>
@@ -2269,7 +2269,7 @@
           <a:p>
             <a:fld id="{C85E1984-8962-4D22-85D0-F7905988C2FE}" type="datetimeFigureOut">
               <a:rPr lang="zh-TW" altLang="en-US" smtClean="0"/>
-              <a:t>2018/11/14</a:t>
+              <a:t>2018/11/20</a:t>
             </a:fld>
             <a:endParaRPr lang="zh-TW" altLang="en-US"/>
           </a:p>
@@ -2418,7 +2418,7 @@
           <a:p>
             <a:fld id="{C85E1984-8962-4D22-85D0-F7905988C2FE}" type="datetimeFigureOut">
               <a:rPr lang="zh-TW" altLang="en-US" smtClean="0"/>
-              <a:t>2018/11/14</a:t>
+              <a:t>2018/11/20</a:t>
             </a:fld>
             <a:endParaRPr lang="zh-TW" altLang="en-US"/>
           </a:p>
@@ -2544,7 +2544,7 @@
           <a:p>
             <a:fld id="{C85E1984-8962-4D22-85D0-F7905988C2FE}" type="datetimeFigureOut">
               <a:rPr lang="zh-TW" altLang="en-US" smtClean="0"/>
-              <a:t>2018/11/14</a:t>
+              <a:t>2018/11/20</a:t>
             </a:fld>
             <a:endParaRPr lang="zh-TW" altLang="en-US"/>
           </a:p>
@@ -2799,7 +2799,7 @@
           <a:p>
             <a:fld id="{C85E1984-8962-4D22-85D0-F7905988C2FE}" type="datetimeFigureOut">
               <a:rPr lang="zh-TW" altLang="en-US" smtClean="0"/>
-              <a:t>2018/11/14</a:t>
+              <a:t>2018/11/20</a:t>
             </a:fld>
             <a:endParaRPr lang="zh-TW" altLang="en-US"/>
           </a:p>
@@ -3016,7 +3016,7 @@
           <a:p>
             <a:fld id="{C85E1984-8962-4D22-85D0-F7905988C2FE}" type="datetimeFigureOut">
               <a:rPr lang="zh-TW" altLang="en-US" smtClean="0"/>
-              <a:t>2018/11/14</a:t>
+              <a:t>2018/11/20</a:t>
             </a:fld>
             <a:endParaRPr lang="zh-TW" altLang="en-US"/>
           </a:p>
@@ -3312,7 +3312,7 @@
           <a:p>
             <a:fld id="{C85E1984-8962-4D22-85D0-F7905988C2FE}" type="datetimeFigureOut">
               <a:rPr lang="zh-TW" altLang="en-US" smtClean="0"/>
-              <a:t>2018/11/14</a:t>
+              <a:t>2018/11/20</a:t>
             </a:fld>
             <a:endParaRPr lang="zh-TW" altLang="en-US"/>
           </a:p>
@@ -3596,7 +3596,7 @@
           <a:p>
             <a:fld id="{C85E1984-8962-4D22-85D0-F7905988C2FE}" type="datetimeFigureOut">
               <a:rPr lang="zh-TW" altLang="en-US" smtClean="0"/>
-              <a:t>2018/11/14</a:t>
+              <a:t>2018/11/20</a:t>
             </a:fld>
             <a:endParaRPr lang="zh-TW" altLang="en-US"/>
           </a:p>
@@ -3844,7 +3844,7 @@
           <a:p>
             <a:fld id="{C85E1984-8962-4D22-85D0-F7905988C2FE}" type="datetimeFigureOut">
               <a:rPr lang="zh-TW" altLang="en-US" smtClean="0"/>
-              <a:t>2018/11/14</a:t>
+              <a:t>2018/11/20</a:t>
             </a:fld>
             <a:endParaRPr lang="zh-TW" altLang="en-US"/>
           </a:p>
@@ -4183,7 +4183,7 @@
           <a:p>
             <a:fld id="{C85E1984-8962-4D22-85D0-F7905988C2FE}" type="datetimeFigureOut">
               <a:rPr lang="zh-TW" altLang="en-US" smtClean="0"/>
-              <a:t>2018/11/14</a:t>
+              <a:t>2018/11/20</a:t>
             </a:fld>
             <a:endParaRPr lang="zh-TW" altLang="en-US"/>
           </a:p>
@@ -4530,7 +4530,7 @@
           <a:p>
             <a:fld id="{C85E1984-8962-4D22-85D0-F7905988C2FE}" type="datetimeFigureOut">
               <a:rPr lang="zh-TW" altLang="en-US" smtClean="0"/>
-              <a:t>2018/11/14</a:t>
+              <a:t>2018/11/20</a:t>
             </a:fld>
             <a:endParaRPr lang="zh-TW" altLang="en-US"/>
           </a:p>
@@ -4904,7 +4904,7 @@
           <a:p>
             <a:fld id="{C85E1984-8962-4D22-85D0-F7905988C2FE}" type="datetimeFigureOut">
               <a:rPr lang="zh-TW" altLang="en-US" smtClean="0"/>
-              <a:t>2018/11/14</a:t>
+              <a:t>2018/11/20</a:t>
             </a:fld>
             <a:endParaRPr lang="zh-TW" altLang="en-US"/>
           </a:p>
@@ -5374,7 +5374,7 @@
           <a:p>
             <a:fld id="{C85E1984-8962-4D22-85D0-F7905988C2FE}" type="datetimeFigureOut">
               <a:rPr lang="zh-TW" altLang="en-US" smtClean="0"/>
-              <a:t>2018/11/14</a:t>
+              <a:t>2018/11/20</a:t>
             </a:fld>
             <a:endParaRPr lang="zh-TW" altLang="en-US"/>
           </a:p>
@@ -5579,7 +5579,7 @@
           <a:p>
             <a:fld id="{C85E1984-8962-4D22-85D0-F7905988C2FE}" type="datetimeFigureOut">
               <a:rPr lang="zh-TW" altLang="en-US" smtClean="0"/>
-              <a:t>2018/11/14</a:t>
+              <a:t>2018/11/20</a:t>
             </a:fld>
             <a:endParaRPr lang="zh-TW" altLang="en-US"/>
           </a:p>
@@ -5790,7 +5790,7 @@
           <a:p>
             <a:fld id="{C85E1984-8962-4D22-85D0-F7905988C2FE}" type="datetimeFigureOut">
               <a:rPr lang="zh-TW" altLang="en-US" smtClean="0"/>
-              <a:t>2018/11/14</a:t>
+              <a:t>2018/11/20</a:t>
             </a:fld>
             <a:endParaRPr lang="zh-TW" altLang="en-US"/>
           </a:p>
@@ -6213,7 +6213,7 @@
           <a:p>
             <a:fld id="{C85E1984-8962-4D22-85D0-F7905988C2FE}" type="datetimeFigureOut">
               <a:rPr lang="zh-TW" altLang="en-US" smtClean="0"/>
-              <a:t>2018/11/14</a:t>
+              <a:t>2018/11/20</a:t>
             </a:fld>
             <a:endParaRPr lang="zh-TW" altLang="en-US"/>
           </a:p>
@@ -6516,7 +6516,7 @@
           <a:p>
             <a:fld id="{C85E1984-8962-4D22-85D0-F7905988C2FE}" type="datetimeFigureOut">
               <a:rPr lang="zh-TW" altLang="en-US" smtClean="0"/>
-              <a:t>2018/11/14</a:t>
+              <a:t>2018/11/20</a:t>
             </a:fld>
             <a:endParaRPr lang="zh-TW" altLang="en-US"/>
           </a:p>
@@ -6729,7 +6729,7 @@
           <a:p>
             <a:fld id="{C85E1984-8962-4D22-85D0-F7905988C2FE}" type="datetimeFigureOut">
               <a:rPr lang="zh-TW" altLang="en-US" smtClean="0"/>
-              <a:t>2018/11/14</a:t>
+              <a:t>2018/11/20</a:t>
             </a:fld>
             <a:endParaRPr lang="zh-TW" altLang="en-US"/>
           </a:p>
@@ -6977,7 +6977,7 @@
           <a:p>
             <a:fld id="{C85E1984-8962-4D22-85D0-F7905988C2FE}" type="datetimeFigureOut">
               <a:rPr lang="zh-TW" altLang="en-US" smtClean="0"/>
-              <a:t>2018/11/14</a:t>
+              <a:t>2018/11/20</a:t>
             </a:fld>
             <a:endParaRPr lang="zh-TW" altLang="en-US"/>
           </a:p>
@@ -7275,7 +7275,7 @@
           <a:p>
             <a:fld id="{C85E1984-8962-4D22-85D0-F7905988C2FE}" type="datetimeFigureOut">
               <a:rPr lang="zh-TW" altLang="en-US" smtClean="0"/>
-              <a:t>2018/11/14</a:t>
+              <a:t>2018/11/20</a:t>
             </a:fld>
             <a:endParaRPr lang="zh-TW" altLang="en-US"/>
           </a:p>
@@ -7669,7 +7669,7 @@
           <a:p>
             <a:fld id="{C85E1984-8962-4D22-85D0-F7905988C2FE}" type="datetimeFigureOut">
               <a:rPr lang="zh-TW" altLang="en-US" smtClean="0"/>
-              <a:t>2018/11/14</a:t>
+              <a:t>2018/11/20</a:t>
             </a:fld>
             <a:endParaRPr lang="zh-TW" altLang="en-US"/>
           </a:p>
@@ -7818,7 +7818,7 @@
           <a:p>
             <a:fld id="{C85E1984-8962-4D22-85D0-F7905988C2FE}" type="datetimeFigureOut">
               <a:rPr lang="zh-TW" altLang="en-US" smtClean="0"/>
-              <a:t>2018/11/14</a:t>
+              <a:t>2018/11/20</a:t>
             </a:fld>
             <a:endParaRPr lang="zh-TW" altLang="en-US"/>
           </a:p>
@@ -7944,7 +7944,7 @@
           <a:p>
             <a:fld id="{C85E1984-8962-4D22-85D0-F7905988C2FE}" type="datetimeFigureOut">
               <a:rPr lang="zh-TW" altLang="en-US" smtClean="0"/>
-              <a:t>2018/11/14</a:t>
+              <a:t>2018/11/20</a:t>
             </a:fld>
             <a:endParaRPr lang="zh-TW" altLang="en-US"/>
           </a:p>
@@ -8199,7 +8199,7 @@
           <a:p>
             <a:fld id="{C85E1984-8962-4D22-85D0-F7905988C2FE}" type="datetimeFigureOut">
               <a:rPr lang="zh-TW" altLang="en-US" smtClean="0"/>
-              <a:t>2018/11/14</a:t>
+              <a:t>2018/11/20</a:t>
             </a:fld>
             <a:endParaRPr lang="zh-TW" altLang="en-US"/>
           </a:p>
@@ -8514,7 +8514,7 @@
           <a:p>
             <a:fld id="{C85E1984-8962-4D22-85D0-F7905988C2FE}" type="datetimeFigureOut">
               <a:rPr lang="zh-TW" altLang="en-US" smtClean="0"/>
-              <a:t>2018/11/14</a:t>
+              <a:t>2018/11/20</a:t>
             </a:fld>
             <a:endParaRPr lang="zh-TW" altLang="en-US"/>
           </a:p>
@@ -8798,7 +8798,7 @@
           <a:p>
             <a:fld id="{C85E1984-8962-4D22-85D0-F7905988C2FE}" type="datetimeFigureOut">
               <a:rPr lang="zh-TW" altLang="en-US" smtClean="0"/>
-              <a:t>2018/11/14</a:t>
+              <a:t>2018/11/20</a:t>
             </a:fld>
             <a:endParaRPr lang="zh-TW" altLang="en-US"/>
           </a:p>
@@ -9046,7 +9046,7 @@
           <a:p>
             <a:fld id="{C85E1984-8962-4D22-85D0-F7905988C2FE}" type="datetimeFigureOut">
               <a:rPr lang="zh-TW" altLang="en-US" smtClean="0"/>
-              <a:t>2018/11/14</a:t>
+              <a:t>2018/11/20</a:t>
             </a:fld>
             <a:endParaRPr lang="zh-TW" altLang="en-US"/>
           </a:p>
@@ -9330,7 +9330,7 @@
           <a:p>
             <a:fld id="{C85E1984-8962-4D22-85D0-F7905988C2FE}" type="datetimeFigureOut">
               <a:rPr lang="zh-TW" altLang="en-US" smtClean="0"/>
-              <a:t>2018/11/14</a:t>
+              <a:t>2018/11/20</a:t>
             </a:fld>
             <a:endParaRPr lang="zh-TW" altLang="en-US"/>
           </a:p>
@@ -9650,7 +9650,7 @@
           <a:p>
             <a:fld id="{C85E1984-8962-4D22-85D0-F7905988C2FE}" type="datetimeFigureOut">
               <a:rPr lang="zh-TW" altLang="en-US" smtClean="0"/>
-              <a:t>2018/11/14</a:t>
+              <a:t>2018/11/20</a:t>
             </a:fld>
             <a:endParaRPr lang="zh-TW" altLang="en-US"/>
           </a:p>
@@ -9997,7 +9997,7 @@
           <a:p>
             <a:fld id="{C85E1984-8962-4D22-85D0-F7905988C2FE}" type="datetimeFigureOut">
               <a:rPr lang="zh-TW" altLang="en-US" smtClean="0"/>
-              <a:t>2018/11/14</a:t>
+              <a:t>2018/11/20</a:t>
             </a:fld>
             <a:endParaRPr lang="zh-TW" altLang="en-US"/>
           </a:p>
@@ -10371,7 +10371,7 @@
           <a:p>
             <a:fld id="{C85E1984-8962-4D22-85D0-F7905988C2FE}" type="datetimeFigureOut">
               <a:rPr lang="zh-TW" altLang="en-US" smtClean="0"/>
-              <a:t>2018/11/14</a:t>
+              <a:t>2018/11/20</a:t>
             </a:fld>
             <a:endParaRPr lang="zh-TW" altLang="en-US"/>
           </a:p>
@@ -10841,7 +10841,7 @@
           <a:p>
             <a:fld id="{C85E1984-8962-4D22-85D0-F7905988C2FE}" type="datetimeFigureOut">
               <a:rPr lang="zh-TW" altLang="en-US" smtClean="0"/>
-              <a:t>2018/11/14</a:t>
+              <a:t>2018/11/20</a:t>
             </a:fld>
             <a:endParaRPr lang="zh-TW" altLang="en-US"/>
           </a:p>
@@ -11046,7 +11046,7 @@
           <a:p>
             <a:fld id="{C85E1984-8962-4D22-85D0-F7905988C2FE}" type="datetimeFigureOut">
               <a:rPr lang="zh-TW" altLang="en-US" smtClean="0"/>
-              <a:t>2018/11/14</a:t>
+              <a:t>2018/11/20</a:t>
             </a:fld>
             <a:endParaRPr lang="zh-TW" altLang="en-US"/>
           </a:p>
@@ -11257,7 +11257,7 @@
           <a:p>
             <a:fld id="{C85E1984-8962-4D22-85D0-F7905988C2FE}" type="datetimeFigureOut">
               <a:rPr lang="zh-TW" altLang="en-US" smtClean="0"/>
-              <a:t>2018/11/14</a:t>
+              <a:t>2018/11/20</a:t>
             </a:fld>
             <a:endParaRPr lang="zh-TW" altLang="en-US"/>
           </a:p>
@@ -11537,7 +11537,7 @@
           <a:p>
             <a:fld id="{C85E1984-8962-4D22-85D0-F7905988C2FE}" type="datetimeFigureOut">
               <a:rPr lang="zh-TW" altLang="en-US" smtClean="0"/>
-              <a:t>2018/11/14</a:t>
+              <a:t>2018/11/20</a:t>
             </a:fld>
             <a:endParaRPr lang="zh-TW" altLang="en-US"/>
           </a:p>
@@ -11804,7 +11804,7 @@
           <a:p>
             <a:fld id="{C85E1984-8962-4D22-85D0-F7905988C2FE}" type="datetimeFigureOut">
               <a:rPr lang="zh-TW" altLang="en-US" smtClean="0"/>
-              <a:t>2018/11/14</a:t>
+              <a:t>2018/11/20</a:t>
             </a:fld>
             <a:endParaRPr lang="zh-TW" altLang="en-US"/>
           </a:p>
@@ -12133,7 +12133,7 @@
           <a:p>
             <a:fld id="{C85E1984-8962-4D22-85D0-F7905988C2FE}" type="datetimeFigureOut">
               <a:rPr lang="zh-TW" altLang="en-US" smtClean="0"/>
-              <a:t>2018/11/14</a:t>
+              <a:t>2018/11/20</a:t>
             </a:fld>
             <a:endParaRPr lang="zh-TW" altLang="en-US"/>
           </a:p>
@@ -12456,7 +12456,7 @@
           <a:p>
             <a:fld id="{C85E1984-8962-4D22-85D0-F7905988C2FE}" type="datetimeFigureOut">
               <a:rPr lang="zh-TW" altLang="en-US" smtClean="0"/>
-              <a:t>2018/11/14</a:t>
+              <a:t>2018/11/20</a:t>
             </a:fld>
             <a:endParaRPr lang="zh-TW" altLang="en-US"/>
           </a:p>
@@ -12943,7 +12943,7 @@
           <a:p>
             <a:fld id="{C85E1984-8962-4D22-85D0-F7905988C2FE}" type="datetimeFigureOut">
               <a:rPr lang="zh-TW" altLang="en-US" smtClean="0"/>
-              <a:t>2018/11/14</a:t>
+              <a:t>2018/11/20</a:t>
             </a:fld>
             <a:endParaRPr lang="zh-TW" altLang="en-US"/>
           </a:p>
@@ -13325,7 +13325,7 @@
           <a:p>
             <a:fld id="{C85E1984-8962-4D22-85D0-F7905988C2FE}" type="datetimeFigureOut">
               <a:rPr lang="zh-TW" altLang="en-US" smtClean="0"/>
-              <a:t>2018/11/14</a:t>
+              <a:t>2018/11/20</a:t>
             </a:fld>
             <a:endParaRPr lang="zh-TW" altLang="en-US"/>
           </a:p>
@@ -13530,7 +13530,7 @@
           <a:p>
             <a:fld id="{C85E1984-8962-4D22-85D0-F7905988C2FE}" type="datetimeFigureOut">
               <a:rPr lang="zh-TW" altLang="en-US" smtClean="0"/>
-              <a:t>2018/11/14</a:t>
+              <a:t>2018/11/20</a:t>
             </a:fld>
             <a:endParaRPr lang="zh-TW" altLang="en-US"/>
           </a:p>
@@ -13707,7 +13707,7 @@
           <a:p>
             <a:fld id="{C85E1984-8962-4D22-85D0-F7905988C2FE}" type="datetimeFigureOut">
               <a:rPr lang="zh-TW" altLang="en-US" smtClean="0"/>
-              <a:t>2018/11/14</a:t>
+              <a:t>2018/11/20</a:t>
             </a:fld>
             <a:endParaRPr lang="zh-TW" altLang="en-US"/>
           </a:p>
@@ -14040,7 +14040,7 @@
           <a:p>
             <a:fld id="{C85E1984-8962-4D22-85D0-F7905988C2FE}" type="datetimeFigureOut">
               <a:rPr lang="zh-TW" altLang="en-US" smtClean="0"/>
-              <a:t>2018/11/14</a:t>
+              <a:t>2018/11/20</a:t>
             </a:fld>
             <a:endParaRPr lang="zh-TW" altLang="en-US"/>
           </a:p>
@@ -14385,7 +14385,7 @@
           <a:p>
             <a:fld id="{C85E1984-8962-4D22-85D0-F7905988C2FE}" type="datetimeFigureOut">
               <a:rPr lang="zh-TW" altLang="en-US" smtClean="0"/>
-              <a:t>2018/11/14</a:t>
+              <a:t>2018/11/20</a:t>
             </a:fld>
             <a:endParaRPr lang="zh-TW" altLang="en-US"/>
           </a:p>
@@ -14723,7 +14723,7 @@
           <a:p>
             <a:fld id="{C85E1984-8962-4D22-85D0-F7905988C2FE}" type="datetimeFigureOut">
               <a:rPr lang="zh-TW" altLang="en-US" smtClean="0"/>
-              <a:t>2018/11/14</a:t>
+              <a:t>2018/11/20</a:t>
             </a:fld>
             <a:endParaRPr lang="zh-TW" altLang="en-US"/>
           </a:p>
@@ -15124,7 +15124,7 @@
           <a:p>
             <a:fld id="{C85E1984-8962-4D22-85D0-F7905988C2FE}" type="datetimeFigureOut">
               <a:rPr lang="zh-TW" altLang="en-US" smtClean="0"/>
-              <a:t>2018/11/14</a:t>
+              <a:t>2018/11/20</a:t>
             </a:fld>
             <a:endParaRPr lang="zh-TW" altLang="en-US"/>
           </a:p>
@@ -15460,7 +15460,7 @@
           <a:p>
             <a:fld id="{C85E1984-8962-4D22-85D0-F7905988C2FE}" type="datetimeFigureOut">
               <a:rPr lang="zh-TW" altLang="en-US" smtClean="0"/>
-              <a:t>2018/11/14</a:t>
+              <a:t>2018/11/20</a:t>
             </a:fld>
             <a:endParaRPr lang="zh-TW" altLang="en-US"/>
           </a:p>
@@ -15780,7 +15780,7 @@
           <a:p>
             <a:fld id="{C85E1984-8962-4D22-85D0-F7905988C2FE}" type="datetimeFigureOut">
               <a:rPr lang="zh-TW" altLang="en-US" smtClean="0"/>
-              <a:t>2018/11/14</a:t>
+              <a:t>2018/11/20</a:t>
             </a:fld>
             <a:endParaRPr lang="zh-TW" altLang="en-US"/>
           </a:p>
@@ -16176,7 +16176,7 @@
           <a:p>
             <a:fld id="{C85E1984-8962-4D22-85D0-F7905988C2FE}" type="datetimeFigureOut">
               <a:rPr lang="zh-TW" altLang="en-US" smtClean="0"/>
-              <a:t>2018/11/14</a:t>
+              <a:t>2018/11/20</a:t>
             </a:fld>
             <a:endParaRPr lang="zh-TW" altLang="en-US"/>
           </a:p>
@@ -16392,7 +16392,7 @@
           <a:p>
             <a:fld id="{C85E1984-8962-4D22-85D0-F7905988C2FE}" type="datetimeFigureOut">
               <a:rPr lang="zh-TW" altLang="en-US" smtClean="0"/>
-              <a:t>2018/11/14</a:t>
+              <a:t>2018/11/20</a:t>
             </a:fld>
             <a:endParaRPr lang="zh-TW" altLang="en-US"/>
           </a:p>
@@ -16574,7 +16574,7 @@
           <a:p>
             <a:fld id="{C85E1984-8962-4D22-85D0-F7905988C2FE}" type="datetimeFigureOut">
               <a:rPr lang="zh-TW" altLang="en-US" smtClean="0"/>
-              <a:t>2018/11/14</a:t>
+              <a:t>2018/11/20</a:t>
             </a:fld>
             <a:endParaRPr lang="zh-TW" altLang="en-US"/>
           </a:p>
@@ -16836,7 +16836,7 @@
           <a:p>
             <a:fld id="{C85E1984-8962-4D22-85D0-F7905988C2FE}" type="datetimeFigureOut">
               <a:rPr lang="zh-TW" altLang="en-US" smtClean="0"/>
-              <a:t>2018/11/14</a:t>
+              <a:t>2018/11/20</a:t>
             </a:fld>
             <a:endParaRPr lang="zh-TW" altLang="en-US"/>
           </a:p>
@@ -17019,7 +17019,7 @@
           <a:p>
             <a:fld id="{C85E1984-8962-4D22-85D0-F7905988C2FE}" type="datetimeFigureOut">
               <a:rPr lang="zh-TW" altLang="en-US" smtClean="0"/>
-              <a:t>2018/11/14</a:t>
+              <a:t>2018/11/20</a:t>
             </a:fld>
             <a:endParaRPr lang="zh-TW" altLang="en-US"/>
           </a:p>
@@ -17330,7 +17330,7 @@
           <a:p>
             <a:fld id="{C85E1984-8962-4D22-85D0-F7905988C2FE}" type="datetimeFigureOut">
               <a:rPr lang="zh-TW" altLang="en-US" smtClean="0"/>
-              <a:t>2018/11/14</a:t>
+              <a:t>2018/11/20</a:t>
             </a:fld>
             <a:endParaRPr lang="zh-TW" altLang="en-US"/>
           </a:p>
@@ -17618,7 +17618,7 @@
           <a:p>
             <a:fld id="{C85E1984-8962-4D22-85D0-F7905988C2FE}" type="datetimeFigureOut">
               <a:rPr lang="zh-TW" altLang="en-US" smtClean="0"/>
-              <a:t>2018/11/14</a:t>
+              <a:t>2018/11/20</a:t>
             </a:fld>
             <a:endParaRPr lang="zh-TW" altLang="en-US"/>
           </a:p>
@@ -17859,7 +17859,7 @@
           <a:p>
             <a:fld id="{C85E1984-8962-4D22-85D0-F7905988C2FE}" type="datetimeFigureOut">
               <a:rPr lang="zh-TW" altLang="en-US" smtClean="0"/>
-              <a:t>2018/11/14</a:t>
+              <a:t>2018/11/20</a:t>
             </a:fld>
             <a:endParaRPr lang="zh-TW" altLang="en-US"/>
           </a:p>
@@ -18549,7 +18549,7 @@
           <a:p>
             <a:fld id="{C85E1984-8962-4D22-85D0-F7905988C2FE}" type="datetimeFigureOut">
               <a:rPr lang="zh-TW" altLang="en-US" smtClean="0"/>
-              <a:t>2018/11/14</a:t>
+              <a:t>2018/11/20</a:t>
             </a:fld>
             <a:endParaRPr lang="zh-TW" altLang="en-US"/>
           </a:p>
@@ -19365,7 +19365,7 @@
           <a:p>
             <a:fld id="{C85E1984-8962-4D22-85D0-F7905988C2FE}" type="datetimeFigureOut">
               <a:rPr lang="zh-TW" altLang="en-US" smtClean="0"/>
-              <a:t>2018/11/14</a:t>
+              <a:t>2018/11/20</a:t>
             </a:fld>
             <a:endParaRPr lang="zh-TW" altLang="en-US"/>
           </a:p>
@@ -21860,7 +21860,7 @@
           <a:p>
             <a:fld id="{C85E1984-8962-4D22-85D0-F7905988C2FE}" type="datetimeFigureOut">
               <a:rPr lang="zh-TW" altLang="en-US" smtClean="0"/>
-              <a:t>2018/11/14</a:t>
+              <a:t>2018/11/20</a:t>
             </a:fld>
             <a:endParaRPr lang="zh-TW" altLang="en-US"/>
           </a:p>
@@ -24305,105 +24305,6 @@
           <p:cNvPr id="2" name="標題 1">
             <a:extLst>
               <a:ext uri="{FF2B5EF4-FFF2-40B4-BE49-F238E27FC236}">
-                <a16:creationId xmlns:a16="http://schemas.microsoft.com/office/drawing/2014/main" id="{F67A1079-3A1C-4109-90E2-726FAEC4FE48}"/>
-              </a:ext>
-            </a:extLst>
-          </p:cNvPr>
-          <p:cNvSpPr>
-            <a:spLocks noGrp="1"/>
-          </p:cNvSpPr>
-          <p:nvPr>
-            <p:ph type="title"/>
-          </p:nvPr>
-        </p:nvSpPr>
-        <p:spPr>
-          <a:xfrm>
-            <a:off x="838200" y="365125"/>
-            <a:ext cx="2930718" cy="1325563"/>
-          </a:xfrm>
-        </p:spPr>
-        <p:txBody>
-          <a:bodyPr/>
-          <a:lstStyle/>
-          <a:p>
-            <a:pPr algn="ctr"/>
-            <a:r>
-              <a:rPr lang="zh-TW" altLang="en-US" dirty="0"/>
-              <a:t>系統架構</a:t>
-            </a:r>
-          </a:p>
-        </p:txBody>
-      </p:sp>
-      <p:pic>
-        <p:nvPicPr>
-          <p:cNvPr id="11" name="內容版面配置區 10">
-            <a:extLst>
-              <a:ext uri="{FF2B5EF4-FFF2-40B4-BE49-F238E27FC236}">
-                <a16:creationId xmlns:a16="http://schemas.microsoft.com/office/drawing/2014/main" id="{4966A585-2182-44B2-835F-DF4DDE473358}"/>
-              </a:ext>
-            </a:extLst>
-          </p:cNvPr>
-          <p:cNvPicPr>
-            <a:picLocks noGrp="1" noChangeAspect="1"/>
-          </p:cNvPicPr>
-          <p:nvPr>
-            <p:ph idx="1"/>
-          </p:nvPr>
-        </p:nvPicPr>
-        <p:blipFill>
-          <a:blip r:embed="rId2">
-            <a:extLst>
-              <a:ext uri="{28A0092B-C50C-407E-A947-70E740481C1C}">
-                <a14:useLocalDpi xmlns:a14="http://schemas.microsoft.com/office/drawing/2010/main" val="0"/>
-              </a:ext>
-            </a:extLst>
-          </a:blip>
-          <a:stretch>
-            <a:fillRect/>
-          </a:stretch>
-        </p:blipFill>
-        <p:spPr>
-          <a:xfrm>
-            <a:off x="6397388" y="522884"/>
-            <a:ext cx="3719323" cy="5812232"/>
-          </a:xfrm>
-        </p:spPr>
-      </p:pic>
-    </p:spTree>
-    <p:extLst>
-      <p:ext uri="{BB962C8B-B14F-4D97-AF65-F5344CB8AC3E}">
-        <p14:creationId xmlns:p14="http://schemas.microsoft.com/office/powerpoint/2010/main" val="1162394172"/>
-      </p:ext>
-    </p:extLst>
-  </p:cSld>
-  <p:clrMapOvr>
-    <a:masterClrMapping/>
-  </p:clrMapOvr>
-</p:sld>
-</file>
-
-<file path=ppt/slides/slide13.xml><?xml version="1.0" encoding="utf-8"?>
-<p:sld xmlns:a="http://schemas.openxmlformats.org/drawingml/2006/main" xmlns:r="http://schemas.openxmlformats.org/officeDocument/2006/relationships" xmlns:p="http://schemas.openxmlformats.org/presentationml/2006/main">
-  <p:cSld>
-    <p:spTree>
-      <p:nvGrpSpPr>
-        <p:cNvPr id="1" name=""/>
-        <p:cNvGrpSpPr/>
-        <p:nvPr/>
-      </p:nvGrpSpPr>
-      <p:grpSpPr>
-        <a:xfrm>
-          <a:off x="0" y="0"/>
-          <a:ext cx="0" cy="0"/>
-          <a:chOff x="0" y="0"/>
-          <a:chExt cx="0" cy="0"/>
-        </a:xfrm>
-      </p:grpSpPr>
-      <p:sp>
-        <p:nvSpPr>
-          <p:cNvPr id="2" name="標題 1">
-            <a:extLst>
-              <a:ext uri="{FF2B5EF4-FFF2-40B4-BE49-F238E27FC236}">
                 <a16:creationId xmlns:a16="http://schemas.microsoft.com/office/drawing/2014/main" id="{23050A43-DD0C-4D58-87CD-5BC7918577FE}"/>
               </a:ext>
             </a:extLst>
@@ -24481,43 +24382,9 @@
 </p:sld>
 </file>
 
-<file path=ppt/slides/slide14.xml><?xml version="1.0" encoding="utf-8"?>
+<file path=ppt/slides/slide13.xml><?xml version="1.0" encoding="utf-8"?>
 <p:sld xmlns:a="http://schemas.openxmlformats.org/drawingml/2006/main" xmlns:r="http://schemas.openxmlformats.org/officeDocument/2006/relationships" xmlns:p="http://schemas.openxmlformats.org/presentationml/2006/main">
   <p:cSld>
-    <p:bg>
-      <p:bgPr>
-        <a:gradFill>
-          <a:gsLst>
-            <a:gs pos="0">
-              <a:schemeClr val="accent1">
-                <a:lumMod val="5000"/>
-                <a:lumOff val="95000"/>
-              </a:schemeClr>
-            </a:gs>
-            <a:gs pos="74000">
-              <a:schemeClr val="accent1">
-                <a:lumMod val="45000"/>
-                <a:lumOff val="55000"/>
-              </a:schemeClr>
-            </a:gs>
-            <a:gs pos="83000">
-              <a:schemeClr val="accent1">
-                <a:lumMod val="45000"/>
-                <a:lumOff val="55000"/>
-              </a:schemeClr>
-            </a:gs>
-            <a:gs pos="100000">
-              <a:schemeClr val="accent1">
-                <a:lumMod val="30000"/>
-                <a:lumOff val="70000"/>
-              </a:schemeClr>
-            </a:gs>
-          </a:gsLst>
-          <a:lin ang="5400000" scaled="1"/>
-        </a:gradFill>
-        <a:effectLst/>
-      </p:bgPr>
-    </p:bg>
     <p:spTree>
       <p:nvGrpSpPr>
         <p:cNvPr id="1" name=""/>
@@ -24537,7 +24404,7 @@
           <p:cNvPr id="2" name="標題 1">
             <a:extLst>
               <a:ext uri="{FF2B5EF4-FFF2-40B4-BE49-F238E27FC236}">
-                <a16:creationId xmlns:a16="http://schemas.microsoft.com/office/drawing/2014/main" id="{D9475F4D-DF1D-4E65-960B-0C29B1335732}"/>
+                <a16:creationId xmlns:a16="http://schemas.microsoft.com/office/drawing/2014/main" id="{F67A1079-3A1C-4109-90E2-726FAEC4FE48}"/>
               </a:ext>
             </a:extLst>
           </p:cNvPr>
@@ -24548,15 +24415,37 @@
             <p:ph type="title"/>
           </p:nvPr>
         </p:nvSpPr>
-        <p:spPr/>
-        <p:txBody>
-          <a:bodyPr/>
+        <p:spPr>
+          <a:xfrm>
+            <a:off x="1021080" y="858106"/>
+            <a:ext cx="3646336" cy="1325563"/>
+          </a:xfrm>
+        </p:spPr>
+        <p:txBody>
+          <a:bodyPr>
+            <a:normAutofit fontScale="90000"/>
+          </a:bodyPr>
           <a:lstStyle/>
           <a:p>
             <a:pPr algn="ctr"/>
             <a:r>
+              <a:rPr lang="zh-TW" altLang="en-US" dirty="0"/>
+              <a:t>系統架構流程</a:t>
+            </a:r>
+            <a:br>
               <a:rPr lang="en-US" altLang="zh-TW" dirty="0"/>
-              <a:t>UML</a:t>
+            </a:br>
+            <a:r>
+              <a:rPr lang="en-US" altLang="zh-TW" dirty="0"/>
+              <a:t>(</a:t>
+            </a:r>
+            <a:r>
+              <a:rPr lang="zh-TW" altLang="en-US" dirty="0"/>
+              <a:t>活動圖型</a:t>
+            </a:r>
+            <a:r>
+              <a:rPr lang="en-US" altLang="zh-TW" dirty="0"/>
+              <a:t>)</a:t>
             </a:r>
             <a:endParaRPr lang="zh-TW" altLang="en-US" dirty="0"/>
           </a:p>
@@ -24564,10 +24453,10 @@
       </p:sp>
       <p:sp>
         <p:nvSpPr>
-          <p:cNvPr id="3" name="內容版面配置區 2">
+          <p:cNvPr id="4" name="內容版面配置區 3">
             <a:extLst>
               <a:ext uri="{FF2B5EF4-FFF2-40B4-BE49-F238E27FC236}">
-                <a16:creationId xmlns:a16="http://schemas.microsoft.com/office/drawing/2014/main" id="{C71189A9-BCE5-46CA-9CC0-194EE75483A6}"/>
+                <a16:creationId xmlns:a16="http://schemas.microsoft.com/office/drawing/2014/main" id="{F1D94F3C-F294-4938-B619-EB3A33F91B07}"/>
               </a:ext>
             </a:extLst>
           </p:cNvPr>
@@ -24583,14 +24472,142 @@
           <a:bodyPr/>
           <a:lstStyle/>
           <a:p>
-            <a:endParaRPr lang="zh-TW" altLang="en-US"/>
-          </a:p>
-        </p:txBody>
-      </p:sp>
+            <a:endParaRPr lang="zh-TW" altLang="en-US" dirty="0"/>
+          </a:p>
+        </p:txBody>
+      </p:sp>
+      <p:pic>
+        <p:nvPicPr>
+          <p:cNvPr id="3" name="圖片 2">
+            <a:extLst>
+              <a:ext uri="{FF2B5EF4-FFF2-40B4-BE49-F238E27FC236}">
+                <a16:creationId xmlns:a16="http://schemas.microsoft.com/office/drawing/2014/main" id="{7A322034-2E06-4F9D-91FF-FA2CFF8F6C78}"/>
+              </a:ext>
+            </a:extLst>
+          </p:cNvPr>
+          <p:cNvPicPr>
+            <a:picLocks noChangeAspect="1"/>
+          </p:cNvPicPr>
+          <p:nvPr/>
+        </p:nvPicPr>
+        <p:blipFill>
+          <a:blip r:embed="rId2"/>
+          <a:stretch>
+            <a:fillRect/>
+          </a:stretch>
+        </p:blipFill>
+        <p:spPr>
+          <a:xfrm>
+            <a:off x="4422493" y="1137037"/>
+            <a:ext cx="6970732" cy="4964450"/>
+          </a:xfrm>
+          <a:prstGeom prst="rect">
+            <a:avLst/>
+          </a:prstGeom>
+        </p:spPr>
+      </p:pic>
     </p:spTree>
     <p:extLst>
       <p:ext uri="{BB962C8B-B14F-4D97-AF65-F5344CB8AC3E}">
-        <p14:creationId xmlns:p14="http://schemas.microsoft.com/office/powerpoint/2010/main" val="3670054054"/>
+        <p14:creationId xmlns:p14="http://schemas.microsoft.com/office/powerpoint/2010/main" val="1162394172"/>
+      </p:ext>
+    </p:extLst>
+  </p:cSld>
+  <p:clrMapOvr>
+    <a:masterClrMapping/>
+  </p:clrMapOvr>
+</p:sld>
+</file>
+
+<file path=ppt/slides/slide14.xml><?xml version="1.0" encoding="utf-8"?>
+<p:sld xmlns:a="http://schemas.openxmlformats.org/drawingml/2006/main" xmlns:r="http://schemas.openxmlformats.org/officeDocument/2006/relationships" xmlns:p="http://schemas.openxmlformats.org/presentationml/2006/main">
+  <p:cSld>
+    <p:spTree>
+      <p:nvGrpSpPr>
+        <p:cNvPr id="1" name=""/>
+        <p:cNvGrpSpPr/>
+        <p:nvPr/>
+      </p:nvGrpSpPr>
+      <p:grpSpPr>
+        <a:xfrm>
+          <a:off x="0" y="0"/>
+          <a:ext cx="0" cy="0"/>
+          <a:chOff x="0" y="0"/>
+          <a:chExt cx="0" cy="0"/>
+        </a:xfrm>
+      </p:grpSpPr>
+      <p:sp>
+        <p:nvSpPr>
+          <p:cNvPr id="2" name="標題 1">
+            <a:extLst>
+              <a:ext uri="{FF2B5EF4-FFF2-40B4-BE49-F238E27FC236}">
+                <a16:creationId xmlns:a16="http://schemas.microsoft.com/office/drawing/2014/main" id="{5775160C-B777-42EA-87D0-DE72CDF5EAC9}"/>
+              </a:ext>
+            </a:extLst>
+          </p:cNvPr>
+          <p:cNvSpPr>
+            <a:spLocks noGrp="1"/>
+          </p:cNvSpPr>
+          <p:nvPr>
+            <p:ph type="title"/>
+          </p:nvPr>
+        </p:nvSpPr>
+        <p:spPr>
+          <a:xfrm>
+            <a:off x="1295402" y="449697"/>
+            <a:ext cx="9601196" cy="1303867"/>
+          </a:xfrm>
+        </p:spPr>
+        <p:txBody>
+          <a:bodyPr/>
+          <a:lstStyle/>
+          <a:p>
+            <a:r>
+              <a:rPr lang="zh-TW" altLang="en-US" dirty="0"/>
+              <a:t>負責圖</a:t>
+            </a:r>
+          </a:p>
+        </p:txBody>
+      </p:sp>
+      <p:pic>
+        <p:nvPicPr>
+          <p:cNvPr id="9" name="內容版面配置區 8">
+            <a:extLst>
+              <a:ext uri="{FF2B5EF4-FFF2-40B4-BE49-F238E27FC236}">
+                <a16:creationId xmlns:a16="http://schemas.microsoft.com/office/drawing/2014/main" id="{A78AB682-5795-4BFC-A72C-B4A929E931CA}"/>
+              </a:ext>
+            </a:extLst>
+          </p:cNvPr>
+          <p:cNvPicPr>
+            <a:picLocks noGrp="1" noChangeAspect="1"/>
+          </p:cNvPicPr>
+          <p:nvPr>
+            <p:ph idx="1"/>
+          </p:nvPr>
+        </p:nvPicPr>
+        <p:blipFill>
+          <a:blip r:embed="rId2">
+            <a:extLst>
+              <a:ext uri="{28A0092B-C50C-407E-A947-70E740481C1C}">
+                <a14:useLocalDpi xmlns:a14="http://schemas.microsoft.com/office/drawing/2010/main" val="0"/>
+              </a:ext>
+            </a:extLst>
+          </a:blip>
+          <a:stretch>
+            <a:fillRect/>
+          </a:stretch>
+        </p:blipFill>
+        <p:spPr>
+          <a:xfrm>
+            <a:off x="1900679" y="1388236"/>
+            <a:ext cx="8390641" cy="5020067"/>
+          </a:xfrm>
+        </p:spPr>
+      </p:pic>
+    </p:spTree>
+    <p:extLst>
+      <p:ext uri="{BB962C8B-B14F-4D97-AF65-F5344CB8AC3E}">
+        <p14:creationId xmlns:p14="http://schemas.microsoft.com/office/powerpoint/2010/main" val="2984683628"/>
       </p:ext>
     </p:extLst>
   </p:cSld>
@@ -24738,7 +24755,7 @@
             </a:pPr>
             <a:r>
               <a:rPr lang="zh-TW" altLang="en-US" sz="2400" dirty="0"/>
-              <a:t>蔡育倫</a:t>
+              <a:t>蔡育倫 </a:t>
             </a:r>
             <a:r>
               <a:rPr lang="en-US" altLang="zh-TW" sz="2400" dirty="0"/>
@@ -24746,7 +24763,7 @@
             </a:r>
             <a:r>
               <a:rPr lang="zh-TW" altLang="en-US" sz="2400" dirty="0"/>
-              <a:t>資料收集、程式撰寫、編寫簡報、模組設計、道具外觀設計、音效製作</a:t>
+              <a:t> 資料收集、程式撰寫、編寫簡報、模組設計、道具外觀設計、音效製作</a:t>
             </a:r>
             <a:endParaRPr lang="en-US" altLang="zh-TW" sz="2400" dirty="0"/>
           </a:p>
@@ -24756,7 +24773,7 @@
             </a:pPr>
             <a:r>
               <a:rPr lang="zh-TW" altLang="en-US" sz="2400" dirty="0"/>
-              <a:t>林育民</a:t>
+              <a:t>林育民 </a:t>
             </a:r>
             <a:r>
               <a:rPr lang="en-US" altLang="zh-TW" sz="2400" dirty="0"/>
@@ -24764,7 +24781,7 @@
             </a:r>
             <a:r>
               <a:rPr lang="zh-TW" altLang="en-US" sz="2400" dirty="0"/>
-              <a:t>程式撰寫、網路架構設計、</a:t>
+              <a:t> 程式撰寫、網路架構設計、</a:t>
             </a:r>
             <a:r>
               <a:rPr lang="en-US" altLang="zh-TW" sz="2400" dirty="0"/>
@@ -24790,7 +24807,7 @@
             </a:pPr>
             <a:r>
               <a:rPr lang="zh-TW" altLang="en-US" sz="2400" dirty="0"/>
-              <a:t>柯盛文</a:t>
+              <a:t>柯盛文 </a:t>
             </a:r>
             <a:r>
               <a:rPr lang="en-US" altLang="zh-TW" sz="2400" dirty="0"/>
@@ -24798,7 +24815,7 @@
             </a:r>
             <a:r>
               <a:rPr lang="zh-TW" altLang="en-US" sz="2400" dirty="0"/>
-              <a:t>資料收集、編寫簡報、 場景設計、動畫設計</a:t>
+              <a:t> 資料收集、編寫簡報、 場景設計、動畫設計</a:t>
             </a:r>
             <a:endParaRPr lang="en-US" altLang="zh-TW" sz="2400" dirty="0"/>
           </a:p>
@@ -25057,6 +25074,40 @@
 <file path=ppt/slides/slide16.xml><?xml version="1.0" encoding="utf-8"?>
 <p:sld xmlns:a="http://schemas.openxmlformats.org/drawingml/2006/main" xmlns:r="http://schemas.openxmlformats.org/officeDocument/2006/relationships" xmlns:p="http://schemas.openxmlformats.org/presentationml/2006/main">
   <p:cSld>
+    <p:bg>
+      <p:bgPr>
+        <a:gradFill>
+          <a:gsLst>
+            <a:gs pos="0">
+              <a:schemeClr val="accent1">
+                <a:lumMod val="5000"/>
+                <a:lumOff val="95000"/>
+              </a:schemeClr>
+            </a:gs>
+            <a:gs pos="74000">
+              <a:schemeClr val="accent1">
+                <a:lumMod val="45000"/>
+                <a:lumOff val="55000"/>
+              </a:schemeClr>
+            </a:gs>
+            <a:gs pos="83000">
+              <a:schemeClr val="accent1">
+                <a:lumMod val="45000"/>
+                <a:lumOff val="55000"/>
+              </a:schemeClr>
+            </a:gs>
+            <a:gs pos="100000">
+              <a:schemeClr val="accent1">
+                <a:lumMod val="30000"/>
+                <a:lumOff val="70000"/>
+              </a:schemeClr>
+            </a:gs>
+          </a:gsLst>
+          <a:lin ang="5400000" scaled="1"/>
+        </a:gradFill>
+        <a:effectLst/>
+      </p:bgPr>
+    </p:bg>
     <p:spTree>
       <p:nvGrpSpPr>
         <p:cNvPr id="1" name=""/>
@@ -25076,7 +25127,7 @@
           <p:cNvPr id="2" name="標題 1">
             <a:extLst>
               <a:ext uri="{FF2B5EF4-FFF2-40B4-BE49-F238E27FC236}">
-                <a16:creationId xmlns:a16="http://schemas.microsoft.com/office/drawing/2014/main" id="{5775160C-B777-42EA-87D0-DE72CDF5EAC9}"/>
+                <a16:creationId xmlns:a16="http://schemas.microsoft.com/office/drawing/2014/main" id="{AD0E9541-6206-498B-AB52-75779FD1B36A}"/>
               </a:ext>
             </a:extLst>
           </p:cNvPr>
@@ -25089,60 +25140,392 @@
         </p:nvSpPr>
         <p:spPr>
           <a:xfrm>
-            <a:off x="1295402" y="449697"/>
-            <a:ext cx="9601196" cy="1303867"/>
+            <a:off x="838200" y="365125"/>
+            <a:ext cx="10515600" cy="1325563"/>
           </a:xfrm>
         </p:spPr>
         <p:txBody>
           <a:bodyPr/>
           <a:lstStyle/>
           <a:p>
+            <a:pPr algn="ctr"/>
             <a:r>
               <a:rPr lang="zh-TW" altLang="en-US" dirty="0"/>
-              <a:t>負責圖</a:t>
-            </a:r>
-          </a:p>
-        </p:txBody>
-      </p:sp>
-      <p:pic>
-        <p:nvPicPr>
-          <p:cNvPr id="9" name="內容版面配置區 8">
+              <a:t>組員分工</a:t>
+            </a:r>
+          </a:p>
+        </p:txBody>
+      </p:sp>
+      <p:graphicFrame>
+        <p:nvGraphicFramePr>
+          <p:cNvPr id="7" name="內容版面配置區 6">
             <a:extLst>
               <a:ext uri="{FF2B5EF4-FFF2-40B4-BE49-F238E27FC236}">
-                <a16:creationId xmlns:a16="http://schemas.microsoft.com/office/drawing/2014/main" id="{A78AB682-5795-4BFC-A72C-B4A929E931CA}"/>
+                <a16:creationId xmlns:a16="http://schemas.microsoft.com/office/drawing/2014/main" id="{367C5052-E55F-480E-9452-C2B05154059C}"/>
               </a:ext>
             </a:extLst>
           </p:cNvPr>
-          <p:cNvPicPr>
-            <a:picLocks noGrp="1" noChangeAspect="1"/>
-          </p:cNvPicPr>
+          <p:cNvGraphicFramePr>
+            <a:graphicFrameLocks noGrp="1"/>
+          </p:cNvGraphicFramePr>
           <p:nvPr>
             <p:ph idx="1"/>
-          </p:nvPr>
-        </p:nvPicPr>
-        <p:blipFill>
-          <a:blip r:embed="rId2">
-            <a:extLst>
-              <a:ext uri="{28A0092B-C50C-407E-A947-70E740481C1C}">
-                <a14:useLocalDpi xmlns:a14="http://schemas.microsoft.com/office/drawing/2010/main" val="0"/>
-              </a:ext>
-            </a:extLst>
-          </a:blip>
-          <a:stretch>
-            <a:fillRect/>
-          </a:stretch>
-        </p:blipFill>
-        <p:spPr>
-          <a:xfrm>
-            <a:off x="1900679" y="1388236"/>
-            <a:ext cx="8390641" cy="5020067"/>
-          </a:xfrm>
-        </p:spPr>
-      </p:pic>
+            <p:extLst>
+              <p:ext uri="{D42A27DB-BD31-4B8C-83A1-F6EECF244321}">
+                <p14:modId xmlns:p14="http://schemas.microsoft.com/office/powerpoint/2010/main" val="3856146976"/>
+              </p:ext>
+            </p:extLst>
+          </p:nvPr>
+        </p:nvGraphicFramePr>
+        <p:xfrm>
+          <a:off x="2014537" y="2305165"/>
+          <a:ext cx="8162926" cy="3337560"/>
+        </p:xfrm>
+        <a:graphic>
+          <a:graphicData uri="http://schemas.openxmlformats.org/drawingml/2006/table">
+            <a:tbl>
+              <a:tblPr firstRow="1" bandRow="1">
+                <a:tableStyleId>{5C22544A-7EE6-4342-B048-85BDC9FD1C3A}</a:tableStyleId>
+              </a:tblPr>
+              <a:tblGrid>
+                <a:gridCol w="4081463">
+                  <a:extLst>
+                    <a:ext uri="{9D8B030D-6E8A-4147-A177-3AD203B41FA5}">
+                      <a16:colId xmlns:a16="http://schemas.microsoft.com/office/drawing/2014/main" val="1450855380"/>
+                    </a:ext>
+                  </a:extLst>
+                </a:gridCol>
+                <a:gridCol w="4081463">
+                  <a:extLst>
+                    <a:ext uri="{9D8B030D-6E8A-4147-A177-3AD203B41FA5}">
+                      <a16:colId xmlns:a16="http://schemas.microsoft.com/office/drawing/2014/main" val="1689627237"/>
+                    </a:ext>
+                  </a:extLst>
+                </a:gridCol>
+              </a:tblGrid>
+              <a:tr h="370840">
+                <a:tc>
+                  <a:txBody>
+                    <a:bodyPr/>
+                    <a:lstStyle/>
+                    <a:p>
+                      <a:r>
+                        <a:rPr lang="zh-TW" altLang="en-US" dirty="0"/>
+                        <a:t>項目</a:t>
+                      </a:r>
+                    </a:p>
+                  </a:txBody>
+                  <a:tcPr/>
+                </a:tc>
+                <a:tc>
+                  <a:txBody>
+                    <a:bodyPr/>
+                    <a:lstStyle/>
+                    <a:p>
+                      <a:r>
+                        <a:rPr lang="zh-TW" altLang="en-US" dirty="0"/>
+                        <a:t>人員</a:t>
+                      </a:r>
+                    </a:p>
+                  </a:txBody>
+                  <a:tcPr/>
+                </a:tc>
+                <a:extLst>
+                  <a:ext uri="{0D108BD9-81ED-4DB2-BD59-A6C34878D82A}">
+                    <a16:rowId xmlns:a16="http://schemas.microsoft.com/office/drawing/2014/main" val="2539288228"/>
+                  </a:ext>
+                </a:extLst>
+              </a:tr>
+              <a:tr h="370840">
+                <a:tc>
+                  <a:txBody>
+                    <a:bodyPr/>
+                    <a:lstStyle/>
+                    <a:p>
+                      <a:r>
+                        <a:rPr lang="zh-TW" altLang="en-US" dirty="0"/>
+                        <a:t>資料蒐集、討論</a:t>
+                      </a:r>
+                    </a:p>
+                  </a:txBody>
+                  <a:tcPr/>
+                </a:tc>
+                <a:tc>
+                  <a:txBody>
+                    <a:bodyPr/>
+                    <a:lstStyle/>
+                    <a:p>
+                      <a:r>
+                        <a:rPr lang="zh-TW" altLang="en-US" dirty="0"/>
+                        <a:t>蔡育倫、林育民、柯盛文</a:t>
+                      </a:r>
+                    </a:p>
+                  </a:txBody>
+                  <a:tcPr/>
+                </a:tc>
+                <a:extLst>
+                  <a:ext uri="{0D108BD9-81ED-4DB2-BD59-A6C34878D82A}">
+                    <a16:rowId xmlns:a16="http://schemas.microsoft.com/office/drawing/2014/main" val="4281356103"/>
+                  </a:ext>
+                </a:extLst>
+              </a:tr>
+              <a:tr h="370840">
+                <a:tc>
+                  <a:txBody>
+                    <a:bodyPr/>
+                    <a:lstStyle/>
+                    <a:p>
+                      <a:r>
+                        <a:rPr lang="zh-TW" altLang="en-US" dirty="0"/>
+                        <a:t>摘要、動機、目的</a:t>
+                      </a:r>
+                    </a:p>
+                  </a:txBody>
+                  <a:tcPr/>
+                </a:tc>
+                <a:tc>
+                  <a:txBody>
+                    <a:bodyPr/>
+                    <a:lstStyle/>
+                    <a:p>
+                      <a:r>
+                        <a:rPr lang="zh-TW" altLang="en-US" dirty="0"/>
+                        <a:t>蔡育倫</a:t>
+                      </a:r>
+                    </a:p>
+                  </a:txBody>
+                  <a:tcPr/>
+                </a:tc>
+                <a:extLst>
+                  <a:ext uri="{0D108BD9-81ED-4DB2-BD59-A6C34878D82A}">
+                    <a16:rowId xmlns:a16="http://schemas.microsoft.com/office/drawing/2014/main" val="869558050"/>
+                  </a:ext>
+                </a:extLst>
+              </a:tr>
+              <a:tr h="370840">
+                <a:tc>
+                  <a:txBody>
+                    <a:bodyPr/>
+                    <a:lstStyle/>
+                    <a:p>
+                      <a:pPr marL="0" marR="0" lvl="0" indent="0" algn="l" defTabSz="914400" rtl="0" eaLnBrk="1" fontAlgn="auto" latinLnBrk="0" hangingPunct="1">
+                        <a:lnSpc>
+                          <a:spcPct val="100000"/>
+                        </a:lnSpc>
+                        <a:spcBef>
+                          <a:spcPts val="0"/>
+                        </a:spcBef>
+                        <a:spcAft>
+                          <a:spcPts val="0"/>
+                        </a:spcAft>
+                        <a:buClrTx/>
+                        <a:buSzTx/>
+                        <a:buFontTx/>
+                        <a:buNone/>
+                        <a:tabLst/>
+                        <a:defRPr/>
+                      </a:pPr>
+                      <a:r>
+                        <a:rPr lang="zh-TW" altLang="en-US" dirty="0"/>
+                        <a:t>需求分析、需求說明</a:t>
+                      </a:r>
+                    </a:p>
+                  </a:txBody>
+                  <a:tcPr/>
+                </a:tc>
+                <a:tc>
+                  <a:txBody>
+                    <a:bodyPr/>
+                    <a:lstStyle/>
+                    <a:p>
+                      <a:r>
+                        <a:rPr lang="zh-TW" altLang="en-US" dirty="0"/>
+                        <a:t>蔡育倫、林育民</a:t>
+                      </a:r>
+                    </a:p>
+                  </a:txBody>
+                  <a:tcPr/>
+                </a:tc>
+                <a:extLst>
+                  <a:ext uri="{0D108BD9-81ED-4DB2-BD59-A6C34878D82A}">
+                    <a16:rowId xmlns:a16="http://schemas.microsoft.com/office/drawing/2014/main" val="4129691135"/>
+                  </a:ext>
+                </a:extLst>
+              </a:tr>
+              <a:tr h="370840">
+                <a:tc>
+                  <a:txBody>
+                    <a:bodyPr/>
+                    <a:lstStyle/>
+                    <a:p>
+                      <a:r>
+                        <a:rPr lang="zh-TW" altLang="en-US" dirty="0"/>
+                        <a:t>功能說明、功能架構</a:t>
+                      </a:r>
+                    </a:p>
+                  </a:txBody>
+                  <a:tcPr/>
+                </a:tc>
+                <a:tc>
+                  <a:txBody>
+                    <a:bodyPr/>
+                    <a:lstStyle/>
+                    <a:p>
+                      <a:r>
+                        <a:rPr lang="zh-TW" altLang="en-US" dirty="0"/>
+                        <a:t>蔡育倫</a:t>
+                      </a:r>
+                    </a:p>
+                  </a:txBody>
+                  <a:tcPr/>
+                </a:tc>
+                <a:extLst>
+                  <a:ext uri="{0D108BD9-81ED-4DB2-BD59-A6C34878D82A}">
+                    <a16:rowId xmlns:a16="http://schemas.microsoft.com/office/drawing/2014/main" val="3428913119"/>
+                  </a:ext>
+                </a:extLst>
+              </a:tr>
+              <a:tr h="370840">
+                <a:tc>
+                  <a:txBody>
+                    <a:bodyPr/>
+                    <a:lstStyle/>
+                    <a:p>
+                      <a:r>
+                        <a:rPr lang="zh-TW" altLang="en-US" dirty="0"/>
+                        <a:t>系統架構流程圖</a:t>
+                      </a:r>
+                    </a:p>
+                  </a:txBody>
+                  <a:tcPr/>
+                </a:tc>
+                <a:tc>
+                  <a:txBody>
+                    <a:bodyPr/>
+                    <a:lstStyle/>
+                    <a:p>
+                      <a:r>
+                        <a:rPr lang="zh-TW" altLang="en-US" dirty="0"/>
+                        <a:t>林育民</a:t>
+                      </a:r>
+                    </a:p>
+                  </a:txBody>
+                  <a:tcPr/>
+                </a:tc>
+                <a:extLst>
+                  <a:ext uri="{0D108BD9-81ED-4DB2-BD59-A6C34878D82A}">
+                    <a16:rowId xmlns:a16="http://schemas.microsoft.com/office/drawing/2014/main" val="1877934430"/>
+                  </a:ext>
+                </a:extLst>
+              </a:tr>
+              <a:tr h="370840">
+                <a:tc>
+                  <a:txBody>
+                    <a:bodyPr/>
+                    <a:lstStyle/>
+                    <a:p>
+                      <a:r>
+                        <a:rPr lang="zh-TW" altLang="en-US" dirty="0"/>
+                        <a:t>最終統合報告</a:t>
+                      </a:r>
+                    </a:p>
+                  </a:txBody>
+                  <a:tcPr/>
+                </a:tc>
+                <a:tc>
+                  <a:txBody>
+                    <a:bodyPr/>
+                    <a:lstStyle/>
+                    <a:p>
+                      <a:r>
+                        <a:rPr lang="zh-TW" altLang="en-US" dirty="0"/>
+                        <a:t>柯盛文</a:t>
+                      </a:r>
+                    </a:p>
+                  </a:txBody>
+                  <a:tcPr/>
+                </a:tc>
+                <a:extLst>
+                  <a:ext uri="{0D108BD9-81ED-4DB2-BD59-A6C34878D82A}">
+                    <a16:rowId xmlns:a16="http://schemas.microsoft.com/office/drawing/2014/main" val="4021172491"/>
+                  </a:ext>
+                </a:extLst>
+              </a:tr>
+              <a:tr h="370840">
+                <a:tc>
+                  <a:txBody>
+                    <a:bodyPr/>
+                    <a:lstStyle/>
+                    <a:p>
+                      <a:r>
+                        <a:rPr lang="en-US" altLang="zh-TW" dirty="0"/>
+                        <a:t>Schedule</a:t>
+                      </a:r>
+                      <a:endParaRPr lang="zh-TW" altLang="en-US" dirty="0"/>
+                    </a:p>
+                  </a:txBody>
+                  <a:tcPr/>
+                </a:tc>
+                <a:tc>
+                  <a:txBody>
+                    <a:bodyPr/>
+                    <a:lstStyle/>
+                    <a:p>
+                      <a:r>
+                        <a:rPr lang="zh-TW" altLang="en-US" dirty="0"/>
+                        <a:t>林育民</a:t>
+                      </a:r>
+                    </a:p>
+                  </a:txBody>
+                  <a:tcPr/>
+                </a:tc>
+                <a:extLst>
+                  <a:ext uri="{0D108BD9-81ED-4DB2-BD59-A6C34878D82A}">
+                    <a16:rowId xmlns:a16="http://schemas.microsoft.com/office/drawing/2014/main" val="4210397023"/>
+                  </a:ext>
+                </a:extLst>
+              </a:tr>
+              <a:tr h="370840">
+                <a:tc>
+                  <a:txBody>
+                    <a:bodyPr/>
+                    <a:lstStyle/>
+                    <a:p>
+                      <a:r>
+                        <a:rPr lang="zh-TW" altLang="en-US" dirty="0"/>
+                        <a:t>報告製作</a:t>
+                      </a:r>
+                    </a:p>
+                  </a:txBody>
+                  <a:tcPr/>
+                </a:tc>
+                <a:tc>
+                  <a:txBody>
+                    <a:bodyPr/>
+                    <a:lstStyle/>
+                    <a:p>
+                      <a:r>
+                        <a:rPr lang="zh-TW" altLang="en-US" dirty="0"/>
+                        <a:t>蔡育倫、柯盛文</a:t>
+                      </a:r>
+                    </a:p>
+                  </a:txBody>
+                  <a:tcPr/>
+                </a:tc>
+                <a:extLst>
+                  <a:ext uri="{0D108BD9-81ED-4DB2-BD59-A6C34878D82A}">
+                    <a16:rowId xmlns:a16="http://schemas.microsoft.com/office/drawing/2014/main" val="1196218711"/>
+                  </a:ext>
+                </a:extLst>
+              </a:tr>
+            </a:tbl>
+          </a:graphicData>
+        </a:graphic>
+      </p:graphicFrame>
     </p:spTree>
     <p:extLst>
       <p:ext uri="{BB962C8B-B14F-4D97-AF65-F5344CB8AC3E}">
-        <p14:creationId xmlns:p14="http://schemas.microsoft.com/office/powerpoint/2010/main" val="2984683628"/>
+        <p14:creationId xmlns:p14="http://schemas.microsoft.com/office/powerpoint/2010/main" val="1463212587"/>
       </p:ext>
     </p:extLst>
   </p:cSld>
@@ -25283,7 +25666,12 @@
             <p:ph type="title"/>
           </p:nvPr>
         </p:nvSpPr>
-        <p:spPr/>
+        <p:spPr>
+          <a:xfrm>
+            <a:off x="-158269" y="643992"/>
+            <a:ext cx="8911687" cy="1280890"/>
+          </a:xfrm>
+        </p:spPr>
         <p:txBody>
           <a:bodyPr/>
           <a:lstStyle/>
@@ -27320,56 +27708,40 @@
             <p:ph idx="1"/>
           </p:nvPr>
         </p:nvSpPr>
-        <p:spPr/>
+        <p:spPr>
+          <a:xfrm>
+            <a:off x="2014661" y="2592525"/>
+            <a:ext cx="8162677" cy="1672949"/>
+          </a:xfrm>
+        </p:spPr>
         <p:txBody>
           <a:bodyPr>
             <a:normAutofit/>
           </a:bodyPr>
           <a:lstStyle/>
           <a:p>
+            <a:pPr marL="0" indent="0">
+              <a:buNone/>
+            </a:pPr>
+            <a:endParaRPr lang="en-US" altLang="zh-TW" dirty="0"/>
+          </a:p>
+          <a:p>
+            <a:pPr marL="0" indent="0">
+              <a:buNone/>
+            </a:pPr>
+            <a:r>
+              <a:rPr lang="zh-TW" altLang="en-US" dirty="0"/>
+              <a:t>依照趨勢來看，</a:t>
+            </a:r>
             <a:r>
               <a:rPr lang="en-US" altLang="zh-TW" dirty="0"/>
               <a:t>VR</a:t>
             </a:r>
             <a:r>
               <a:rPr lang="zh-TW" altLang="en-US" dirty="0"/>
-              <a:t>平台在是在未來展示遊戲效果最被看好的平台</a:t>
+              <a:t>平台是未來展示遊戲的最佳平台</a:t>
             </a:r>
             <a:endParaRPr lang="en-US" altLang="zh-TW" dirty="0"/>
-          </a:p>
-          <a:p>
-            <a:pPr marL="0" indent="0">
-              <a:buNone/>
-            </a:pPr>
-            <a:r>
-              <a:rPr lang="zh-TW" altLang="en-US" dirty="0"/>
-              <a:t>   </a:t>
-            </a:r>
-            <a:r>
-              <a:rPr lang="en-US" altLang="zh-TW" dirty="0"/>
-              <a:t>(</a:t>
-            </a:r>
-            <a:r>
-              <a:rPr lang="zh-TW" altLang="en-US" dirty="0"/>
-              <a:t>雖然因市場因素導致效能不足，但未來彌補這些問題的話會是最好的展示平台</a:t>
-            </a:r>
-            <a:r>
-              <a:rPr lang="en-US" altLang="zh-TW" dirty="0"/>
-              <a:t>)</a:t>
-            </a:r>
-          </a:p>
-          <a:p>
-            <a:pPr marL="0" indent="0">
-              <a:buNone/>
-            </a:pPr>
-            <a:endParaRPr lang="en-US" altLang="zh-TW" dirty="0"/>
-          </a:p>
-          <a:p>
-            <a:r>
-              <a:rPr lang="zh-TW" altLang="en-US"/>
-              <a:t>雖然市場因不成熟，但反觀來說就是一快大餅看搶先搶到</a:t>
-            </a:r>
-            <a:endParaRPr lang="zh-TW" altLang="en-US" dirty="0"/>
           </a:p>
         </p:txBody>
       </p:sp>

--- a/軟體工程期末專題報告.pptx
+++ b/軟體工程期末專題報告.pptx
@@ -278,7 +278,7 @@
           <a:p>
             <a:fld id="{C85E1984-8962-4D22-85D0-F7905988C2FE}" type="datetimeFigureOut">
               <a:rPr lang="zh-TW" altLang="en-US" smtClean="0"/>
-              <a:t>2018/11/20</a:t>
+              <a:t>2018/12/6</a:t>
             </a:fld>
             <a:endParaRPr lang="zh-TW" altLang="en-US"/>
           </a:p>
@@ -476,7 +476,7 @@
           <a:p>
             <a:fld id="{C85E1984-8962-4D22-85D0-F7905988C2FE}" type="datetimeFigureOut">
               <a:rPr lang="zh-TW" altLang="en-US" smtClean="0"/>
-              <a:t>2018/11/20</a:t>
+              <a:t>2018/12/6</a:t>
             </a:fld>
             <a:endParaRPr lang="zh-TW" altLang="en-US"/>
           </a:p>
@@ -684,7 +684,7 @@
           <a:p>
             <a:fld id="{C85E1984-8962-4D22-85D0-F7905988C2FE}" type="datetimeFigureOut">
               <a:rPr lang="zh-TW" altLang="en-US" smtClean="0"/>
-              <a:t>2018/11/20</a:t>
+              <a:t>2018/12/6</a:t>
             </a:fld>
             <a:endParaRPr lang="zh-TW" altLang="en-US"/>
           </a:p>
@@ -1088,7 +1088,7 @@
           <a:p>
             <a:fld id="{C85E1984-8962-4D22-85D0-F7905988C2FE}" type="datetimeFigureOut">
               <a:rPr lang="zh-TW" altLang="en-US" smtClean="0"/>
-              <a:t>2018/11/20</a:t>
+              <a:t>2018/12/6</a:t>
             </a:fld>
             <a:endParaRPr lang="zh-TW" altLang="en-US"/>
           </a:p>
@@ -1329,7 +1329,7 @@
           <a:p>
             <a:fld id="{C85E1984-8962-4D22-85D0-F7905988C2FE}" type="datetimeFigureOut">
               <a:rPr lang="zh-TW" altLang="en-US" smtClean="0"/>
-              <a:t>2018/11/20</a:t>
+              <a:t>2018/12/6</a:t>
             </a:fld>
             <a:endParaRPr lang="zh-TW" altLang="en-US"/>
           </a:p>
@@ -1577,7 +1577,7 @@
           <a:p>
             <a:fld id="{C85E1984-8962-4D22-85D0-F7905988C2FE}" type="datetimeFigureOut">
               <a:rPr lang="zh-TW" altLang="en-US" smtClean="0"/>
-              <a:t>2018/11/20</a:t>
+              <a:t>2018/12/6</a:t>
             </a:fld>
             <a:endParaRPr lang="zh-TW" altLang="en-US"/>
           </a:p>
@@ -1875,7 +1875,7 @@
           <a:p>
             <a:fld id="{C85E1984-8962-4D22-85D0-F7905988C2FE}" type="datetimeFigureOut">
               <a:rPr lang="zh-TW" altLang="en-US" smtClean="0"/>
-              <a:t>2018/11/20</a:t>
+              <a:t>2018/12/6</a:t>
             </a:fld>
             <a:endParaRPr lang="zh-TW" altLang="en-US"/>
           </a:p>
@@ -2269,7 +2269,7 @@
           <a:p>
             <a:fld id="{C85E1984-8962-4D22-85D0-F7905988C2FE}" type="datetimeFigureOut">
               <a:rPr lang="zh-TW" altLang="en-US" smtClean="0"/>
-              <a:t>2018/11/20</a:t>
+              <a:t>2018/12/6</a:t>
             </a:fld>
             <a:endParaRPr lang="zh-TW" altLang="en-US"/>
           </a:p>
@@ -2418,7 +2418,7 @@
           <a:p>
             <a:fld id="{C85E1984-8962-4D22-85D0-F7905988C2FE}" type="datetimeFigureOut">
               <a:rPr lang="zh-TW" altLang="en-US" smtClean="0"/>
-              <a:t>2018/11/20</a:t>
+              <a:t>2018/12/6</a:t>
             </a:fld>
             <a:endParaRPr lang="zh-TW" altLang="en-US"/>
           </a:p>
@@ -2544,7 +2544,7 @@
           <a:p>
             <a:fld id="{C85E1984-8962-4D22-85D0-F7905988C2FE}" type="datetimeFigureOut">
               <a:rPr lang="zh-TW" altLang="en-US" smtClean="0"/>
-              <a:t>2018/11/20</a:t>
+              <a:t>2018/12/6</a:t>
             </a:fld>
             <a:endParaRPr lang="zh-TW" altLang="en-US"/>
           </a:p>
@@ -2799,7 +2799,7 @@
           <a:p>
             <a:fld id="{C85E1984-8962-4D22-85D0-F7905988C2FE}" type="datetimeFigureOut">
               <a:rPr lang="zh-TW" altLang="en-US" smtClean="0"/>
-              <a:t>2018/11/20</a:t>
+              <a:t>2018/12/6</a:t>
             </a:fld>
             <a:endParaRPr lang="zh-TW" altLang="en-US"/>
           </a:p>
@@ -3016,7 +3016,7 @@
           <a:p>
             <a:fld id="{C85E1984-8962-4D22-85D0-F7905988C2FE}" type="datetimeFigureOut">
               <a:rPr lang="zh-TW" altLang="en-US" smtClean="0"/>
-              <a:t>2018/11/20</a:t>
+              <a:t>2018/12/6</a:t>
             </a:fld>
             <a:endParaRPr lang="zh-TW" altLang="en-US"/>
           </a:p>
@@ -3312,7 +3312,7 @@
           <a:p>
             <a:fld id="{C85E1984-8962-4D22-85D0-F7905988C2FE}" type="datetimeFigureOut">
               <a:rPr lang="zh-TW" altLang="en-US" smtClean="0"/>
-              <a:t>2018/11/20</a:t>
+              <a:t>2018/12/6</a:t>
             </a:fld>
             <a:endParaRPr lang="zh-TW" altLang="en-US"/>
           </a:p>
@@ -3596,7 +3596,7 @@
           <a:p>
             <a:fld id="{C85E1984-8962-4D22-85D0-F7905988C2FE}" type="datetimeFigureOut">
               <a:rPr lang="zh-TW" altLang="en-US" smtClean="0"/>
-              <a:t>2018/11/20</a:t>
+              <a:t>2018/12/6</a:t>
             </a:fld>
             <a:endParaRPr lang="zh-TW" altLang="en-US"/>
           </a:p>
@@ -3844,7 +3844,7 @@
           <a:p>
             <a:fld id="{C85E1984-8962-4D22-85D0-F7905988C2FE}" type="datetimeFigureOut">
               <a:rPr lang="zh-TW" altLang="en-US" smtClean="0"/>
-              <a:t>2018/11/20</a:t>
+              <a:t>2018/12/6</a:t>
             </a:fld>
             <a:endParaRPr lang="zh-TW" altLang="en-US"/>
           </a:p>
@@ -4183,7 +4183,7 @@
           <a:p>
             <a:fld id="{C85E1984-8962-4D22-85D0-F7905988C2FE}" type="datetimeFigureOut">
               <a:rPr lang="zh-TW" altLang="en-US" smtClean="0"/>
-              <a:t>2018/11/20</a:t>
+              <a:t>2018/12/6</a:t>
             </a:fld>
             <a:endParaRPr lang="zh-TW" altLang="en-US"/>
           </a:p>
@@ -4530,7 +4530,7 @@
           <a:p>
             <a:fld id="{C85E1984-8962-4D22-85D0-F7905988C2FE}" type="datetimeFigureOut">
               <a:rPr lang="zh-TW" altLang="en-US" smtClean="0"/>
-              <a:t>2018/11/20</a:t>
+              <a:t>2018/12/6</a:t>
             </a:fld>
             <a:endParaRPr lang="zh-TW" altLang="en-US"/>
           </a:p>
@@ -4904,7 +4904,7 @@
           <a:p>
             <a:fld id="{C85E1984-8962-4D22-85D0-F7905988C2FE}" type="datetimeFigureOut">
               <a:rPr lang="zh-TW" altLang="en-US" smtClean="0"/>
-              <a:t>2018/11/20</a:t>
+              <a:t>2018/12/6</a:t>
             </a:fld>
             <a:endParaRPr lang="zh-TW" altLang="en-US"/>
           </a:p>
@@ -5374,7 +5374,7 @@
           <a:p>
             <a:fld id="{C85E1984-8962-4D22-85D0-F7905988C2FE}" type="datetimeFigureOut">
               <a:rPr lang="zh-TW" altLang="en-US" smtClean="0"/>
-              <a:t>2018/11/20</a:t>
+              <a:t>2018/12/6</a:t>
             </a:fld>
             <a:endParaRPr lang="zh-TW" altLang="en-US"/>
           </a:p>
@@ -5579,7 +5579,7 @@
           <a:p>
             <a:fld id="{C85E1984-8962-4D22-85D0-F7905988C2FE}" type="datetimeFigureOut">
               <a:rPr lang="zh-TW" altLang="en-US" smtClean="0"/>
-              <a:t>2018/11/20</a:t>
+              <a:t>2018/12/6</a:t>
             </a:fld>
             <a:endParaRPr lang="zh-TW" altLang="en-US"/>
           </a:p>
@@ -5790,7 +5790,7 @@
           <a:p>
             <a:fld id="{C85E1984-8962-4D22-85D0-F7905988C2FE}" type="datetimeFigureOut">
               <a:rPr lang="zh-TW" altLang="en-US" smtClean="0"/>
-              <a:t>2018/11/20</a:t>
+              <a:t>2018/12/6</a:t>
             </a:fld>
             <a:endParaRPr lang="zh-TW" altLang="en-US"/>
           </a:p>
@@ -6213,7 +6213,7 @@
           <a:p>
             <a:fld id="{C85E1984-8962-4D22-85D0-F7905988C2FE}" type="datetimeFigureOut">
               <a:rPr lang="zh-TW" altLang="en-US" smtClean="0"/>
-              <a:t>2018/11/20</a:t>
+              <a:t>2018/12/6</a:t>
             </a:fld>
             <a:endParaRPr lang="zh-TW" altLang="en-US"/>
           </a:p>
@@ -6516,7 +6516,7 @@
           <a:p>
             <a:fld id="{C85E1984-8962-4D22-85D0-F7905988C2FE}" type="datetimeFigureOut">
               <a:rPr lang="zh-TW" altLang="en-US" smtClean="0"/>
-              <a:t>2018/11/20</a:t>
+              <a:t>2018/12/6</a:t>
             </a:fld>
             <a:endParaRPr lang="zh-TW" altLang="en-US"/>
           </a:p>
@@ -6729,7 +6729,7 @@
           <a:p>
             <a:fld id="{C85E1984-8962-4D22-85D0-F7905988C2FE}" type="datetimeFigureOut">
               <a:rPr lang="zh-TW" altLang="en-US" smtClean="0"/>
-              <a:t>2018/11/20</a:t>
+              <a:t>2018/12/6</a:t>
             </a:fld>
             <a:endParaRPr lang="zh-TW" altLang="en-US"/>
           </a:p>
@@ -6977,7 +6977,7 @@
           <a:p>
             <a:fld id="{C85E1984-8962-4D22-85D0-F7905988C2FE}" type="datetimeFigureOut">
               <a:rPr lang="zh-TW" altLang="en-US" smtClean="0"/>
-              <a:t>2018/11/20</a:t>
+              <a:t>2018/12/6</a:t>
             </a:fld>
             <a:endParaRPr lang="zh-TW" altLang="en-US"/>
           </a:p>
@@ -7275,7 +7275,7 @@
           <a:p>
             <a:fld id="{C85E1984-8962-4D22-85D0-F7905988C2FE}" type="datetimeFigureOut">
               <a:rPr lang="zh-TW" altLang="en-US" smtClean="0"/>
-              <a:t>2018/11/20</a:t>
+              <a:t>2018/12/6</a:t>
             </a:fld>
             <a:endParaRPr lang="zh-TW" altLang="en-US"/>
           </a:p>
@@ -7669,7 +7669,7 @@
           <a:p>
             <a:fld id="{C85E1984-8962-4D22-85D0-F7905988C2FE}" type="datetimeFigureOut">
               <a:rPr lang="zh-TW" altLang="en-US" smtClean="0"/>
-              <a:t>2018/11/20</a:t>
+              <a:t>2018/12/6</a:t>
             </a:fld>
             <a:endParaRPr lang="zh-TW" altLang="en-US"/>
           </a:p>
@@ -7818,7 +7818,7 @@
           <a:p>
             <a:fld id="{C85E1984-8962-4D22-85D0-F7905988C2FE}" type="datetimeFigureOut">
               <a:rPr lang="zh-TW" altLang="en-US" smtClean="0"/>
-              <a:t>2018/11/20</a:t>
+              <a:t>2018/12/6</a:t>
             </a:fld>
             <a:endParaRPr lang="zh-TW" altLang="en-US"/>
           </a:p>
@@ -7944,7 +7944,7 @@
           <a:p>
             <a:fld id="{C85E1984-8962-4D22-85D0-F7905988C2FE}" type="datetimeFigureOut">
               <a:rPr lang="zh-TW" altLang="en-US" smtClean="0"/>
-              <a:t>2018/11/20</a:t>
+              <a:t>2018/12/6</a:t>
             </a:fld>
             <a:endParaRPr lang="zh-TW" altLang="en-US"/>
           </a:p>
@@ -8199,7 +8199,7 @@
           <a:p>
             <a:fld id="{C85E1984-8962-4D22-85D0-F7905988C2FE}" type="datetimeFigureOut">
               <a:rPr lang="zh-TW" altLang="en-US" smtClean="0"/>
-              <a:t>2018/11/20</a:t>
+              <a:t>2018/12/6</a:t>
             </a:fld>
             <a:endParaRPr lang="zh-TW" altLang="en-US"/>
           </a:p>
@@ -8514,7 +8514,7 @@
           <a:p>
             <a:fld id="{C85E1984-8962-4D22-85D0-F7905988C2FE}" type="datetimeFigureOut">
               <a:rPr lang="zh-TW" altLang="en-US" smtClean="0"/>
-              <a:t>2018/11/20</a:t>
+              <a:t>2018/12/6</a:t>
             </a:fld>
             <a:endParaRPr lang="zh-TW" altLang="en-US"/>
           </a:p>
@@ -8798,7 +8798,7 @@
           <a:p>
             <a:fld id="{C85E1984-8962-4D22-85D0-F7905988C2FE}" type="datetimeFigureOut">
               <a:rPr lang="zh-TW" altLang="en-US" smtClean="0"/>
-              <a:t>2018/11/20</a:t>
+              <a:t>2018/12/6</a:t>
             </a:fld>
             <a:endParaRPr lang="zh-TW" altLang="en-US"/>
           </a:p>
@@ -9046,7 +9046,7 @@
           <a:p>
             <a:fld id="{C85E1984-8962-4D22-85D0-F7905988C2FE}" type="datetimeFigureOut">
               <a:rPr lang="zh-TW" altLang="en-US" smtClean="0"/>
-              <a:t>2018/11/20</a:t>
+              <a:t>2018/12/6</a:t>
             </a:fld>
             <a:endParaRPr lang="zh-TW" altLang="en-US"/>
           </a:p>
@@ -9330,7 +9330,7 @@
           <a:p>
             <a:fld id="{C85E1984-8962-4D22-85D0-F7905988C2FE}" type="datetimeFigureOut">
               <a:rPr lang="zh-TW" altLang="en-US" smtClean="0"/>
-              <a:t>2018/11/20</a:t>
+              <a:t>2018/12/6</a:t>
             </a:fld>
             <a:endParaRPr lang="zh-TW" altLang="en-US"/>
           </a:p>
@@ -9650,7 +9650,7 @@
           <a:p>
             <a:fld id="{C85E1984-8962-4D22-85D0-F7905988C2FE}" type="datetimeFigureOut">
               <a:rPr lang="zh-TW" altLang="en-US" smtClean="0"/>
-              <a:t>2018/11/20</a:t>
+              <a:t>2018/12/6</a:t>
             </a:fld>
             <a:endParaRPr lang="zh-TW" altLang="en-US"/>
           </a:p>
@@ -9997,7 +9997,7 @@
           <a:p>
             <a:fld id="{C85E1984-8962-4D22-85D0-F7905988C2FE}" type="datetimeFigureOut">
               <a:rPr lang="zh-TW" altLang="en-US" smtClean="0"/>
-              <a:t>2018/11/20</a:t>
+              <a:t>2018/12/6</a:t>
             </a:fld>
             <a:endParaRPr lang="zh-TW" altLang="en-US"/>
           </a:p>
@@ -10371,7 +10371,7 @@
           <a:p>
             <a:fld id="{C85E1984-8962-4D22-85D0-F7905988C2FE}" type="datetimeFigureOut">
               <a:rPr lang="zh-TW" altLang="en-US" smtClean="0"/>
-              <a:t>2018/11/20</a:t>
+              <a:t>2018/12/6</a:t>
             </a:fld>
             <a:endParaRPr lang="zh-TW" altLang="en-US"/>
           </a:p>
@@ -10841,7 +10841,7 @@
           <a:p>
             <a:fld id="{C85E1984-8962-4D22-85D0-F7905988C2FE}" type="datetimeFigureOut">
               <a:rPr lang="zh-TW" altLang="en-US" smtClean="0"/>
-              <a:t>2018/11/20</a:t>
+              <a:t>2018/12/6</a:t>
             </a:fld>
             <a:endParaRPr lang="zh-TW" altLang="en-US"/>
           </a:p>
@@ -11046,7 +11046,7 @@
           <a:p>
             <a:fld id="{C85E1984-8962-4D22-85D0-F7905988C2FE}" type="datetimeFigureOut">
               <a:rPr lang="zh-TW" altLang="en-US" smtClean="0"/>
-              <a:t>2018/11/20</a:t>
+              <a:t>2018/12/6</a:t>
             </a:fld>
             <a:endParaRPr lang="zh-TW" altLang="en-US"/>
           </a:p>
@@ -11257,7 +11257,7 @@
           <a:p>
             <a:fld id="{C85E1984-8962-4D22-85D0-F7905988C2FE}" type="datetimeFigureOut">
               <a:rPr lang="zh-TW" altLang="en-US" smtClean="0"/>
-              <a:t>2018/11/20</a:t>
+              <a:t>2018/12/6</a:t>
             </a:fld>
             <a:endParaRPr lang="zh-TW" altLang="en-US"/>
           </a:p>
@@ -11537,7 +11537,7 @@
           <a:p>
             <a:fld id="{C85E1984-8962-4D22-85D0-F7905988C2FE}" type="datetimeFigureOut">
               <a:rPr lang="zh-TW" altLang="en-US" smtClean="0"/>
-              <a:t>2018/11/20</a:t>
+              <a:t>2018/12/6</a:t>
             </a:fld>
             <a:endParaRPr lang="zh-TW" altLang="en-US"/>
           </a:p>
@@ -11804,7 +11804,7 @@
           <a:p>
             <a:fld id="{C85E1984-8962-4D22-85D0-F7905988C2FE}" type="datetimeFigureOut">
               <a:rPr lang="zh-TW" altLang="en-US" smtClean="0"/>
-              <a:t>2018/11/20</a:t>
+              <a:t>2018/12/6</a:t>
             </a:fld>
             <a:endParaRPr lang="zh-TW" altLang="en-US"/>
           </a:p>
@@ -12133,7 +12133,7 @@
           <a:p>
             <a:fld id="{C85E1984-8962-4D22-85D0-F7905988C2FE}" type="datetimeFigureOut">
               <a:rPr lang="zh-TW" altLang="en-US" smtClean="0"/>
-              <a:t>2018/11/20</a:t>
+              <a:t>2018/12/6</a:t>
             </a:fld>
             <a:endParaRPr lang="zh-TW" altLang="en-US"/>
           </a:p>
@@ -12456,7 +12456,7 @@
           <a:p>
             <a:fld id="{C85E1984-8962-4D22-85D0-F7905988C2FE}" type="datetimeFigureOut">
               <a:rPr lang="zh-TW" altLang="en-US" smtClean="0"/>
-              <a:t>2018/11/20</a:t>
+              <a:t>2018/12/6</a:t>
             </a:fld>
             <a:endParaRPr lang="zh-TW" altLang="en-US"/>
           </a:p>
@@ -12943,7 +12943,7 @@
           <a:p>
             <a:fld id="{C85E1984-8962-4D22-85D0-F7905988C2FE}" type="datetimeFigureOut">
               <a:rPr lang="zh-TW" altLang="en-US" smtClean="0"/>
-              <a:t>2018/11/20</a:t>
+              <a:t>2018/12/6</a:t>
             </a:fld>
             <a:endParaRPr lang="zh-TW" altLang="en-US"/>
           </a:p>
@@ -13325,7 +13325,7 @@
           <a:p>
             <a:fld id="{C85E1984-8962-4D22-85D0-F7905988C2FE}" type="datetimeFigureOut">
               <a:rPr lang="zh-TW" altLang="en-US" smtClean="0"/>
-              <a:t>2018/11/20</a:t>
+              <a:t>2018/12/6</a:t>
             </a:fld>
             <a:endParaRPr lang="zh-TW" altLang="en-US"/>
           </a:p>
@@ -13530,7 +13530,7 @@
           <a:p>
             <a:fld id="{C85E1984-8962-4D22-85D0-F7905988C2FE}" type="datetimeFigureOut">
               <a:rPr lang="zh-TW" altLang="en-US" smtClean="0"/>
-              <a:t>2018/11/20</a:t>
+              <a:t>2018/12/6</a:t>
             </a:fld>
             <a:endParaRPr lang="zh-TW" altLang="en-US"/>
           </a:p>
@@ -13707,7 +13707,7 @@
           <a:p>
             <a:fld id="{C85E1984-8962-4D22-85D0-F7905988C2FE}" type="datetimeFigureOut">
               <a:rPr lang="zh-TW" altLang="en-US" smtClean="0"/>
-              <a:t>2018/11/20</a:t>
+              <a:t>2018/12/6</a:t>
             </a:fld>
             <a:endParaRPr lang="zh-TW" altLang="en-US"/>
           </a:p>
@@ -14040,7 +14040,7 @@
           <a:p>
             <a:fld id="{C85E1984-8962-4D22-85D0-F7905988C2FE}" type="datetimeFigureOut">
               <a:rPr lang="zh-TW" altLang="en-US" smtClean="0"/>
-              <a:t>2018/11/20</a:t>
+              <a:t>2018/12/6</a:t>
             </a:fld>
             <a:endParaRPr lang="zh-TW" altLang="en-US"/>
           </a:p>
@@ -14385,7 +14385,7 @@
           <a:p>
             <a:fld id="{C85E1984-8962-4D22-85D0-F7905988C2FE}" type="datetimeFigureOut">
               <a:rPr lang="zh-TW" altLang="en-US" smtClean="0"/>
-              <a:t>2018/11/20</a:t>
+              <a:t>2018/12/6</a:t>
             </a:fld>
             <a:endParaRPr lang="zh-TW" altLang="en-US"/>
           </a:p>
@@ -14723,7 +14723,7 @@
           <a:p>
             <a:fld id="{C85E1984-8962-4D22-85D0-F7905988C2FE}" type="datetimeFigureOut">
               <a:rPr lang="zh-TW" altLang="en-US" smtClean="0"/>
-              <a:t>2018/11/20</a:t>
+              <a:t>2018/12/6</a:t>
             </a:fld>
             <a:endParaRPr lang="zh-TW" altLang="en-US"/>
           </a:p>
@@ -15124,7 +15124,7 @@
           <a:p>
             <a:fld id="{C85E1984-8962-4D22-85D0-F7905988C2FE}" type="datetimeFigureOut">
               <a:rPr lang="zh-TW" altLang="en-US" smtClean="0"/>
-              <a:t>2018/11/20</a:t>
+              <a:t>2018/12/6</a:t>
             </a:fld>
             <a:endParaRPr lang="zh-TW" altLang="en-US"/>
           </a:p>
@@ -15460,7 +15460,7 @@
           <a:p>
             <a:fld id="{C85E1984-8962-4D22-85D0-F7905988C2FE}" type="datetimeFigureOut">
               <a:rPr lang="zh-TW" altLang="en-US" smtClean="0"/>
-              <a:t>2018/11/20</a:t>
+              <a:t>2018/12/6</a:t>
             </a:fld>
             <a:endParaRPr lang="zh-TW" altLang="en-US"/>
           </a:p>
@@ -15780,7 +15780,7 @@
           <a:p>
             <a:fld id="{C85E1984-8962-4D22-85D0-F7905988C2FE}" type="datetimeFigureOut">
               <a:rPr lang="zh-TW" altLang="en-US" smtClean="0"/>
-              <a:t>2018/11/20</a:t>
+              <a:t>2018/12/6</a:t>
             </a:fld>
             <a:endParaRPr lang="zh-TW" altLang="en-US"/>
           </a:p>
@@ -16176,7 +16176,7 @@
           <a:p>
             <a:fld id="{C85E1984-8962-4D22-85D0-F7905988C2FE}" type="datetimeFigureOut">
               <a:rPr lang="zh-TW" altLang="en-US" smtClean="0"/>
-              <a:t>2018/11/20</a:t>
+              <a:t>2018/12/6</a:t>
             </a:fld>
             <a:endParaRPr lang="zh-TW" altLang="en-US"/>
           </a:p>
@@ -16392,7 +16392,7 @@
           <a:p>
             <a:fld id="{C85E1984-8962-4D22-85D0-F7905988C2FE}" type="datetimeFigureOut">
               <a:rPr lang="zh-TW" altLang="en-US" smtClean="0"/>
-              <a:t>2018/11/20</a:t>
+              <a:t>2018/12/6</a:t>
             </a:fld>
             <a:endParaRPr lang="zh-TW" altLang="en-US"/>
           </a:p>
@@ -16574,7 +16574,7 @@
           <a:p>
             <a:fld id="{C85E1984-8962-4D22-85D0-F7905988C2FE}" type="datetimeFigureOut">
               <a:rPr lang="zh-TW" altLang="en-US" smtClean="0"/>
-              <a:t>2018/11/20</a:t>
+              <a:t>2018/12/6</a:t>
             </a:fld>
             <a:endParaRPr lang="zh-TW" altLang="en-US"/>
           </a:p>
@@ -16836,7 +16836,7 @@
           <a:p>
             <a:fld id="{C85E1984-8962-4D22-85D0-F7905988C2FE}" type="datetimeFigureOut">
               <a:rPr lang="zh-TW" altLang="en-US" smtClean="0"/>
-              <a:t>2018/11/20</a:t>
+              <a:t>2018/12/6</a:t>
             </a:fld>
             <a:endParaRPr lang="zh-TW" altLang="en-US"/>
           </a:p>
@@ -17019,7 +17019,7 @@
           <a:p>
             <a:fld id="{C85E1984-8962-4D22-85D0-F7905988C2FE}" type="datetimeFigureOut">
               <a:rPr lang="zh-TW" altLang="en-US" smtClean="0"/>
-              <a:t>2018/11/20</a:t>
+              <a:t>2018/12/6</a:t>
             </a:fld>
             <a:endParaRPr lang="zh-TW" altLang="en-US"/>
           </a:p>
@@ -17330,7 +17330,7 @@
           <a:p>
             <a:fld id="{C85E1984-8962-4D22-85D0-F7905988C2FE}" type="datetimeFigureOut">
               <a:rPr lang="zh-TW" altLang="en-US" smtClean="0"/>
-              <a:t>2018/11/20</a:t>
+              <a:t>2018/12/6</a:t>
             </a:fld>
             <a:endParaRPr lang="zh-TW" altLang="en-US"/>
           </a:p>
@@ -17618,7 +17618,7 @@
           <a:p>
             <a:fld id="{C85E1984-8962-4D22-85D0-F7905988C2FE}" type="datetimeFigureOut">
               <a:rPr lang="zh-TW" altLang="en-US" smtClean="0"/>
-              <a:t>2018/11/20</a:t>
+              <a:t>2018/12/6</a:t>
             </a:fld>
             <a:endParaRPr lang="zh-TW" altLang="en-US"/>
           </a:p>
@@ -17859,7 +17859,7 @@
           <a:p>
             <a:fld id="{C85E1984-8962-4D22-85D0-F7905988C2FE}" type="datetimeFigureOut">
               <a:rPr lang="zh-TW" altLang="en-US" smtClean="0"/>
-              <a:t>2018/11/20</a:t>
+              <a:t>2018/12/6</a:t>
             </a:fld>
             <a:endParaRPr lang="zh-TW" altLang="en-US"/>
           </a:p>
@@ -18549,7 +18549,7 @@
           <a:p>
             <a:fld id="{C85E1984-8962-4D22-85D0-F7905988C2FE}" type="datetimeFigureOut">
               <a:rPr lang="zh-TW" altLang="en-US" smtClean="0"/>
-              <a:t>2018/11/20</a:t>
+              <a:t>2018/12/6</a:t>
             </a:fld>
             <a:endParaRPr lang="zh-TW" altLang="en-US"/>
           </a:p>
@@ -19365,7 +19365,7 @@
           <a:p>
             <a:fld id="{C85E1984-8962-4D22-85D0-F7905988C2FE}" type="datetimeFigureOut">
               <a:rPr lang="zh-TW" altLang="en-US" smtClean="0"/>
-              <a:t>2018/11/20</a:t>
+              <a:t>2018/12/6</a:t>
             </a:fld>
             <a:endParaRPr lang="zh-TW" altLang="en-US"/>
           </a:p>
@@ -21860,7 +21860,7 @@
           <a:p>
             <a:fld id="{C85E1984-8962-4D22-85D0-F7905988C2FE}" type="datetimeFigureOut">
               <a:rPr lang="zh-TW" altLang="en-US" smtClean="0"/>
-              <a:t>2018/11/20</a:t>
+              <a:t>2018/12/6</a:t>
             </a:fld>
             <a:endParaRPr lang="zh-TW" altLang="en-US"/>
           </a:p>
@@ -27710,8 +27710,8 @@
         </p:nvSpPr>
         <p:spPr>
           <a:xfrm>
-            <a:off x="2014661" y="2592525"/>
-            <a:ext cx="8162677" cy="1672949"/>
+            <a:off x="664266" y="2612403"/>
+            <a:ext cx="10863468" cy="2854118"/>
           </a:xfrm>
         </p:spPr>
         <p:txBody>
@@ -27730,6 +27730,10 @@
               <a:buNone/>
             </a:pPr>
             <a:r>
+              <a:rPr lang="en-US" altLang="zh-TW" dirty="0"/>
+              <a:t>1.</a:t>
+            </a:r>
+            <a:r>
               <a:rPr lang="zh-TW" altLang="en-US" dirty="0"/>
               <a:t>依照趨勢來看，</a:t>
             </a:r>
@@ -27740,6 +27744,28 @@
             <a:r>
               <a:rPr lang="zh-TW" altLang="en-US" dirty="0"/>
               <a:t>平台是未來展示遊戲的最佳平台</a:t>
+            </a:r>
+            <a:endParaRPr lang="en-US" altLang="zh-TW" dirty="0"/>
+          </a:p>
+          <a:p>
+            <a:pPr marL="0" indent="0">
+              <a:buNone/>
+            </a:pPr>
+            <a:r>
+              <a:rPr lang="en-US" altLang="zh-TW" dirty="0"/>
+              <a:t>2.</a:t>
+            </a:r>
+            <a:r>
+              <a:rPr lang="zh-TW" altLang="en-US" dirty="0"/>
+              <a:t>其中又以射擊遊戲操作最為容易，最能讓玩家體驗</a:t>
+            </a:r>
+            <a:r>
+              <a:rPr lang="en-US" altLang="zh-TW" dirty="0"/>
+              <a:t>VR</a:t>
+            </a:r>
+            <a:r>
+              <a:rPr lang="zh-TW" altLang="en-US" dirty="0"/>
+              <a:t>場景</a:t>
             </a:r>
             <a:endParaRPr lang="en-US" altLang="zh-TW" dirty="0"/>
           </a:p>
@@ -28248,57 +28274,108 @@
           <a:bodyPr/>
           <a:lstStyle/>
           <a:p>
+            <a:pPr lvl="1"/>
+            <a:r>
+              <a:rPr lang="zh-TW" altLang="zh-TW" dirty="0"/>
+              <a:t>遊戲內部包含主畫面、遊戲介面以及商城。</a:t>
+            </a:r>
+            <a:endParaRPr lang="zh-TW" altLang="zh-TW" sz="3600" dirty="0"/>
+          </a:p>
+          <a:p>
+            <a:pPr lvl="1"/>
+            <a:r>
+              <a:rPr lang="zh-TW" altLang="zh-TW" dirty="0"/>
+              <a:t>主畫面</a:t>
+            </a:r>
             <a:r>
               <a:rPr lang="en-US" altLang="zh-TW" dirty="0"/>
               <a:t>UI</a:t>
             </a:r>
             <a:r>
-              <a:rPr lang="zh-TW" altLang="en-US" dirty="0"/>
-              <a:t>介面</a:t>
-            </a:r>
-            <a:endParaRPr lang="en-US" altLang="zh-TW" dirty="0"/>
-          </a:p>
-          <a:p>
-            <a:r>
-              <a:rPr lang="zh-TW" altLang="en-US" dirty="0"/>
-              <a:t>各種音效、動畫</a:t>
-            </a:r>
-            <a:endParaRPr lang="en-US" altLang="zh-TW" dirty="0"/>
-          </a:p>
-          <a:p>
-            <a:r>
-              <a:rPr lang="zh-TW" altLang="en-US" dirty="0"/>
-              <a:t>遊戲執行的程式</a:t>
-            </a:r>
-            <a:endParaRPr lang="en-US" altLang="zh-TW" dirty="0"/>
-          </a:p>
-          <a:p>
-            <a:r>
-              <a:rPr lang="zh-TW" altLang="en-US" dirty="0"/>
-              <a:t>各種美術的模組</a:t>
-            </a:r>
-            <a:endParaRPr lang="en-US" altLang="zh-TW" dirty="0"/>
-          </a:p>
-          <a:p>
-            <a:r>
-              <a:rPr lang="zh-TW" altLang="en-US" dirty="0"/>
-              <a:t>開發隊伍的配置的系統</a:t>
-            </a:r>
-            <a:endParaRPr lang="en-US" altLang="zh-TW" dirty="0"/>
-          </a:p>
-          <a:p>
-            <a:r>
-              <a:rPr lang="zh-TW" altLang="en-US" dirty="0"/>
-              <a:t>設計商城可以購買道具</a:t>
-            </a:r>
-            <a:endParaRPr lang="en-US" altLang="zh-TW" dirty="0"/>
-          </a:p>
-          <a:p>
-            <a:r>
-              <a:rPr lang="zh-TW" altLang="en-US" dirty="0"/>
-              <a:t>針對多人遊戲去開發可以連線遊玩的系統</a:t>
-            </a:r>
-            <a:endParaRPr lang="en-US" altLang="zh-TW" dirty="0"/>
+              <a:rPr lang="zh-TW" altLang="zh-TW" dirty="0"/>
+              <a:t>包含角色外型、名稱、遊玩成績、進入遊戲按鈕、進入商城的按鈕。</a:t>
+            </a:r>
+            <a:endParaRPr lang="zh-TW" altLang="zh-TW" sz="3600" dirty="0"/>
+          </a:p>
+          <a:p>
+            <a:pPr lvl="1"/>
+            <a:r>
+              <a:rPr lang="zh-TW" altLang="zh-TW" dirty="0"/>
+              <a:t>遊戲介面的</a:t>
+            </a:r>
+            <a:r>
+              <a:rPr lang="en-US" altLang="zh-TW" dirty="0"/>
+              <a:t>UI</a:t>
+            </a:r>
+            <a:r>
+              <a:rPr lang="zh-TW" altLang="zh-TW" dirty="0"/>
+              <a:t>包含狀態、對話、道具等按鈕、子彈數的顯示。</a:t>
+            </a:r>
+            <a:endParaRPr lang="zh-TW" altLang="zh-TW" sz="3600" dirty="0"/>
+          </a:p>
+          <a:p>
+            <a:pPr lvl="1"/>
+            <a:r>
+              <a:rPr lang="zh-TW" altLang="zh-TW" dirty="0"/>
+              <a:t>在遊戲內加入音效與動畫提高遊戲的遊玩性</a:t>
+            </a:r>
+            <a:endParaRPr lang="zh-TW" altLang="zh-TW" sz="3600" dirty="0"/>
+          </a:p>
+          <a:p>
+            <a:pPr lvl="1"/>
+            <a:r>
+              <a:rPr lang="zh-TW" altLang="zh-TW" dirty="0"/>
+              <a:t>使用</a:t>
+            </a:r>
+            <a:r>
+              <a:rPr lang="en-US" altLang="zh-TW" dirty="0"/>
+              <a:t>unity</a:t>
+            </a:r>
+            <a:r>
+              <a:rPr lang="zh-TW" altLang="zh-TW" dirty="0"/>
+              <a:t>去做遊戲軟體程式的開發</a:t>
+            </a:r>
+            <a:endParaRPr lang="zh-TW" altLang="zh-TW" sz="3600" dirty="0"/>
+          </a:p>
+          <a:p>
+            <a:pPr lvl="1"/>
+            <a:r>
+              <a:rPr lang="zh-TW" altLang="zh-TW" dirty="0"/>
+              <a:t>開發多人連線遊玩的系統，玩遊戲同時也能與他人交流。</a:t>
+            </a:r>
+            <a:endParaRPr lang="zh-TW" altLang="zh-TW" sz="3600" dirty="0"/>
+          </a:p>
+          <a:p>
+            <a:pPr lvl="1"/>
+            <a:r>
+              <a:rPr lang="zh-TW" altLang="zh-TW" dirty="0"/>
+              <a:t>開發隊伍的配置的系統，確保玩家開始遊戲時雙方遊玩為相同的人數</a:t>
+            </a:r>
+            <a:endParaRPr lang="zh-TW" altLang="zh-TW" sz="3600" dirty="0"/>
+          </a:p>
+          <a:p>
+            <a:pPr lvl="1"/>
+            <a:r>
+              <a:rPr lang="zh-TW" altLang="zh-TW" dirty="0"/>
+              <a:t>商城</a:t>
+            </a:r>
+            <a:r>
+              <a:rPr lang="en-US" altLang="zh-TW" dirty="0"/>
+              <a:t>UI</a:t>
+            </a:r>
+            <a:r>
+              <a:rPr lang="zh-TW" altLang="zh-TW" dirty="0"/>
+              <a:t>包含金錢數的顯示、購買物件的列表、購買的按鈕</a:t>
+            </a:r>
+            <a:endParaRPr lang="zh-TW" altLang="zh-TW" sz="3600" dirty="0"/>
+          </a:p>
+          <a:p>
+            <a:pPr lvl="1"/>
+            <a:r>
+              <a:rPr lang="zh-TW" altLang="zh-TW" dirty="0"/>
+              <a:t>設計商城系統可以供玩家購買道具</a:t>
+            </a:r>
+            <a:endParaRPr lang="zh-TW" altLang="zh-TW" sz="3600" dirty="0"/>
           </a:p>
           <a:p>
             <a:endParaRPr lang="zh-TW" altLang="en-US" dirty="0"/>

--- a/軟體工程期末專題報告.pptx
+++ b/軟體工程期末專題報告.pptx
@@ -15,16 +15,16 @@
     <p:sldId id="259" r:id="rId9"/>
     <p:sldId id="260" r:id="rId10"/>
     <p:sldId id="270" r:id="rId11"/>
-    <p:sldId id="271" r:id="rId12"/>
-    <p:sldId id="272" r:id="rId13"/>
-    <p:sldId id="264" r:id="rId14"/>
-    <p:sldId id="269" r:id="rId15"/>
-    <p:sldId id="273" r:id="rId16"/>
+    <p:sldId id="273" r:id="rId12"/>
+    <p:sldId id="271" r:id="rId13"/>
+    <p:sldId id="272" r:id="rId14"/>
+    <p:sldId id="264" r:id="rId15"/>
+    <p:sldId id="269" r:id="rId16"/>
     <p:sldId id="265" r:id="rId17"/>
     <p:sldId id="262" r:id="rId18"/>
     <p:sldId id="267" r:id="rId19"/>
-    <p:sldId id="274" r:id="rId20"/>
-    <p:sldId id="268" r:id="rId21"/>
+    <p:sldId id="268" r:id="rId20"/>
+    <p:sldId id="274" r:id="rId21"/>
   </p:sldIdLst>
   <p:sldSz cx="12192000" cy="6858000"/>
   <p:notesSz cx="6858000" cy="9144000"/>
@@ -278,7 +278,7 @@
           <a:p>
             <a:fld id="{C85E1984-8962-4D22-85D0-F7905988C2FE}" type="datetimeFigureOut">
               <a:rPr lang="zh-TW" altLang="en-US" smtClean="0"/>
-              <a:t>2018/11/20</a:t>
+              <a:t>2018/12/18</a:t>
             </a:fld>
             <a:endParaRPr lang="zh-TW" altLang="en-US"/>
           </a:p>
@@ -476,7 +476,7 @@
           <a:p>
             <a:fld id="{C85E1984-8962-4D22-85D0-F7905988C2FE}" type="datetimeFigureOut">
               <a:rPr lang="zh-TW" altLang="en-US" smtClean="0"/>
-              <a:t>2018/11/20</a:t>
+              <a:t>2018/12/18</a:t>
             </a:fld>
             <a:endParaRPr lang="zh-TW" altLang="en-US"/>
           </a:p>
@@ -684,7 +684,7 @@
           <a:p>
             <a:fld id="{C85E1984-8962-4D22-85D0-F7905988C2FE}" type="datetimeFigureOut">
               <a:rPr lang="zh-TW" altLang="en-US" smtClean="0"/>
-              <a:t>2018/11/20</a:t>
+              <a:t>2018/12/18</a:t>
             </a:fld>
             <a:endParaRPr lang="zh-TW" altLang="en-US"/>
           </a:p>
@@ -1088,7 +1088,7 @@
           <a:p>
             <a:fld id="{C85E1984-8962-4D22-85D0-F7905988C2FE}" type="datetimeFigureOut">
               <a:rPr lang="zh-TW" altLang="en-US" smtClean="0"/>
-              <a:t>2018/11/20</a:t>
+              <a:t>2018/12/18</a:t>
             </a:fld>
             <a:endParaRPr lang="zh-TW" altLang="en-US"/>
           </a:p>
@@ -1329,7 +1329,7 @@
           <a:p>
             <a:fld id="{C85E1984-8962-4D22-85D0-F7905988C2FE}" type="datetimeFigureOut">
               <a:rPr lang="zh-TW" altLang="en-US" smtClean="0"/>
-              <a:t>2018/11/20</a:t>
+              <a:t>2018/12/18</a:t>
             </a:fld>
             <a:endParaRPr lang="zh-TW" altLang="en-US"/>
           </a:p>
@@ -1577,7 +1577,7 @@
           <a:p>
             <a:fld id="{C85E1984-8962-4D22-85D0-F7905988C2FE}" type="datetimeFigureOut">
               <a:rPr lang="zh-TW" altLang="en-US" smtClean="0"/>
-              <a:t>2018/11/20</a:t>
+              <a:t>2018/12/18</a:t>
             </a:fld>
             <a:endParaRPr lang="zh-TW" altLang="en-US"/>
           </a:p>
@@ -1875,7 +1875,7 @@
           <a:p>
             <a:fld id="{C85E1984-8962-4D22-85D0-F7905988C2FE}" type="datetimeFigureOut">
               <a:rPr lang="zh-TW" altLang="en-US" smtClean="0"/>
-              <a:t>2018/11/20</a:t>
+              <a:t>2018/12/18</a:t>
             </a:fld>
             <a:endParaRPr lang="zh-TW" altLang="en-US"/>
           </a:p>
@@ -2269,7 +2269,7 @@
           <a:p>
             <a:fld id="{C85E1984-8962-4D22-85D0-F7905988C2FE}" type="datetimeFigureOut">
               <a:rPr lang="zh-TW" altLang="en-US" smtClean="0"/>
-              <a:t>2018/11/20</a:t>
+              <a:t>2018/12/18</a:t>
             </a:fld>
             <a:endParaRPr lang="zh-TW" altLang="en-US"/>
           </a:p>
@@ -2418,7 +2418,7 @@
           <a:p>
             <a:fld id="{C85E1984-8962-4D22-85D0-F7905988C2FE}" type="datetimeFigureOut">
               <a:rPr lang="zh-TW" altLang="en-US" smtClean="0"/>
-              <a:t>2018/11/20</a:t>
+              <a:t>2018/12/18</a:t>
             </a:fld>
             <a:endParaRPr lang="zh-TW" altLang="en-US"/>
           </a:p>
@@ -2544,7 +2544,7 @@
           <a:p>
             <a:fld id="{C85E1984-8962-4D22-85D0-F7905988C2FE}" type="datetimeFigureOut">
               <a:rPr lang="zh-TW" altLang="en-US" smtClean="0"/>
-              <a:t>2018/11/20</a:t>
+              <a:t>2018/12/18</a:t>
             </a:fld>
             <a:endParaRPr lang="zh-TW" altLang="en-US"/>
           </a:p>
@@ -2799,7 +2799,7 @@
           <a:p>
             <a:fld id="{C85E1984-8962-4D22-85D0-F7905988C2FE}" type="datetimeFigureOut">
               <a:rPr lang="zh-TW" altLang="en-US" smtClean="0"/>
-              <a:t>2018/11/20</a:t>
+              <a:t>2018/12/18</a:t>
             </a:fld>
             <a:endParaRPr lang="zh-TW" altLang="en-US"/>
           </a:p>
@@ -3016,7 +3016,7 @@
           <a:p>
             <a:fld id="{C85E1984-8962-4D22-85D0-F7905988C2FE}" type="datetimeFigureOut">
               <a:rPr lang="zh-TW" altLang="en-US" smtClean="0"/>
-              <a:t>2018/11/20</a:t>
+              <a:t>2018/12/18</a:t>
             </a:fld>
             <a:endParaRPr lang="zh-TW" altLang="en-US"/>
           </a:p>
@@ -3312,7 +3312,7 @@
           <a:p>
             <a:fld id="{C85E1984-8962-4D22-85D0-F7905988C2FE}" type="datetimeFigureOut">
               <a:rPr lang="zh-TW" altLang="en-US" smtClean="0"/>
-              <a:t>2018/11/20</a:t>
+              <a:t>2018/12/18</a:t>
             </a:fld>
             <a:endParaRPr lang="zh-TW" altLang="en-US"/>
           </a:p>
@@ -3596,7 +3596,7 @@
           <a:p>
             <a:fld id="{C85E1984-8962-4D22-85D0-F7905988C2FE}" type="datetimeFigureOut">
               <a:rPr lang="zh-TW" altLang="en-US" smtClean="0"/>
-              <a:t>2018/11/20</a:t>
+              <a:t>2018/12/18</a:t>
             </a:fld>
             <a:endParaRPr lang="zh-TW" altLang="en-US"/>
           </a:p>
@@ -3844,7 +3844,7 @@
           <a:p>
             <a:fld id="{C85E1984-8962-4D22-85D0-F7905988C2FE}" type="datetimeFigureOut">
               <a:rPr lang="zh-TW" altLang="en-US" smtClean="0"/>
-              <a:t>2018/11/20</a:t>
+              <a:t>2018/12/18</a:t>
             </a:fld>
             <a:endParaRPr lang="zh-TW" altLang="en-US"/>
           </a:p>
@@ -4183,7 +4183,7 @@
           <a:p>
             <a:fld id="{C85E1984-8962-4D22-85D0-F7905988C2FE}" type="datetimeFigureOut">
               <a:rPr lang="zh-TW" altLang="en-US" smtClean="0"/>
-              <a:t>2018/11/20</a:t>
+              <a:t>2018/12/18</a:t>
             </a:fld>
             <a:endParaRPr lang="zh-TW" altLang="en-US"/>
           </a:p>
@@ -4530,7 +4530,7 @@
           <a:p>
             <a:fld id="{C85E1984-8962-4D22-85D0-F7905988C2FE}" type="datetimeFigureOut">
               <a:rPr lang="zh-TW" altLang="en-US" smtClean="0"/>
-              <a:t>2018/11/20</a:t>
+              <a:t>2018/12/18</a:t>
             </a:fld>
             <a:endParaRPr lang="zh-TW" altLang="en-US"/>
           </a:p>
@@ -4904,7 +4904,7 @@
           <a:p>
             <a:fld id="{C85E1984-8962-4D22-85D0-F7905988C2FE}" type="datetimeFigureOut">
               <a:rPr lang="zh-TW" altLang="en-US" smtClean="0"/>
-              <a:t>2018/11/20</a:t>
+              <a:t>2018/12/18</a:t>
             </a:fld>
             <a:endParaRPr lang="zh-TW" altLang="en-US"/>
           </a:p>
@@ -5374,7 +5374,7 @@
           <a:p>
             <a:fld id="{C85E1984-8962-4D22-85D0-F7905988C2FE}" type="datetimeFigureOut">
               <a:rPr lang="zh-TW" altLang="en-US" smtClean="0"/>
-              <a:t>2018/11/20</a:t>
+              <a:t>2018/12/18</a:t>
             </a:fld>
             <a:endParaRPr lang="zh-TW" altLang="en-US"/>
           </a:p>
@@ -5579,7 +5579,7 @@
           <a:p>
             <a:fld id="{C85E1984-8962-4D22-85D0-F7905988C2FE}" type="datetimeFigureOut">
               <a:rPr lang="zh-TW" altLang="en-US" smtClean="0"/>
-              <a:t>2018/11/20</a:t>
+              <a:t>2018/12/18</a:t>
             </a:fld>
             <a:endParaRPr lang="zh-TW" altLang="en-US"/>
           </a:p>
@@ -5790,7 +5790,7 @@
           <a:p>
             <a:fld id="{C85E1984-8962-4D22-85D0-F7905988C2FE}" type="datetimeFigureOut">
               <a:rPr lang="zh-TW" altLang="en-US" smtClean="0"/>
-              <a:t>2018/11/20</a:t>
+              <a:t>2018/12/18</a:t>
             </a:fld>
             <a:endParaRPr lang="zh-TW" altLang="en-US"/>
           </a:p>
@@ -6213,7 +6213,7 @@
           <a:p>
             <a:fld id="{C85E1984-8962-4D22-85D0-F7905988C2FE}" type="datetimeFigureOut">
               <a:rPr lang="zh-TW" altLang="en-US" smtClean="0"/>
-              <a:t>2018/11/20</a:t>
+              <a:t>2018/12/18</a:t>
             </a:fld>
             <a:endParaRPr lang="zh-TW" altLang="en-US"/>
           </a:p>
@@ -6516,7 +6516,7 @@
           <a:p>
             <a:fld id="{C85E1984-8962-4D22-85D0-F7905988C2FE}" type="datetimeFigureOut">
               <a:rPr lang="zh-TW" altLang="en-US" smtClean="0"/>
-              <a:t>2018/11/20</a:t>
+              <a:t>2018/12/18</a:t>
             </a:fld>
             <a:endParaRPr lang="zh-TW" altLang="en-US"/>
           </a:p>
@@ -6729,7 +6729,7 @@
           <a:p>
             <a:fld id="{C85E1984-8962-4D22-85D0-F7905988C2FE}" type="datetimeFigureOut">
               <a:rPr lang="zh-TW" altLang="en-US" smtClean="0"/>
-              <a:t>2018/11/20</a:t>
+              <a:t>2018/12/18</a:t>
             </a:fld>
             <a:endParaRPr lang="zh-TW" altLang="en-US"/>
           </a:p>
@@ -6977,7 +6977,7 @@
           <a:p>
             <a:fld id="{C85E1984-8962-4D22-85D0-F7905988C2FE}" type="datetimeFigureOut">
               <a:rPr lang="zh-TW" altLang="en-US" smtClean="0"/>
-              <a:t>2018/11/20</a:t>
+              <a:t>2018/12/18</a:t>
             </a:fld>
             <a:endParaRPr lang="zh-TW" altLang="en-US"/>
           </a:p>
@@ -7275,7 +7275,7 @@
           <a:p>
             <a:fld id="{C85E1984-8962-4D22-85D0-F7905988C2FE}" type="datetimeFigureOut">
               <a:rPr lang="zh-TW" altLang="en-US" smtClean="0"/>
-              <a:t>2018/11/20</a:t>
+              <a:t>2018/12/18</a:t>
             </a:fld>
             <a:endParaRPr lang="zh-TW" altLang="en-US"/>
           </a:p>
@@ -7669,7 +7669,7 @@
           <a:p>
             <a:fld id="{C85E1984-8962-4D22-85D0-F7905988C2FE}" type="datetimeFigureOut">
               <a:rPr lang="zh-TW" altLang="en-US" smtClean="0"/>
-              <a:t>2018/11/20</a:t>
+              <a:t>2018/12/18</a:t>
             </a:fld>
             <a:endParaRPr lang="zh-TW" altLang="en-US"/>
           </a:p>
@@ -7818,7 +7818,7 @@
           <a:p>
             <a:fld id="{C85E1984-8962-4D22-85D0-F7905988C2FE}" type="datetimeFigureOut">
               <a:rPr lang="zh-TW" altLang="en-US" smtClean="0"/>
-              <a:t>2018/11/20</a:t>
+              <a:t>2018/12/18</a:t>
             </a:fld>
             <a:endParaRPr lang="zh-TW" altLang="en-US"/>
           </a:p>
@@ -7944,7 +7944,7 @@
           <a:p>
             <a:fld id="{C85E1984-8962-4D22-85D0-F7905988C2FE}" type="datetimeFigureOut">
               <a:rPr lang="zh-TW" altLang="en-US" smtClean="0"/>
-              <a:t>2018/11/20</a:t>
+              <a:t>2018/12/18</a:t>
             </a:fld>
             <a:endParaRPr lang="zh-TW" altLang="en-US"/>
           </a:p>
@@ -8199,7 +8199,7 @@
           <a:p>
             <a:fld id="{C85E1984-8962-4D22-85D0-F7905988C2FE}" type="datetimeFigureOut">
               <a:rPr lang="zh-TW" altLang="en-US" smtClean="0"/>
-              <a:t>2018/11/20</a:t>
+              <a:t>2018/12/18</a:t>
             </a:fld>
             <a:endParaRPr lang="zh-TW" altLang="en-US"/>
           </a:p>
@@ -8514,7 +8514,7 @@
           <a:p>
             <a:fld id="{C85E1984-8962-4D22-85D0-F7905988C2FE}" type="datetimeFigureOut">
               <a:rPr lang="zh-TW" altLang="en-US" smtClean="0"/>
-              <a:t>2018/11/20</a:t>
+              <a:t>2018/12/18</a:t>
             </a:fld>
             <a:endParaRPr lang="zh-TW" altLang="en-US"/>
           </a:p>
@@ -8798,7 +8798,7 @@
           <a:p>
             <a:fld id="{C85E1984-8962-4D22-85D0-F7905988C2FE}" type="datetimeFigureOut">
               <a:rPr lang="zh-TW" altLang="en-US" smtClean="0"/>
-              <a:t>2018/11/20</a:t>
+              <a:t>2018/12/18</a:t>
             </a:fld>
             <a:endParaRPr lang="zh-TW" altLang="en-US"/>
           </a:p>
@@ -9046,7 +9046,7 @@
           <a:p>
             <a:fld id="{C85E1984-8962-4D22-85D0-F7905988C2FE}" type="datetimeFigureOut">
               <a:rPr lang="zh-TW" altLang="en-US" smtClean="0"/>
-              <a:t>2018/11/20</a:t>
+              <a:t>2018/12/18</a:t>
             </a:fld>
             <a:endParaRPr lang="zh-TW" altLang="en-US"/>
           </a:p>
@@ -9330,7 +9330,7 @@
           <a:p>
             <a:fld id="{C85E1984-8962-4D22-85D0-F7905988C2FE}" type="datetimeFigureOut">
               <a:rPr lang="zh-TW" altLang="en-US" smtClean="0"/>
-              <a:t>2018/11/20</a:t>
+              <a:t>2018/12/18</a:t>
             </a:fld>
             <a:endParaRPr lang="zh-TW" altLang="en-US"/>
           </a:p>
@@ -9650,7 +9650,7 @@
           <a:p>
             <a:fld id="{C85E1984-8962-4D22-85D0-F7905988C2FE}" type="datetimeFigureOut">
               <a:rPr lang="zh-TW" altLang="en-US" smtClean="0"/>
-              <a:t>2018/11/20</a:t>
+              <a:t>2018/12/18</a:t>
             </a:fld>
             <a:endParaRPr lang="zh-TW" altLang="en-US"/>
           </a:p>
@@ -9997,7 +9997,7 @@
           <a:p>
             <a:fld id="{C85E1984-8962-4D22-85D0-F7905988C2FE}" type="datetimeFigureOut">
               <a:rPr lang="zh-TW" altLang="en-US" smtClean="0"/>
-              <a:t>2018/11/20</a:t>
+              <a:t>2018/12/18</a:t>
             </a:fld>
             <a:endParaRPr lang="zh-TW" altLang="en-US"/>
           </a:p>
@@ -10371,7 +10371,7 @@
           <a:p>
             <a:fld id="{C85E1984-8962-4D22-85D0-F7905988C2FE}" type="datetimeFigureOut">
               <a:rPr lang="zh-TW" altLang="en-US" smtClean="0"/>
-              <a:t>2018/11/20</a:t>
+              <a:t>2018/12/18</a:t>
             </a:fld>
             <a:endParaRPr lang="zh-TW" altLang="en-US"/>
           </a:p>
@@ -10841,7 +10841,7 @@
           <a:p>
             <a:fld id="{C85E1984-8962-4D22-85D0-F7905988C2FE}" type="datetimeFigureOut">
               <a:rPr lang="zh-TW" altLang="en-US" smtClean="0"/>
-              <a:t>2018/11/20</a:t>
+              <a:t>2018/12/18</a:t>
             </a:fld>
             <a:endParaRPr lang="zh-TW" altLang="en-US"/>
           </a:p>
@@ -11046,7 +11046,7 @@
           <a:p>
             <a:fld id="{C85E1984-8962-4D22-85D0-F7905988C2FE}" type="datetimeFigureOut">
               <a:rPr lang="zh-TW" altLang="en-US" smtClean="0"/>
-              <a:t>2018/11/20</a:t>
+              <a:t>2018/12/18</a:t>
             </a:fld>
             <a:endParaRPr lang="zh-TW" altLang="en-US"/>
           </a:p>
@@ -11257,7 +11257,7 @@
           <a:p>
             <a:fld id="{C85E1984-8962-4D22-85D0-F7905988C2FE}" type="datetimeFigureOut">
               <a:rPr lang="zh-TW" altLang="en-US" smtClean="0"/>
-              <a:t>2018/11/20</a:t>
+              <a:t>2018/12/18</a:t>
             </a:fld>
             <a:endParaRPr lang="zh-TW" altLang="en-US"/>
           </a:p>
@@ -11537,7 +11537,7 @@
           <a:p>
             <a:fld id="{C85E1984-8962-4D22-85D0-F7905988C2FE}" type="datetimeFigureOut">
               <a:rPr lang="zh-TW" altLang="en-US" smtClean="0"/>
-              <a:t>2018/11/20</a:t>
+              <a:t>2018/12/18</a:t>
             </a:fld>
             <a:endParaRPr lang="zh-TW" altLang="en-US"/>
           </a:p>
@@ -11804,7 +11804,7 @@
           <a:p>
             <a:fld id="{C85E1984-8962-4D22-85D0-F7905988C2FE}" type="datetimeFigureOut">
               <a:rPr lang="zh-TW" altLang="en-US" smtClean="0"/>
-              <a:t>2018/11/20</a:t>
+              <a:t>2018/12/18</a:t>
             </a:fld>
             <a:endParaRPr lang="zh-TW" altLang="en-US"/>
           </a:p>
@@ -12133,7 +12133,7 @@
           <a:p>
             <a:fld id="{C85E1984-8962-4D22-85D0-F7905988C2FE}" type="datetimeFigureOut">
               <a:rPr lang="zh-TW" altLang="en-US" smtClean="0"/>
-              <a:t>2018/11/20</a:t>
+              <a:t>2018/12/18</a:t>
             </a:fld>
             <a:endParaRPr lang="zh-TW" altLang="en-US"/>
           </a:p>
@@ -12456,7 +12456,7 @@
           <a:p>
             <a:fld id="{C85E1984-8962-4D22-85D0-F7905988C2FE}" type="datetimeFigureOut">
               <a:rPr lang="zh-TW" altLang="en-US" smtClean="0"/>
-              <a:t>2018/11/20</a:t>
+              <a:t>2018/12/18</a:t>
             </a:fld>
             <a:endParaRPr lang="zh-TW" altLang="en-US"/>
           </a:p>
@@ -12943,7 +12943,7 @@
           <a:p>
             <a:fld id="{C85E1984-8962-4D22-85D0-F7905988C2FE}" type="datetimeFigureOut">
               <a:rPr lang="zh-TW" altLang="en-US" smtClean="0"/>
-              <a:t>2018/11/20</a:t>
+              <a:t>2018/12/18</a:t>
             </a:fld>
             <a:endParaRPr lang="zh-TW" altLang="en-US"/>
           </a:p>
@@ -13325,7 +13325,7 @@
           <a:p>
             <a:fld id="{C85E1984-8962-4D22-85D0-F7905988C2FE}" type="datetimeFigureOut">
               <a:rPr lang="zh-TW" altLang="en-US" smtClean="0"/>
-              <a:t>2018/11/20</a:t>
+              <a:t>2018/12/18</a:t>
             </a:fld>
             <a:endParaRPr lang="zh-TW" altLang="en-US"/>
           </a:p>
@@ -13530,7 +13530,7 @@
           <a:p>
             <a:fld id="{C85E1984-8962-4D22-85D0-F7905988C2FE}" type="datetimeFigureOut">
               <a:rPr lang="zh-TW" altLang="en-US" smtClean="0"/>
-              <a:t>2018/11/20</a:t>
+              <a:t>2018/12/18</a:t>
             </a:fld>
             <a:endParaRPr lang="zh-TW" altLang="en-US"/>
           </a:p>
@@ -13707,7 +13707,7 @@
           <a:p>
             <a:fld id="{C85E1984-8962-4D22-85D0-F7905988C2FE}" type="datetimeFigureOut">
               <a:rPr lang="zh-TW" altLang="en-US" smtClean="0"/>
-              <a:t>2018/11/20</a:t>
+              <a:t>2018/12/18</a:t>
             </a:fld>
             <a:endParaRPr lang="zh-TW" altLang="en-US"/>
           </a:p>
@@ -14040,7 +14040,7 @@
           <a:p>
             <a:fld id="{C85E1984-8962-4D22-85D0-F7905988C2FE}" type="datetimeFigureOut">
               <a:rPr lang="zh-TW" altLang="en-US" smtClean="0"/>
-              <a:t>2018/11/20</a:t>
+              <a:t>2018/12/18</a:t>
             </a:fld>
             <a:endParaRPr lang="zh-TW" altLang="en-US"/>
           </a:p>
@@ -14385,7 +14385,7 @@
           <a:p>
             <a:fld id="{C85E1984-8962-4D22-85D0-F7905988C2FE}" type="datetimeFigureOut">
               <a:rPr lang="zh-TW" altLang="en-US" smtClean="0"/>
-              <a:t>2018/11/20</a:t>
+              <a:t>2018/12/18</a:t>
             </a:fld>
             <a:endParaRPr lang="zh-TW" altLang="en-US"/>
           </a:p>
@@ -14723,7 +14723,7 @@
           <a:p>
             <a:fld id="{C85E1984-8962-4D22-85D0-F7905988C2FE}" type="datetimeFigureOut">
               <a:rPr lang="zh-TW" altLang="en-US" smtClean="0"/>
-              <a:t>2018/11/20</a:t>
+              <a:t>2018/12/18</a:t>
             </a:fld>
             <a:endParaRPr lang="zh-TW" altLang="en-US"/>
           </a:p>
@@ -15124,7 +15124,7 @@
           <a:p>
             <a:fld id="{C85E1984-8962-4D22-85D0-F7905988C2FE}" type="datetimeFigureOut">
               <a:rPr lang="zh-TW" altLang="en-US" smtClean="0"/>
-              <a:t>2018/11/20</a:t>
+              <a:t>2018/12/18</a:t>
             </a:fld>
             <a:endParaRPr lang="zh-TW" altLang="en-US"/>
           </a:p>
@@ -15460,7 +15460,7 @@
           <a:p>
             <a:fld id="{C85E1984-8962-4D22-85D0-F7905988C2FE}" type="datetimeFigureOut">
               <a:rPr lang="zh-TW" altLang="en-US" smtClean="0"/>
-              <a:t>2018/11/20</a:t>
+              <a:t>2018/12/18</a:t>
             </a:fld>
             <a:endParaRPr lang="zh-TW" altLang="en-US"/>
           </a:p>
@@ -15780,7 +15780,7 @@
           <a:p>
             <a:fld id="{C85E1984-8962-4D22-85D0-F7905988C2FE}" type="datetimeFigureOut">
               <a:rPr lang="zh-TW" altLang="en-US" smtClean="0"/>
-              <a:t>2018/11/20</a:t>
+              <a:t>2018/12/18</a:t>
             </a:fld>
             <a:endParaRPr lang="zh-TW" altLang="en-US"/>
           </a:p>
@@ -16176,7 +16176,7 @@
           <a:p>
             <a:fld id="{C85E1984-8962-4D22-85D0-F7905988C2FE}" type="datetimeFigureOut">
               <a:rPr lang="zh-TW" altLang="en-US" smtClean="0"/>
-              <a:t>2018/11/20</a:t>
+              <a:t>2018/12/18</a:t>
             </a:fld>
             <a:endParaRPr lang="zh-TW" altLang="en-US"/>
           </a:p>
@@ -16392,7 +16392,7 @@
           <a:p>
             <a:fld id="{C85E1984-8962-4D22-85D0-F7905988C2FE}" type="datetimeFigureOut">
               <a:rPr lang="zh-TW" altLang="en-US" smtClean="0"/>
-              <a:t>2018/11/20</a:t>
+              <a:t>2018/12/18</a:t>
             </a:fld>
             <a:endParaRPr lang="zh-TW" altLang="en-US"/>
           </a:p>
@@ -16574,7 +16574,7 @@
           <a:p>
             <a:fld id="{C85E1984-8962-4D22-85D0-F7905988C2FE}" type="datetimeFigureOut">
               <a:rPr lang="zh-TW" altLang="en-US" smtClean="0"/>
-              <a:t>2018/11/20</a:t>
+              <a:t>2018/12/18</a:t>
             </a:fld>
             <a:endParaRPr lang="zh-TW" altLang="en-US"/>
           </a:p>
@@ -16836,7 +16836,7 @@
           <a:p>
             <a:fld id="{C85E1984-8962-4D22-85D0-F7905988C2FE}" type="datetimeFigureOut">
               <a:rPr lang="zh-TW" altLang="en-US" smtClean="0"/>
-              <a:t>2018/11/20</a:t>
+              <a:t>2018/12/18</a:t>
             </a:fld>
             <a:endParaRPr lang="zh-TW" altLang="en-US"/>
           </a:p>
@@ -17019,7 +17019,7 @@
           <a:p>
             <a:fld id="{C85E1984-8962-4D22-85D0-F7905988C2FE}" type="datetimeFigureOut">
               <a:rPr lang="zh-TW" altLang="en-US" smtClean="0"/>
-              <a:t>2018/11/20</a:t>
+              <a:t>2018/12/18</a:t>
             </a:fld>
             <a:endParaRPr lang="zh-TW" altLang="en-US"/>
           </a:p>
@@ -17330,7 +17330,7 @@
           <a:p>
             <a:fld id="{C85E1984-8962-4D22-85D0-F7905988C2FE}" type="datetimeFigureOut">
               <a:rPr lang="zh-TW" altLang="en-US" smtClean="0"/>
-              <a:t>2018/11/20</a:t>
+              <a:t>2018/12/18</a:t>
             </a:fld>
             <a:endParaRPr lang="zh-TW" altLang="en-US"/>
           </a:p>
@@ -17618,7 +17618,7 @@
           <a:p>
             <a:fld id="{C85E1984-8962-4D22-85D0-F7905988C2FE}" type="datetimeFigureOut">
               <a:rPr lang="zh-TW" altLang="en-US" smtClean="0"/>
-              <a:t>2018/11/20</a:t>
+              <a:t>2018/12/18</a:t>
             </a:fld>
             <a:endParaRPr lang="zh-TW" altLang="en-US"/>
           </a:p>
@@ -17859,7 +17859,7 @@
           <a:p>
             <a:fld id="{C85E1984-8962-4D22-85D0-F7905988C2FE}" type="datetimeFigureOut">
               <a:rPr lang="zh-TW" altLang="en-US" smtClean="0"/>
-              <a:t>2018/11/20</a:t>
+              <a:t>2018/12/18</a:t>
             </a:fld>
             <a:endParaRPr lang="zh-TW" altLang="en-US"/>
           </a:p>
@@ -18549,7 +18549,7 @@
           <a:p>
             <a:fld id="{C85E1984-8962-4D22-85D0-F7905988C2FE}" type="datetimeFigureOut">
               <a:rPr lang="zh-TW" altLang="en-US" smtClean="0"/>
-              <a:t>2018/11/20</a:t>
+              <a:t>2018/12/18</a:t>
             </a:fld>
             <a:endParaRPr lang="zh-TW" altLang="en-US"/>
           </a:p>
@@ -19365,7 +19365,7 @@
           <a:p>
             <a:fld id="{C85E1984-8962-4D22-85D0-F7905988C2FE}" type="datetimeFigureOut">
               <a:rPr lang="zh-TW" altLang="en-US" smtClean="0"/>
-              <a:t>2018/11/20</a:t>
+              <a:t>2018/12/18</a:t>
             </a:fld>
             <a:endParaRPr lang="zh-TW" altLang="en-US"/>
           </a:p>
@@ -21860,7 +21860,7 @@
           <a:p>
             <a:fld id="{C85E1984-8962-4D22-85D0-F7905988C2FE}" type="datetimeFigureOut">
               <a:rPr lang="zh-TW" altLang="en-US" smtClean="0"/>
-              <a:t>2018/11/20</a:t>
+              <a:t>2018/12/18</a:t>
             </a:fld>
             <a:endParaRPr lang="zh-TW" altLang="en-US"/>
           </a:p>
@@ -22780,6 +22780,220 @@
           <p:cNvPr id="2" name="標題 1">
             <a:extLst>
               <a:ext uri="{FF2B5EF4-FFF2-40B4-BE49-F238E27FC236}">
+                <a16:creationId xmlns:a16="http://schemas.microsoft.com/office/drawing/2014/main" id="{FFD18D16-5121-4F40-ADF1-83B47103F856}"/>
+              </a:ext>
+            </a:extLst>
+          </p:cNvPr>
+          <p:cNvSpPr>
+            <a:spLocks noGrp="1"/>
+          </p:cNvSpPr>
+          <p:nvPr>
+            <p:ph type="title"/>
+          </p:nvPr>
+        </p:nvSpPr>
+        <p:spPr/>
+        <p:txBody>
+          <a:bodyPr/>
+          <a:lstStyle/>
+          <a:p>
+            <a:pPr algn="ctr"/>
+            <a:r>
+              <a:rPr lang="zh-TW" altLang="en-US" dirty="0"/>
+              <a:t>功能說明</a:t>
+            </a:r>
+          </a:p>
+        </p:txBody>
+      </p:sp>
+      <p:pic>
+        <p:nvPicPr>
+          <p:cNvPr id="5" name="內容版面配置區 4">
+            <a:extLst>
+              <a:ext uri="{FF2B5EF4-FFF2-40B4-BE49-F238E27FC236}">
+                <a16:creationId xmlns:a16="http://schemas.microsoft.com/office/drawing/2014/main" id="{9051FBF9-4EBD-4D62-950D-5AD6773F8EDA}"/>
+              </a:ext>
+            </a:extLst>
+          </p:cNvPr>
+          <p:cNvPicPr>
+            <a:picLocks noGrp="1" noChangeAspect="1"/>
+          </p:cNvPicPr>
+          <p:nvPr>
+            <p:ph idx="1"/>
+          </p:nvPr>
+        </p:nvPicPr>
+        <p:blipFill>
+          <a:blip r:embed="rId2">
+            <a:extLst>
+              <a:ext uri="{28A0092B-C50C-407E-A947-70E740481C1C}">
+                <a14:useLocalDpi xmlns:a14="http://schemas.microsoft.com/office/drawing/2010/main" val="0"/>
+              </a:ext>
+            </a:extLst>
+          </a:blip>
+          <a:stretch>
+            <a:fillRect/>
+          </a:stretch>
+        </p:blipFill>
+        <p:spPr>
+          <a:xfrm>
+            <a:off x="1207818" y="1871157"/>
+            <a:ext cx="6638963" cy="3983378"/>
+          </a:xfrm>
+        </p:spPr>
+      </p:pic>
+      <p:sp>
+        <p:nvSpPr>
+          <p:cNvPr id="6" name="箭號: 向左 5">
+            <a:extLst>
+              <a:ext uri="{FF2B5EF4-FFF2-40B4-BE49-F238E27FC236}">
+                <a16:creationId xmlns:a16="http://schemas.microsoft.com/office/drawing/2014/main" id="{6CC1EA0C-7A34-40DE-9FF4-B9E11287D4B1}"/>
+              </a:ext>
+            </a:extLst>
+          </p:cNvPr>
+          <p:cNvSpPr/>
+          <p:nvPr/>
+        </p:nvSpPr>
+        <p:spPr>
+          <a:xfrm>
+            <a:off x="8437914" y="1871157"/>
+            <a:ext cx="1638794" cy="684377"/>
+          </a:xfrm>
+          <a:prstGeom prst="leftArrow">
+            <a:avLst/>
+          </a:prstGeom>
+        </p:spPr>
+        <p:style>
+          <a:lnRef idx="2">
+            <a:schemeClr val="accent1">
+              <a:shade val="50000"/>
+            </a:schemeClr>
+          </a:lnRef>
+          <a:fillRef idx="1">
+            <a:schemeClr val="accent1"/>
+          </a:fillRef>
+          <a:effectRef idx="0">
+            <a:schemeClr val="accent1"/>
+          </a:effectRef>
+          <a:fontRef idx="minor">
+            <a:schemeClr val="lt1"/>
+          </a:fontRef>
+        </p:style>
+        <p:txBody>
+          <a:bodyPr rtlCol="0" anchor="ctr"/>
+          <a:lstStyle/>
+          <a:p>
+            <a:pPr algn="ctr"/>
+            <a:endParaRPr lang="zh-TW" altLang="en-US"/>
+          </a:p>
+        </p:txBody>
+      </p:sp>
+      <p:sp>
+        <p:nvSpPr>
+          <p:cNvPr id="7" name="文字方塊 6">
+            <a:extLst>
+              <a:ext uri="{FF2B5EF4-FFF2-40B4-BE49-F238E27FC236}">
+                <a16:creationId xmlns:a16="http://schemas.microsoft.com/office/drawing/2014/main" id="{D62D01B7-3EB4-4990-92A9-12D07D39034A}"/>
+              </a:ext>
+            </a:extLst>
+          </p:cNvPr>
+          <p:cNvSpPr txBox="1"/>
+          <p:nvPr/>
+        </p:nvSpPr>
+        <p:spPr>
+          <a:xfrm>
+            <a:off x="8437914" y="2736003"/>
+            <a:ext cx="3075709" cy="954107"/>
+          </a:xfrm>
+          <a:prstGeom prst="rect">
+            <a:avLst/>
+          </a:prstGeom>
+          <a:noFill/>
+        </p:spPr>
+        <p:txBody>
+          <a:bodyPr wrap="square" rtlCol="0">
+            <a:spAutoFit/>
+          </a:bodyPr>
+          <a:lstStyle/>
+          <a:p>
+            <a:r>
+              <a:rPr lang="zh-TW" altLang="en-US" sz="2800" dirty="0"/>
+              <a:t>觀察自己角色狀態的</a:t>
+            </a:r>
+            <a:r>
+              <a:rPr lang="en-US" altLang="zh-TW" sz="2800" dirty="0"/>
+              <a:t>UI</a:t>
+            </a:r>
+            <a:endParaRPr lang="zh-TW" altLang="en-US" sz="2800" dirty="0"/>
+          </a:p>
+        </p:txBody>
+      </p:sp>
+    </p:spTree>
+    <p:extLst>
+      <p:ext uri="{BB962C8B-B14F-4D97-AF65-F5344CB8AC3E}">
+        <p14:creationId xmlns:p14="http://schemas.microsoft.com/office/powerpoint/2010/main" val="3782181901"/>
+      </p:ext>
+    </p:extLst>
+  </p:cSld>
+  <p:clrMapOvr>
+    <a:masterClrMapping/>
+  </p:clrMapOvr>
+</p:sld>
+</file>
+
+<file path=ppt/slides/slide11.xml><?xml version="1.0" encoding="utf-8"?>
+<p:sld xmlns:a="http://schemas.openxmlformats.org/drawingml/2006/main" xmlns:r="http://schemas.openxmlformats.org/officeDocument/2006/relationships" xmlns:p="http://schemas.openxmlformats.org/presentationml/2006/main">
+  <p:cSld>
+    <p:bg>
+      <p:bgPr>
+        <a:gradFill>
+          <a:gsLst>
+            <a:gs pos="0">
+              <a:schemeClr val="accent1">
+                <a:lumMod val="5000"/>
+                <a:lumOff val="95000"/>
+              </a:schemeClr>
+            </a:gs>
+            <a:gs pos="74000">
+              <a:schemeClr val="accent1">
+                <a:lumMod val="45000"/>
+                <a:lumOff val="55000"/>
+              </a:schemeClr>
+            </a:gs>
+            <a:gs pos="83000">
+              <a:schemeClr val="accent1">
+                <a:lumMod val="45000"/>
+                <a:lumOff val="55000"/>
+              </a:schemeClr>
+            </a:gs>
+            <a:gs pos="100000">
+              <a:schemeClr val="accent1">
+                <a:lumMod val="30000"/>
+                <a:lumOff val="70000"/>
+              </a:schemeClr>
+            </a:gs>
+          </a:gsLst>
+          <a:lin ang="5400000" scaled="1"/>
+        </a:gradFill>
+        <a:effectLst/>
+      </p:bgPr>
+    </p:bg>
+    <p:spTree>
+      <p:nvGrpSpPr>
+        <p:cNvPr id="1" name=""/>
+        <p:cNvGrpSpPr/>
+        <p:nvPr/>
+      </p:nvGrpSpPr>
+      <p:grpSpPr>
+        <a:xfrm>
+          <a:off x="0" y="0"/>
+          <a:ext cx="0" cy="0"/>
+          <a:chOff x="0" y="0"/>
+          <a:chExt cx="0" cy="0"/>
+        </a:xfrm>
+      </p:grpSpPr>
+      <p:sp>
+        <p:nvSpPr>
+          <p:cNvPr id="2" name="標題 1">
+            <a:extLst>
+              <a:ext uri="{FF2B5EF4-FFF2-40B4-BE49-F238E27FC236}">
                 <a16:creationId xmlns:a16="http://schemas.microsoft.com/office/drawing/2014/main" id="{8E065511-2B0D-4E15-9C0F-6038F4D0BAB7}"/>
               </a:ext>
             </a:extLst>
@@ -23805,7 +24019,7 @@
 </p:sld>
 </file>
 
-<file path=ppt/slides/slide11.xml><?xml version="1.0" encoding="utf-8"?>
+<file path=ppt/slides/slide12.xml><?xml version="1.0" encoding="utf-8"?>
 <p:sld xmlns:a="http://schemas.openxmlformats.org/drawingml/2006/main" xmlns:r="http://schemas.openxmlformats.org/officeDocument/2006/relationships" xmlns:p="http://schemas.openxmlformats.org/presentationml/2006/main">
   <p:cSld>
     <p:bg>
@@ -24283,105 +24497,6 @@
 </p:sld>
 </file>
 
-<file path=ppt/slides/slide12.xml><?xml version="1.0" encoding="utf-8"?>
-<p:sld xmlns:a="http://schemas.openxmlformats.org/drawingml/2006/main" xmlns:r="http://schemas.openxmlformats.org/officeDocument/2006/relationships" xmlns:p="http://schemas.openxmlformats.org/presentationml/2006/main">
-  <p:cSld>
-    <p:spTree>
-      <p:nvGrpSpPr>
-        <p:cNvPr id="1" name=""/>
-        <p:cNvGrpSpPr/>
-        <p:nvPr/>
-      </p:nvGrpSpPr>
-      <p:grpSpPr>
-        <a:xfrm>
-          <a:off x="0" y="0"/>
-          <a:ext cx="0" cy="0"/>
-          <a:chOff x="0" y="0"/>
-          <a:chExt cx="0" cy="0"/>
-        </a:xfrm>
-      </p:grpSpPr>
-      <p:sp>
-        <p:nvSpPr>
-          <p:cNvPr id="2" name="標題 1">
-            <a:extLst>
-              <a:ext uri="{FF2B5EF4-FFF2-40B4-BE49-F238E27FC236}">
-                <a16:creationId xmlns:a16="http://schemas.microsoft.com/office/drawing/2014/main" id="{23050A43-DD0C-4D58-87CD-5BC7918577FE}"/>
-              </a:ext>
-            </a:extLst>
-          </p:cNvPr>
-          <p:cNvSpPr>
-            <a:spLocks noGrp="1"/>
-          </p:cNvSpPr>
-          <p:nvPr>
-            <p:ph type="title"/>
-          </p:nvPr>
-        </p:nvSpPr>
-        <p:spPr>
-          <a:xfrm>
-            <a:off x="838200" y="365125"/>
-            <a:ext cx="3304430" cy="1325563"/>
-          </a:xfrm>
-        </p:spPr>
-        <p:txBody>
-          <a:bodyPr/>
-          <a:lstStyle/>
-          <a:p>
-            <a:pPr algn="ctr"/>
-            <a:r>
-              <a:rPr lang="zh-TW" altLang="en-US" dirty="0"/>
-              <a:t>功能架構</a:t>
-            </a:r>
-          </a:p>
-        </p:txBody>
-      </p:sp>
-      <p:pic>
-        <p:nvPicPr>
-          <p:cNvPr id="9" name="內容版面配置區 8">
-            <a:extLst>
-              <a:ext uri="{FF2B5EF4-FFF2-40B4-BE49-F238E27FC236}">
-                <a16:creationId xmlns:a16="http://schemas.microsoft.com/office/drawing/2014/main" id="{64789FC2-86D0-4BD1-9681-DA5A681A89F6}"/>
-              </a:ext>
-            </a:extLst>
-          </p:cNvPr>
-          <p:cNvPicPr>
-            <a:picLocks noGrp="1" noChangeAspect="1"/>
-          </p:cNvPicPr>
-          <p:nvPr>
-            <p:ph idx="1"/>
-          </p:nvPr>
-        </p:nvPicPr>
-        <p:blipFill>
-          <a:blip r:embed="rId2">
-            <a:extLst>
-              <a:ext uri="{28A0092B-C50C-407E-A947-70E740481C1C}">
-                <a14:useLocalDpi xmlns:a14="http://schemas.microsoft.com/office/drawing/2010/main" val="0"/>
-              </a:ext>
-            </a:extLst>
-          </a:blip>
-          <a:stretch>
-            <a:fillRect/>
-          </a:stretch>
-        </p:blipFill>
-        <p:spPr>
-          <a:xfrm>
-            <a:off x="4290164" y="678892"/>
-            <a:ext cx="6210336" cy="5500215"/>
-          </a:xfrm>
-        </p:spPr>
-      </p:pic>
-    </p:spTree>
-    <p:extLst>
-      <p:ext uri="{BB962C8B-B14F-4D97-AF65-F5344CB8AC3E}">
-        <p14:creationId xmlns:p14="http://schemas.microsoft.com/office/powerpoint/2010/main" val="659166028"/>
-      </p:ext>
-    </p:extLst>
-  </p:cSld>
-  <p:clrMapOvr>
-    <a:masterClrMapping/>
-  </p:clrMapOvr>
-</p:sld>
-</file>
-
 <file path=ppt/slides/slide13.xml><?xml version="1.0" encoding="utf-8"?>
 <p:sld xmlns:a="http://schemas.openxmlformats.org/drawingml/2006/main" xmlns:r="http://schemas.openxmlformats.org/officeDocument/2006/relationships" xmlns:p="http://schemas.openxmlformats.org/presentationml/2006/main">
   <p:cSld>
@@ -25074,6 +25189,96 @@
 <file path=ppt/slides/slide16.xml><?xml version="1.0" encoding="utf-8"?>
 <p:sld xmlns:a="http://schemas.openxmlformats.org/drawingml/2006/main" xmlns:r="http://schemas.openxmlformats.org/officeDocument/2006/relationships" xmlns:p="http://schemas.openxmlformats.org/presentationml/2006/main">
   <p:cSld>
+    <p:spTree>
+      <p:nvGrpSpPr>
+        <p:cNvPr id="1" name=""/>
+        <p:cNvGrpSpPr/>
+        <p:nvPr/>
+      </p:nvGrpSpPr>
+      <p:grpSpPr>
+        <a:xfrm>
+          <a:off x="0" y="0"/>
+          <a:ext cx="0" cy="0"/>
+          <a:chOff x="0" y="0"/>
+          <a:chExt cx="0" cy="0"/>
+        </a:xfrm>
+      </p:grpSpPr>
+      <p:sp>
+        <p:nvSpPr>
+          <p:cNvPr id="2" name="標題 1">
+            <a:extLst>
+              <a:ext uri="{FF2B5EF4-FFF2-40B4-BE49-F238E27FC236}">
+                <a16:creationId xmlns:a16="http://schemas.microsoft.com/office/drawing/2014/main" id="{8A19D16D-864C-4453-A552-2DDFBA70D595}"/>
+              </a:ext>
+            </a:extLst>
+          </p:cNvPr>
+          <p:cNvSpPr>
+            <a:spLocks noGrp="1"/>
+          </p:cNvSpPr>
+          <p:nvPr>
+            <p:ph type="title"/>
+          </p:nvPr>
+        </p:nvSpPr>
+        <p:spPr/>
+        <p:txBody>
+          <a:bodyPr/>
+          <a:lstStyle/>
+          <a:p>
+            <a:pPr algn="ctr"/>
+            <a:r>
+              <a:rPr lang="en-US" altLang="zh-TW" dirty="0"/>
+              <a:t>Schedule</a:t>
+            </a:r>
+            <a:endParaRPr lang="zh-TW" altLang="en-US" dirty="0"/>
+          </a:p>
+        </p:txBody>
+      </p:sp>
+      <p:pic>
+        <p:nvPicPr>
+          <p:cNvPr id="9" name="圖片 8">
+            <a:extLst>
+              <a:ext uri="{FF2B5EF4-FFF2-40B4-BE49-F238E27FC236}">
+                <a16:creationId xmlns:a16="http://schemas.microsoft.com/office/drawing/2014/main" id="{8C8C40F0-AC94-4BCD-BFAC-844F1BCF61A3}"/>
+              </a:ext>
+            </a:extLst>
+          </p:cNvPr>
+          <p:cNvPicPr>
+            <a:picLocks noChangeAspect="1"/>
+          </p:cNvPicPr>
+          <p:nvPr/>
+        </p:nvPicPr>
+        <p:blipFill>
+          <a:blip r:embed="rId2"/>
+          <a:stretch>
+            <a:fillRect/>
+          </a:stretch>
+        </p:blipFill>
+        <p:spPr>
+          <a:xfrm>
+            <a:off x="862012" y="1843087"/>
+            <a:ext cx="10467975" cy="3171825"/>
+          </a:xfrm>
+          <a:prstGeom prst="rect">
+            <a:avLst/>
+          </a:prstGeom>
+        </p:spPr>
+      </p:pic>
+    </p:spTree>
+    <p:extLst>
+      <p:ext uri="{BB962C8B-B14F-4D97-AF65-F5344CB8AC3E}">
+        <p14:creationId xmlns:p14="http://schemas.microsoft.com/office/powerpoint/2010/main" val="2200194056"/>
+      </p:ext>
+    </p:extLst>
+  </p:cSld>
+  <p:clrMapOvr>
+    <a:masterClrMapping/>
+  </p:clrMapOvr>
+</p:sld>
+</file>
+
+<file path=ppt/slides/slide17.xml><?xml version="1.0" encoding="utf-8"?>
+<p:sld xmlns:a="http://schemas.openxmlformats.org/drawingml/2006/main" xmlns:r="http://schemas.openxmlformats.org/officeDocument/2006/relationships" xmlns:p="http://schemas.openxmlformats.org/presentationml/2006/main">
+  <p:cSld>
     <p:bg>
       <p:bgPr>
         <a:gradFill>
@@ -25172,7 +25377,7 @@
             <p:ph idx="1"/>
             <p:extLst>
               <p:ext uri="{D42A27DB-BD31-4B8C-83A1-F6EECF244321}">
-                <p14:modId xmlns:p14="http://schemas.microsoft.com/office/powerpoint/2010/main" val="3856146976"/>
+                <p14:modId xmlns:p14="http://schemas.microsoft.com/office/powerpoint/2010/main" val="2042392694"/>
               </p:ext>
             </p:extLst>
           </p:nvPr>
@@ -25426,7 +25631,7 @@
                     <a:p>
                       <a:r>
                         <a:rPr lang="zh-TW" altLang="en-US" dirty="0"/>
-                        <a:t>最終統合報告</a:t>
+                        <a:t>最終報告統整</a:t>
                       </a:r>
                     </a:p>
                   </a:txBody>
@@ -25526,96 +25731,6 @@
     <p:extLst>
       <p:ext uri="{BB962C8B-B14F-4D97-AF65-F5344CB8AC3E}">
         <p14:creationId xmlns:p14="http://schemas.microsoft.com/office/powerpoint/2010/main" val="1463212587"/>
-      </p:ext>
-    </p:extLst>
-  </p:cSld>
-  <p:clrMapOvr>
-    <a:masterClrMapping/>
-  </p:clrMapOvr>
-</p:sld>
-</file>
-
-<file path=ppt/slides/slide17.xml><?xml version="1.0" encoding="utf-8"?>
-<p:sld xmlns:a="http://schemas.openxmlformats.org/drawingml/2006/main" xmlns:r="http://schemas.openxmlformats.org/officeDocument/2006/relationships" xmlns:p="http://schemas.openxmlformats.org/presentationml/2006/main">
-  <p:cSld>
-    <p:spTree>
-      <p:nvGrpSpPr>
-        <p:cNvPr id="1" name=""/>
-        <p:cNvGrpSpPr/>
-        <p:nvPr/>
-      </p:nvGrpSpPr>
-      <p:grpSpPr>
-        <a:xfrm>
-          <a:off x="0" y="0"/>
-          <a:ext cx="0" cy="0"/>
-          <a:chOff x="0" y="0"/>
-          <a:chExt cx="0" cy="0"/>
-        </a:xfrm>
-      </p:grpSpPr>
-      <p:sp>
-        <p:nvSpPr>
-          <p:cNvPr id="2" name="標題 1">
-            <a:extLst>
-              <a:ext uri="{FF2B5EF4-FFF2-40B4-BE49-F238E27FC236}">
-                <a16:creationId xmlns:a16="http://schemas.microsoft.com/office/drawing/2014/main" id="{8A19D16D-864C-4453-A552-2DDFBA70D595}"/>
-              </a:ext>
-            </a:extLst>
-          </p:cNvPr>
-          <p:cNvSpPr>
-            <a:spLocks noGrp="1"/>
-          </p:cNvSpPr>
-          <p:nvPr>
-            <p:ph type="title"/>
-          </p:nvPr>
-        </p:nvSpPr>
-        <p:spPr/>
-        <p:txBody>
-          <a:bodyPr/>
-          <a:lstStyle/>
-          <a:p>
-            <a:pPr algn="ctr"/>
-            <a:r>
-              <a:rPr lang="en-US" altLang="zh-TW" dirty="0"/>
-              <a:t>Schedule</a:t>
-            </a:r>
-            <a:endParaRPr lang="zh-TW" altLang="en-US" dirty="0"/>
-          </a:p>
-        </p:txBody>
-      </p:sp>
-      <p:pic>
-        <p:nvPicPr>
-          <p:cNvPr id="9" name="圖片 8">
-            <a:extLst>
-              <a:ext uri="{FF2B5EF4-FFF2-40B4-BE49-F238E27FC236}">
-                <a16:creationId xmlns:a16="http://schemas.microsoft.com/office/drawing/2014/main" id="{8C8C40F0-AC94-4BCD-BFAC-844F1BCF61A3}"/>
-              </a:ext>
-            </a:extLst>
-          </p:cNvPr>
-          <p:cNvPicPr>
-            <a:picLocks noChangeAspect="1"/>
-          </p:cNvPicPr>
-          <p:nvPr/>
-        </p:nvPicPr>
-        <p:blipFill>
-          <a:blip r:embed="rId2"/>
-          <a:stretch>
-            <a:fillRect/>
-          </a:stretch>
-        </p:blipFill>
-        <p:spPr>
-          <a:xfrm>
-            <a:off x="862012" y="1843087"/>
-            <a:ext cx="10467975" cy="3171825"/>
-          </a:xfrm>
-          <a:prstGeom prst="rect">
-            <a:avLst/>
-          </a:prstGeom>
-        </p:spPr>
-      </p:pic>
-    </p:spTree>
-    <p:extLst>
-      <p:ext uri="{BB962C8B-B14F-4D97-AF65-F5344CB8AC3E}">
-        <p14:creationId xmlns:p14="http://schemas.microsoft.com/office/powerpoint/2010/main" val="2200194056"/>
       </p:ext>
     </p:extLst>
   </p:cSld>
@@ -28321,40 +28436,6 @@
 <file path=ppt/slides/slide8.xml><?xml version="1.0" encoding="utf-8"?>
 <p:sld xmlns:a="http://schemas.openxmlformats.org/drawingml/2006/main" xmlns:r="http://schemas.openxmlformats.org/officeDocument/2006/relationships" xmlns:p="http://schemas.openxmlformats.org/presentationml/2006/main">
   <p:cSld>
-    <p:bg>
-      <p:bgPr>
-        <a:gradFill>
-          <a:gsLst>
-            <a:gs pos="0">
-              <a:schemeClr val="accent1">
-                <a:lumMod val="5000"/>
-                <a:lumOff val="95000"/>
-              </a:schemeClr>
-            </a:gs>
-            <a:gs pos="74000">
-              <a:schemeClr val="accent1">
-                <a:lumMod val="45000"/>
-                <a:lumOff val="55000"/>
-              </a:schemeClr>
-            </a:gs>
-            <a:gs pos="83000">
-              <a:schemeClr val="accent1">
-                <a:lumMod val="45000"/>
-                <a:lumOff val="55000"/>
-              </a:schemeClr>
-            </a:gs>
-            <a:gs pos="100000">
-              <a:schemeClr val="accent1">
-                <a:lumMod val="30000"/>
-                <a:lumOff val="70000"/>
-              </a:schemeClr>
-            </a:gs>
-          </a:gsLst>
-          <a:lin ang="5400000" scaled="1"/>
-        </a:gradFill>
-        <a:effectLst/>
-      </p:bgPr>
-    </p:bg>
     <p:spTree>
       <p:nvGrpSpPr>
         <p:cNvPr id="1" name=""/>
@@ -28374,7 +28455,7 @@
           <p:cNvPr id="2" name="標題 1">
             <a:extLst>
               <a:ext uri="{FF2B5EF4-FFF2-40B4-BE49-F238E27FC236}">
-                <a16:creationId xmlns:a16="http://schemas.microsoft.com/office/drawing/2014/main" id="{EA2C0895-D243-4047-868B-B2B0225BB72E}"/>
+                <a16:creationId xmlns:a16="http://schemas.microsoft.com/office/drawing/2014/main" id="{23050A43-DD0C-4D58-87CD-5BC7918577FE}"/>
               </a:ext>
             </a:extLst>
           </p:cNvPr>
@@ -28385,7 +28466,12 @@
             <p:ph type="title"/>
           </p:nvPr>
         </p:nvSpPr>
-        <p:spPr/>
+        <p:spPr>
+          <a:xfrm>
+            <a:off x="838200" y="365125"/>
+            <a:ext cx="3304430" cy="1325563"/>
+          </a:xfrm>
+        </p:spPr>
         <p:txBody>
           <a:bodyPr/>
           <a:lstStyle/>
@@ -28393,113 +28479,45 @@
             <a:pPr algn="ctr"/>
             <a:r>
               <a:rPr lang="zh-TW" altLang="en-US" dirty="0"/>
-              <a:t>功能說明</a:t>
-            </a:r>
-          </a:p>
-        </p:txBody>
-      </p:sp>
-      <p:sp>
-        <p:nvSpPr>
-          <p:cNvPr id="3" name="內容版面配置區 2">
+              <a:t>功能架構</a:t>
+            </a:r>
+          </a:p>
+        </p:txBody>
+      </p:sp>
+      <p:pic>
+        <p:nvPicPr>
+          <p:cNvPr id="6" name="圖片 5">
             <a:extLst>
               <a:ext uri="{FF2B5EF4-FFF2-40B4-BE49-F238E27FC236}">
-                <a16:creationId xmlns:a16="http://schemas.microsoft.com/office/drawing/2014/main" id="{75EF4A1B-B4F7-46D0-B9BF-BA189B306DBB}"/>
+                <a16:creationId xmlns:a16="http://schemas.microsoft.com/office/drawing/2014/main" id="{D2950D38-5EE2-4445-93C8-1100CD618614}"/>
               </a:ext>
             </a:extLst>
           </p:cNvPr>
-          <p:cNvSpPr>
-            <a:spLocks noGrp="1"/>
-          </p:cNvSpPr>
-          <p:nvPr>
-            <p:ph idx="1"/>
-          </p:nvPr>
-        </p:nvSpPr>
-        <p:spPr/>
-        <p:txBody>
-          <a:bodyPr/>
-          <a:lstStyle/>
-          <a:p>
-            <a:r>
-              <a:rPr lang="zh-TW" altLang="en-US" dirty="0"/>
-              <a:t>遊戲本身：從自己的主視角射出子彈，若擊中對手，對手就扣血。</a:t>
-            </a:r>
-            <a:endParaRPr lang="en-US" altLang="zh-TW" dirty="0"/>
-          </a:p>
-          <a:p>
-            <a:pPr marL="0" indent="0">
-              <a:buNone/>
-            </a:pPr>
-            <a:r>
-              <a:rPr lang="zh-TW" altLang="en-US" dirty="0"/>
-              <a:t>當對手生命力歸零的時候，該對手進入死亡狀態，我方隊伍得分，在限制時間內不斷進行此遊戲方式，最後比較誰的人頭數</a:t>
-            </a:r>
-            <a:r>
-              <a:rPr lang="en-US" altLang="zh-TW" dirty="0"/>
-              <a:t>(</a:t>
-            </a:r>
-            <a:r>
-              <a:rPr lang="zh-TW" altLang="en-US" dirty="0"/>
-              <a:t>分數</a:t>
-            </a:r>
-            <a:r>
-              <a:rPr lang="en-US" altLang="zh-TW" dirty="0"/>
-              <a:t>)</a:t>
-            </a:r>
-            <a:r>
-              <a:rPr lang="zh-TW" altLang="en-US" dirty="0"/>
-              <a:t>多</a:t>
-            </a:r>
-            <a:endParaRPr lang="en-US" altLang="zh-TW" dirty="0"/>
-          </a:p>
-          <a:p>
-            <a:pPr marL="0" indent="0">
-              <a:buNone/>
-            </a:pPr>
-            <a:endParaRPr lang="en-US" altLang="zh-TW" dirty="0"/>
-          </a:p>
-          <a:p>
-            <a:r>
-              <a:rPr lang="zh-TW" altLang="en-US" dirty="0"/>
-              <a:t>有每日登入獎勵</a:t>
-            </a:r>
-            <a:endParaRPr lang="en-US" altLang="zh-TW" dirty="0"/>
-          </a:p>
-          <a:p>
-            <a:r>
-              <a:rPr lang="zh-TW" altLang="en-US" dirty="0"/>
-              <a:t>配對對手以及隊友</a:t>
-            </a:r>
-            <a:endParaRPr lang="en-US" altLang="zh-TW" dirty="0"/>
-          </a:p>
-          <a:p>
-            <a:r>
-              <a:rPr lang="zh-TW" altLang="en-US" dirty="0"/>
-              <a:t>藉由遊玩提升等級或是排位</a:t>
-            </a:r>
-            <a:endParaRPr lang="en-US" altLang="zh-TW" dirty="0"/>
-          </a:p>
-          <a:p>
-            <a:r>
-              <a:rPr lang="zh-TW" altLang="en-US" dirty="0"/>
-              <a:t>遊玩遊戲賺取金錢購買道具與槍枝</a:t>
-            </a:r>
-            <a:endParaRPr lang="en-US" altLang="zh-TW" dirty="0"/>
-          </a:p>
-          <a:p>
-            <a:endParaRPr lang="en-US" altLang="zh-TW" dirty="0"/>
-          </a:p>
-          <a:p>
-            <a:endParaRPr lang="en-US" altLang="zh-TW" dirty="0"/>
-          </a:p>
-          <a:p>
-            <a:endParaRPr lang="en-US" altLang="zh-TW" dirty="0"/>
-          </a:p>
-        </p:txBody>
-      </p:sp>
+          <p:cNvPicPr>
+            <a:picLocks noChangeAspect="1"/>
+          </p:cNvPicPr>
+          <p:nvPr/>
+        </p:nvPicPr>
+        <p:blipFill>
+          <a:blip r:embed="rId2"/>
+          <a:stretch>
+            <a:fillRect/>
+          </a:stretch>
+        </p:blipFill>
+        <p:spPr>
+          <a:xfrm>
+            <a:off x="4728482" y="723900"/>
+            <a:ext cx="6229350" cy="5410200"/>
+          </a:xfrm>
+          <a:prstGeom prst="rect">
+            <a:avLst/>
+          </a:prstGeom>
+        </p:spPr>
+      </p:pic>
     </p:spTree>
     <p:extLst>
       <p:ext uri="{BB962C8B-B14F-4D97-AF65-F5344CB8AC3E}">
-        <p14:creationId xmlns:p14="http://schemas.microsoft.com/office/powerpoint/2010/main" val="609200057"/>
+        <p14:creationId xmlns:p14="http://schemas.microsoft.com/office/powerpoint/2010/main" val="659166028"/>
       </p:ext>
     </p:extLst>
   </p:cSld>
@@ -28565,7 +28583,7 @@
           <p:cNvPr id="2" name="標題 1">
             <a:extLst>
               <a:ext uri="{FF2B5EF4-FFF2-40B4-BE49-F238E27FC236}">
-                <a16:creationId xmlns:a16="http://schemas.microsoft.com/office/drawing/2014/main" id="{FFD18D16-5121-4F40-ADF1-83B47103F856}"/>
+                <a16:creationId xmlns:a16="http://schemas.microsoft.com/office/drawing/2014/main" id="{EA2C0895-D243-4047-868B-B2B0225BB72E}"/>
               </a:ext>
             </a:extLst>
           </p:cNvPr>
@@ -28589,131 +28607,108 @@
           </a:p>
         </p:txBody>
       </p:sp>
-      <p:pic>
-        <p:nvPicPr>
-          <p:cNvPr id="5" name="內容版面配置區 4">
+      <p:sp>
+        <p:nvSpPr>
+          <p:cNvPr id="3" name="內容版面配置區 2">
             <a:extLst>
               <a:ext uri="{FF2B5EF4-FFF2-40B4-BE49-F238E27FC236}">
-                <a16:creationId xmlns:a16="http://schemas.microsoft.com/office/drawing/2014/main" id="{9051FBF9-4EBD-4D62-950D-5AD6773F8EDA}"/>
+                <a16:creationId xmlns:a16="http://schemas.microsoft.com/office/drawing/2014/main" id="{75EF4A1B-B4F7-46D0-B9BF-BA189B306DBB}"/>
               </a:ext>
             </a:extLst>
           </p:cNvPr>
-          <p:cNvPicPr>
-            <a:picLocks noGrp="1" noChangeAspect="1"/>
-          </p:cNvPicPr>
+          <p:cNvSpPr>
+            <a:spLocks noGrp="1"/>
+          </p:cNvSpPr>
           <p:nvPr>
             <p:ph idx="1"/>
           </p:nvPr>
-        </p:nvPicPr>
-        <p:blipFill>
-          <a:blip r:embed="rId2">
-            <a:extLst>
-              <a:ext uri="{28A0092B-C50C-407E-A947-70E740481C1C}">
-                <a14:useLocalDpi xmlns:a14="http://schemas.microsoft.com/office/drawing/2010/main" val="0"/>
-              </a:ext>
-            </a:extLst>
-          </a:blip>
-          <a:stretch>
-            <a:fillRect/>
-          </a:stretch>
-        </p:blipFill>
-        <p:spPr>
-          <a:xfrm>
-            <a:off x="1207818" y="1871157"/>
-            <a:ext cx="6638963" cy="3983378"/>
-          </a:xfrm>
-        </p:spPr>
-      </p:pic>
-      <p:sp>
-        <p:nvSpPr>
-          <p:cNvPr id="6" name="箭號: 向左 5">
-            <a:extLst>
-              <a:ext uri="{FF2B5EF4-FFF2-40B4-BE49-F238E27FC236}">
-                <a16:creationId xmlns:a16="http://schemas.microsoft.com/office/drawing/2014/main" id="{6CC1EA0C-7A34-40DE-9FF4-B9E11287D4B1}"/>
-              </a:ext>
-            </a:extLst>
-          </p:cNvPr>
-          <p:cNvSpPr/>
-          <p:nvPr/>
-        </p:nvSpPr>
-        <p:spPr>
-          <a:xfrm>
-            <a:off x="8437914" y="1871157"/>
-            <a:ext cx="1638794" cy="684377"/>
-          </a:xfrm>
-          <a:prstGeom prst="leftArrow">
-            <a:avLst/>
-          </a:prstGeom>
-        </p:spPr>
-        <p:style>
-          <a:lnRef idx="2">
-            <a:schemeClr val="accent1">
-              <a:shade val="50000"/>
-            </a:schemeClr>
-          </a:lnRef>
-          <a:fillRef idx="1">
-            <a:schemeClr val="accent1"/>
-          </a:fillRef>
-          <a:effectRef idx="0">
-            <a:schemeClr val="accent1"/>
-          </a:effectRef>
-          <a:fontRef idx="minor">
-            <a:schemeClr val="lt1"/>
-          </a:fontRef>
-        </p:style>
-        <p:txBody>
-          <a:bodyPr rtlCol="0" anchor="ctr"/>
-          <a:lstStyle/>
-          <a:p>
-            <a:pPr algn="ctr"/>
-            <a:endParaRPr lang="zh-TW" altLang="en-US"/>
-          </a:p>
-        </p:txBody>
-      </p:sp>
-      <p:sp>
-        <p:nvSpPr>
-          <p:cNvPr id="7" name="文字方塊 6">
-            <a:extLst>
-              <a:ext uri="{FF2B5EF4-FFF2-40B4-BE49-F238E27FC236}">
-                <a16:creationId xmlns:a16="http://schemas.microsoft.com/office/drawing/2014/main" id="{D62D01B7-3EB4-4990-92A9-12D07D39034A}"/>
-              </a:ext>
-            </a:extLst>
-          </p:cNvPr>
-          <p:cNvSpPr txBox="1"/>
-          <p:nvPr/>
-        </p:nvSpPr>
-        <p:spPr>
-          <a:xfrm>
-            <a:off x="8437914" y="2736003"/>
-            <a:ext cx="3075709" cy="954107"/>
-          </a:xfrm>
-          <a:prstGeom prst="rect">
-            <a:avLst/>
-          </a:prstGeom>
-          <a:noFill/>
-        </p:spPr>
-        <p:txBody>
-          <a:bodyPr wrap="square" rtlCol="0">
-            <a:spAutoFit/>
-          </a:bodyPr>
-          <a:lstStyle/>
-          <a:p>
-            <a:r>
-              <a:rPr lang="zh-TW" altLang="en-US" sz="2800" dirty="0"/>
-              <a:t>觀察自己角色狀態的</a:t>
-            </a:r>
-            <a:r>
-              <a:rPr lang="en-US" altLang="zh-TW" sz="2800" dirty="0"/>
-              <a:t>UI</a:t>
-            </a:r>
-            <a:endParaRPr lang="zh-TW" altLang="en-US" sz="2800" dirty="0"/>
+        </p:nvSpPr>
+        <p:spPr/>
+        <p:txBody>
+          <a:bodyPr/>
+          <a:lstStyle/>
+          <a:p>
+            <a:r>
+              <a:rPr lang="zh-TW" altLang="en-US" dirty="0"/>
+              <a:t>遊戲本身：從自己的主視角射出子彈，若擊中對手，對手就扣血。</a:t>
+            </a:r>
+            <a:endParaRPr lang="en-US" altLang="zh-TW" dirty="0"/>
+          </a:p>
+          <a:p>
+            <a:pPr marL="0" indent="0">
+              <a:buNone/>
+            </a:pPr>
+            <a:r>
+              <a:rPr lang="zh-TW" altLang="en-US" dirty="0"/>
+              <a:t>當對手生命力歸零的時候，該對手進入死亡狀態，我方隊伍得分，在限制時間內不斷進行此遊戲方式，最後比較誰的人頭數</a:t>
+            </a:r>
+            <a:r>
+              <a:rPr lang="en-US" altLang="zh-TW" dirty="0"/>
+              <a:t>(</a:t>
+            </a:r>
+            <a:r>
+              <a:rPr lang="zh-TW" altLang="en-US" dirty="0"/>
+              <a:t>分數</a:t>
+            </a:r>
+            <a:r>
+              <a:rPr lang="en-US" altLang="zh-TW" dirty="0"/>
+              <a:t>)</a:t>
+            </a:r>
+            <a:r>
+              <a:rPr lang="zh-TW" altLang="en-US" dirty="0"/>
+              <a:t>多</a:t>
+            </a:r>
+            <a:endParaRPr lang="en-US" altLang="zh-TW" dirty="0"/>
+          </a:p>
+          <a:p>
+            <a:pPr marL="0" indent="0">
+              <a:buNone/>
+            </a:pPr>
+            <a:endParaRPr lang="en-US" altLang="zh-TW" dirty="0"/>
+          </a:p>
+          <a:p>
+            <a:r>
+              <a:rPr lang="zh-TW" altLang="en-US" dirty="0"/>
+              <a:t>有每日登入獎勵</a:t>
+            </a:r>
+            <a:endParaRPr lang="en-US" altLang="zh-TW" dirty="0"/>
+          </a:p>
+          <a:p>
+            <a:r>
+              <a:rPr lang="zh-TW" altLang="en-US" dirty="0"/>
+              <a:t>配對對手以及隊友</a:t>
+            </a:r>
+            <a:endParaRPr lang="en-US" altLang="zh-TW" dirty="0"/>
+          </a:p>
+          <a:p>
+            <a:r>
+              <a:rPr lang="zh-TW" altLang="en-US" dirty="0"/>
+              <a:t>藉由遊玩提升等級或是排位</a:t>
+            </a:r>
+            <a:endParaRPr lang="en-US" altLang="zh-TW" dirty="0"/>
+          </a:p>
+          <a:p>
+            <a:r>
+              <a:rPr lang="zh-TW" altLang="en-US" dirty="0"/>
+              <a:t>遊玩遊戲賺取金錢購買道具與槍枝</a:t>
+            </a:r>
+            <a:endParaRPr lang="en-US" altLang="zh-TW" dirty="0"/>
+          </a:p>
+          <a:p>
+            <a:endParaRPr lang="en-US" altLang="zh-TW" dirty="0"/>
+          </a:p>
+          <a:p>
+            <a:endParaRPr lang="en-US" altLang="zh-TW" dirty="0"/>
+          </a:p>
+          <a:p>
+            <a:endParaRPr lang="en-US" altLang="zh-TW" dirty="0"/>
           </a:p>
         </p:txBody>
       </p:sp>
     </p:spTree>
     <p:extLst>
       <p:ext uri="{BB962C8B-B14F-4D97-AF65-F5344CB8AC3E}">
-        <p14:creationId xmlns:p14="http://schemas.microsoft.com/office/powerpoint/2010/main" val="3782181901"/>
+        <p14:creationId xmlns:p14="http://schemas.microsoft.com/office/powerpoint/2010/main" val="609200057"/>
       </p:ext>
     </p:extLst>
   </p:cSld>

--- a/軟體工程期末專題報告.pptx
+++ b/軟體工程期末專題報告.pptx
@@ -278,7 +278,7 @@
           <a:p>
             <a:fld id="{C85E1984-8962-4D22-85D0-F7905988C2FE}" type="datetimeFigureOut">
               <a:rPr lang="zh-TW" altLang="en-US" smtClean="0"/>
-              <a:t>2018/12/6</a:t>
+              <a:t>2018/12/29</a:t>
             </a:fld>
             <a:endParaRPr lang="zh-TW" altLang="en-US"/>
           </a:p>
@@ -476,7 +476,7 @@
           <a:p>
             <a:fld id="{C85E1984-8962-4D22-85D0-F7905988C2FE}" type="datetimeFigureOut">
               <a:rPr lang="zh-TW" altLang="en-US" smtClean="0"/>
-              <a:t>2018/12/6</a:t>
+              <a:t>2018/12/29</a:t>
             </a:fld>
             <a:endParaRPr lang="zh-TW" altLang="en-US"/>
           </a:p>
@@ -684,7 +684,7 @@
           <a:p>
             <a:fld id="{C85E1984-8962-4D22-85D0-F7905988C2FE}" type="datetimeFigureOut">
               <a:rPr lang="zh-TW" altLang="en-US" smtClean="0"/>
-              <a:t>2018/12/6</a:t>
+              <a:t>2018/12/29</a:t>
             </a:fld>
             <a:endParaRPr lang="zh-TW" altLang="en-US"/>
           </a:p>
@@ -1088,7 +1088,7 @@
           <a:p>
             <a:fld id="{C85E1984-8962-4D22-85D0-F7905988C2FE}" type="datetimeFigureOut">
               <a:rPr lang="zh-TW" altLang="en-US" smtClean="0"/>
-              <a:t>2018/12/6</a:t>
+              <a:t>2018/12/29</a:t>
             </a:fld>
             <a:endParaRPr lang="zh-TW" altLang="en-US"/>
           </a:p>
@@ -1329,7 +1329,7 @@
           <a:p>
             <a:fld id="{C85E1984-8962-4D22-85D0-F7905988C2FE}" type="datetimeFigureOut">
               <a:rPr lang="zh-TW" altLang="en-US" smtClean="0"/>
-              <a:t>2018/12/6</a:t>
+              <a:t>2018/12/29</a:t>
             </a:fld>
             <a:endParaRPr lang="zh-TW" altLang="en-US"/>
           </a:p>
@@ -1577,7 +1577,7 @@
           <a:p>
             <a:fld id="{C85E1984-8962-4D22-85D0-F7905988C2FE}" type="datetimeFigureOut">
               <a:rPr lang="zh-TW" altLang="en-US" smtClean="0"/>
-              <a:t>2018/12/6</a:t>
+              <a:t>2018/12/29</a:t>
             </a:fld>
             <a:endParaRPr lang="zh-TW" altLang="en-US"/>
           </a:p>
@@ -1875,7 +1875,7 @@
           <a:p>
             <a:fld id="{C85E1984-8962-4D22-85D0-F7905988C2FE}" type="datetimeFigureOut">
               <a:rPr lang="zh-TW" altLang="en-US" smtClean="0"/>
-              <a:t>2018/12/6</a:t>
+              <a:t>2018/12/29</a:t>
             </a:fld>
             <a:endParaRPr lang="zh-TW" altLang="en-US"/>
           </a:p>
@@ -2269,7 +2269,7 @@
           <a:p>
             <a:fld id="{C85E1984-8962-4D22-85D0-F7905988C2FE}" type="datetimeFigureOut">
               <a:rPr lang="zh-TW" altLang="en-US" smtClean="0"/>
-              <a:t>2018/12/6</a:t>
+              <a:t>2018/12/29</a:t>
             </a:fld>
             <a:endParaRPr lang="zh-TW" altLang="en-US"/>
           </a:p>
@@ -2418,7 +2418,7 @@
           <a:p>
             <a:fld id="{C85E1984-8962-4D22-85D0-F7905988C2FE}" type="datetimeFigureOut">
               <a:rPr lang="zh-TW" altLang="en-US" smtClean="0"/>
-              <a:t>2018/12/6</a:t>
+              <a:t>2018/12/29</a:t>
             </a:fld>
             <a:endParaRPr lang="zh-TW" altLang="en-US"/>
           </a:p>
@@ -2544,7 +2544,7 @@
           <a:p>
             <a:fld id="{C85E1984-8962-4D22-85D0-F7905988C2FE}" type="datetimeFigureOut">
               <a:rPr lang="zh-TW" altLang="en-US" smtClean="0"/>
-              <a:t>2018/12/6</a:t>
+              <a:t>2018/12/29</a:t>
             </a:fld>
             <a:endParaRPr lang="zh-TW" altLang="en-US"/>
           </a:p>
@@ -2799,7 +2799,7 @@
           <a:p>
             <a:fld id="{C85E1984-8962-4D22-85D0-F7905988C2FE}" type="datetimeFigureOut">
               <a:rPr lang="zh-TW" altLang="en-US" smtClean="0"/>
-              <a:t>2018/12/6</a:t>
+              <a:t>2018/12/29</a:t>
             </a:fld>
             <a:endParaRPr lang="zh-TW" altLang="en-US"/>
           </a:p>
@@ -3016,7 +3016,7 @@
           <a:p>
             <a:fld id="{C85E1984-8962-4D22-85D0-F7905988C2FE}" type="datetimeFigureOut">
               <a:rPr lang="zh-TW" altLang="en-US" smtClean="0"/>
-              <a:t>2018/12/6</a:t>
+              <a:t>2018/12/29</a:t>
             </a:fld>
             <a:endParaRPr lang="zh-TW" altLang="en-US"/>
           </a:p>
@@ -3312,7 +3312,7 @@
           <a:p>
             <a:fld id="{C85E1984-8962-4D22-85D0-F7905988C2FE}" type="datetimeFigureOut">
               <a:rPr lang="zh-TW" altLang="en-US" smtClean="0"/>
-              <a:t>2018/12/6</a:t>
+              <a:t>2018/12/29</a:t>
             </a:fld>
             <a:endParaRPr lang="zh-TW" altLang="en-US"/>
           </a:p>
@@ -3596,7 +3596,7 @@
           <a:p>
             <a:fld id="{C85E1984-8962-4D22-85D0-F7905988C2FE}" type="datetimeFigureOut">
               <a:rPr lang="zh-TW" altLang="en-US" smtClean="0"/>
-              <a:t>2018/12/6</a:t>
+              <a:t>2018/12/29</a:t>
             </a:fld>
             <a:endParaRPr lang="zh-TW" altLang="en-US"/>
           </a:p>
@@ -3844,7 +3844,7 @@
           <a:p>
             <a:fld id="{C85E1984-8962-4D22-85D0-F7905988C2FE}" type="datetimeFigureOut">
               <a:rPr lang="zh-TW" altLang="en-US" smtClean="0"/>
-              <a:t>2018/12/6</a:t>
+              <a:t>2018/12/29</a:t>
             </a:fld>
             <a:endParaRPr lang="zh-TW" altLang="en-US"/>
           </a:p>
@@ -4183,7 +4183,7 @@
           <a:p>
             <a:fld id="{C85E1984-8962-4D22-85D0-F7905988C2FE}" type="datetimeFigureOut">
               <a:rPr lang="zh-TW" altLang="en-US" smtClean="0"/>
-              <a:t>2018/12/6</a:t>
+              <a:t>2018/12/29</a:t>
             </a:fld>
             <a:endParaRPr lang="zh-TW" altLang="en-US"/>
           </a:p>
@@ -4530,7 +4530,7 @@
           <a:p>
             <a:fld id="{C85E1984-8962-4D22-85D0-F7905988C2FE}" type="datetimeFigureOut">
               <a:rPr lang="zh-TW" altLang="en-US" smtClean="0"/>
-              <a:t>2018/12/6</a:t>
+              <a:t>2018/12/29</a:t>
             </a:fld>
             <a:endParaRPr lang="zh-TW" altLang="en-US"/>
           </a:p>
@@ -4904,7 +4904,7 @@
           <a:p>
             <a:fld id="{C85E1984-8962-4D22-85D0-F7905988C2FE}" type="datetimeFigureOut">
               <a:rPr lang="zh-TW" altLang="en-US" smtClean="0"/>
-              <a:t>2018/12/6</a:t>
+              <a:t>2018/12/29</a:t>
             </a:fld>
             <a:endParaRPr lang="zh-TW" altLang="en-US"/>
           </a:p>
@@ -5374,7 +5374,7 @@
           <a:p>
             <a:fld id="{C85E1984-8962-4D22-85D0-F7905988C2FE}" type="datetimeFigureOut">
               <a:rPr lang="zh-TW" altLang="en-US" smtClean="0"/>
-              <a:t>2018/12/6</a:t>
+              <a:t>2018/12/29</a:t>
             </a:fld>
             <a:endParaRPr lang="zh-TW" altLang="en-US"/>
           </a:p>
@@ -5579,7 +5579,7 @@
           <a:p>
             <a:fld id="{C85E1984-8962-4D22-85D0-F7905988C2FE}" type="datetimeFigureOut">
               <a:rPr lang="zh-TW" altLang="en-US" smtClean="0"/>
-              <a:t>2018/12/6</a:t>
+              <a:t>2018/12/29</a:t>
             </a:fld>
             <a:endParaRPr lang="zh-TW" altLang="en-US"/>
           </a:p>
@@ -5790,7 +5790,7 @@
           <a:p>
             <a:fld id="{C85E1984-8962-4D22-85D0-F7905988C2FE}" type="datetimeFigureOut">
               <a:rPr lang="zh-TW" altLang="en-US" smtClean="0"/>
-              <a:t>2018/12/6</a:t>
+              <a:t>2018/12/29</a:t>
             </a:fld>
             <a:endParaRPr lang="zh-TW" altLang="en-US"/>
           </a:p>
@@ -6213,7 +6213,7 @@
           <a:p>
             <a:fld id="{C85E1984-8962-4D22-85D0-F7905988C2FE}" type="datetimeFigureOut">
               <a:rPr lang="zh-TW" altLang="en-US" smtClean="0"/>
-              <a:t>2018/12/6</a:t>
+              <a:t>2018/12/29</a:t>
             </a:fld>
             <a:endParaRPr lang="zh-TW" altLang="en-US"/>
           </a:p>
@@ -6516,7 +6516,7 @@
           <a:p>
             <a:fld id="{C85E1984-8962-4D22-85D0-F7905988C2FE}" type="datetimeFigureOut">
               <a:rPr lang="zh-TW" altLang="en-US" smtClean="0"/>
-              <a:t>2018/12/6</a:t>
+              <a:t>2018/12/29</a:t>
             </a:fld>
             <a:endParaRPr lang="zh-TW" altLang="en-US"/>
           </a:p>
@@ -6729,7 +6729,7 @@
           <a:p>
             <a:fld id="{C85E1984-8962-4D22-85D0-F7905988C2FE}" type="datetimeFigureOut">
               <a:rPr lang="zh-TW" altLang="en-US" smtClean="0"/>
-              <a:t>2018/12/6</a:t>
+              <a:t>2018/12/29</a:t>
             </a:fld>
             <a:endParaRPr lang="zh-TW" altLang="en-US"/>
           </a:p>
@@ -6977,7 +6977,7 @@
           <a:p>
             <a:fld id="{C85E1984-8962-4D22-85D0-F7905988C2FE}" type="datetimeFigureOut">
               <a:rPr lang="zh-TW" altLang="en-US" smtClean="0"/>
-              <a:t>2018/12/6</a:t>
+              <a:t>2018/12/29</a:t>
             </a:fld>
             <a:endParaRPr lang="zh-TW" altLang="en-US"/>
           </a:p>
@@ -7275,7 +7275,7 @@
           <a:p>
             <a:fld id="{C85E1984-8962-4D22-85D0-F7905988C2FE}" type="datetimeFigureOut">
               <a:rPr lang="zh-TW" altLang="en-US" smtClean="0"/>
-              <a:t>2018/12/6</a:t>
+              <a:t>2018/12/29</a:t>
             </a:fld>
             <a:endParaRPr lang="zh-TW" altLang="en-US"/>
           </a:p>
@@ -7669,7 +7669,7 @@
           <a:p>
             <a:fld id="{C85E1984-8962-4D22-85D0-F7905988C2FE}" type="datetimeFigureOut">
               <a:rPr lang="zh-TW" altLang="en-US" smtClean="0"/>
-              <a:t>2018/12/6</a:t>
+              <a:t>2018/12/29</a:t>
             </a:fld>
             <a:endParaRPr lang="zh-TW" altLang="en-US"/>
           </a:p>
@@ -7818,7 +7818,7 @@
           <a:p>
             <a:fld id="{C85E1984-8962-4D22-85D0-F7905988C2FE}" type="datetimeFigureOut">
               <a:rPr lang="zh-TW" altLang="en-US" smtClean="0"/>
-              <a:t>2018/12/6</a:t>
+              <a:t>2018/12/29</a:t>
             </a:fld>
             <a:endParaRPr lang="zh-TW" altLang="en-US"/>
           </a:p>
@@ -7944,7 +7944,7 @@
           <a:p>
             <a:fld id="{C85E1984-8962-4D22-85D0-F7905988C2FE}" type="datetimeFigureOut">
               <a:rPr lang="zh-TW" altLang="en-US" smtClean="0"/>
-              <a:t>2018/12/6</a:t>
+              <a:t>2018/12/29</a:t>
             </a:fld>
             <a:endParaRPr lang="zh-TW" altLang="en-US"/>
           </a:p>
@@ -8199,7 +8199,7 @@
           <a:p>
             <a:fld id="{C85E1984-8962-4D22-85D0-F7905988C2FE}" type="datetimeFigureOut">
               <a:rPr lang="zh-TW" altLang="en-US" smtClean="0"/>
-              <a:t>2018/12/6</a:t>
+              <a:t>2018/12/29</a:t>
             </a:fld>
             <a:endParaRPr lang="zh-TW" altLang="en-US"/>
           </a:p>
@@ -8514,7 +8514,7 @@
           <a:p>
             <a:fld id="{C85E1984-8962-4D22-85D0-F7905988C2FE}" type="datetimeFigureOut">
               <a:rPr lang="zh-TW" altLang="en-US" smtClean="0"/>
-              <a:t>2018/12/6</a:t>
+              <a:t>2018/12/29</a:t>
             </a:fld>
             <a:endParaRPr lang="zh-TW" altLang="en-US"/>
           </a:p>
@@ -8798,7 +8798,7 @@
           <a:p>
             <a:fld id="{C85E1984-8962-4D22-85D0-F7905988C2FE}" type="datetimeFigureOut">
               <a:rPr lang="zh-TW" altLang="en-US" smtClean="0"/>
-              <a:t>2018/12/6</a:t>
+              <a:t>2018/12/29</a:t>
             </a:fld>
             <a:endParaRPr lang="zh-TW" altLang="en-US"/>
           </a:p>
@@ -9046,7 +9046,7 @@
           <a:p>
             <a:fld id="{C85E1984-8962-4D22-85D0-F7905988C2FE}" type="datetimeFigureOut">
               <a:rPr lang="zh-TW" altLang="en-US" smtClean="0"/>
-              <a:t>2018/12/6</a:t>
+              <a:t>2018/12/29</a:t>
             </a:fld>
             <a:endParaRPr lang="zh-TW" altLang="en-US"/>
           </a:p>
@@ -9330,7 +9330,7 @@
           <a:p>
             <a:fld id="{C85E1984-8962-4D22-85D0-F7905988C2FE}" type="datetimeFigureOut">
               <a:rPr lang="zh-TW" altLang="en-US" smtClean="0"/>
-              <a:t>2018/12/6</a:t>
+              <a:t>2018/12/29</a:t>
             </a:fld>
             <a:endParaRPr lang="zh-TW" altLang="en-US"/>
           </a:p>
@@ -9650,7 +9650,7 @@
           <a:p>
             <a:fld id="{C85E1984-8962-4D22-85D0-F7905988C2FE}" type="datetimeFigureOut">
               <a:rPr lang="zh-TW" altLang="en-US" smtClean="0"/>
-              <a:t>2018/12/6</a:t>
+              <a:t>2018/12/29</a:t>
             </a:fld>
             <a:endParaRPr lang="zh-TW" altLang="en-US"/>
           </a:p>
@@ -9997,7 +9997,7 @@
           <a:p>
             <a:fld id="{C85E1984-8962-4D22-85D0-F7905988C2FE}" type="datetimeFigureOut">
               <a:rPr lang="zh-TW" altLang="en-US" smtClean="0"/>
-              <a:t>2018/12/6</a:t>
+              <a:t>2018/12/29</a:t>
             </a:fld>
             <a:endParaRPr lang="zh-TW" altLang="en-US"/>
           </a:p>
@@ -10371,7 +10371,7 @@
           <a:p>
             <a:fld id="{C85E1984-8962-4D22-85D0-F7905988C2FE}" type="datetimeFigureOut">
               <a:rPr lang="zh-TW" altLang="en-US" smtClean="0"/>
-              <a:t>2018/12/6</a:t>
+              <a:t>2018/12/29</a:t>
             </a:fld>
             <a:endParaRPr lang="zh-TW" altLang="en-US"/>
           </a:p>
@@ -10841,7 +10841,7 @@
           <a:p>
             <a:fld id="{C85E1984-8962-4D22-85D0-F7905988C2FE}" type="datetimeFigureOut">
               <a:rPr lang="zh-TW" altLang="en-US" smtClean="0"/>
-              <a:t>2018/12/6</a:t>
+              <a:t>2018/12/29</a:t>
             </a:fld>
             <a:endParaRPr lang="zh-TW" altLang="en-US"/>
           </a:p>
@@ -11046,7 +11046,7 @@
           <a:p>
             <a:fld id="{C85E1984-8962-4D22-85D0-F7905988C2FE}" type="datetimeFigureOut">
               <a:rPr lang="zh-TW" altLang="en-US" smtClean="0"/>
-              <a:t>2018/12/6</a:t>
+              <a:t>2018/12/29</a:t>
             </a:fld>
             <a:endParaRPr lang="zh-TW" altLang="en-US"/>
           </a:p>
@@ -11257,7 +11257,7 @@
           <a:p>
             <a:fld id="{C85E1984-8962-4D22-85D0-F7905988C2FE}" type="datetimeFigureOut">
               <a:rPr lang="zh-TW" altLang="en-US" smtClean="0"/>
-              <a:t>2018/12/6</a:t>
+              <a:t>2018/12/29</a:t>
             </a:fld>
             <a:endParaRPr lang="zh-TW" altLang="en-US"/>
           </a:p>
@@ -11537,7 +11537,7 @@
           <a:p>
             <a:fld id="{C85E1984-8962-4D22-85D0-F7905988C2FE}" type="datetimeFigureOut">
               <a:rPr lang="zh-TW" altLang="en-US" smtClean="0"/>
-              <a:t>2018/12/6</a:t>
+              <a:t>2018/12/29</a:t>
             </a:fld>
             <a:endParaRPr lang="zh-TW" altLang="en-US"/>
           </a:p>
@@ -11804,7 +11804,7 @@
           <a:p>
             <a:fld id="{C85E1984-8962-4D22-85D0-F7905988C2FE}" type="datetimeFigureOut">
               <a:rPr lang="zh-TW" altLang="en-US" smtClean="0"/>
-              <a:t>2018/12/6</a:t>
+              <a:t>2018/12/29</a:t>
             </a:fld>
             <a:endParaRPr lang="zh-TW" altLang="en-US"/>
           </a:p>
@@ -12133,7 +12133,7 @@
           <a:p>
             <a:fld id="{C85E1984-8962-4D22-85D0-F7905988C2FE}" type="datetimeFigureOut">
               <a:rPr lang="zh-TW" altLang="en-US" smtClean="0"/>
-              <a:t>2018/12/6</a:t>
+              <a:t>2018/12/29</a:t>
             </a:fld>
             <a:endParaRPr lang="zh-TW" altLang="en-US"/>
           </a:p>
@@ -12456,7 +12456,7 @@
           <a:p>
             <a:fld id="{C85E1984-8962-4D22-85D0-F7905988C2FE}" type="datetimeFigureOut">
               <a:rPr lang="zh-TW" altLang="en-US" smtClean="0"/>
-              <a:t>2018/12/6</a:t>
+              <a:t>2018/12/29</a:t>
             </a:fld>
             <a:endParaRPr lang="zh-TW" altLang="en-US"/>
           </a:p>
@@ -12943,7 +12943,7 @@
           <a:p>
             <a:fld id="{C85E1984-8962-4D22-85D0-F7905988C2FE}" type="datetimeFigureOut">
               <a:rPr lang="zh-TW" altLang="en-US" smtClean="0"/>
-              <a:t>2018/12/6</a:t>
+              <a:t>2018/12/29</a:t>
             </a:fld>
             <a:endParaRPr lang="zh-TW" altLang="en-US"/>
           </a:p>
@@ -13325,7 +13325,7 @@
           <a:p>
             <a:fld id="{C85E1984-8962-4D22-85D0-F7905988C2FE}" type="datetimeFigureOut">
               <a:rPr lang="zh-TW" altLang="en-US" smtClean="0"/>
-              <a:t>2018/12/6</a:t>
+              <a:t>2018/12/29</a:t>
             </a:fld>
             <a:endParaRPr lang="zh-TW" altLang="en-US"/>
           </a:p>
@@ -13530,7 +13530,7 @@
           <a:p>
             <a:fld id="{C85E1984-8962-4D22-85D0-F7905988C2FE}" type="datetimeFigureOut">
               <a:rPr lang="zh-TW" altLang="en-US" smtClean="0"/>
-              <a:t>2018/12/6</a:t>
+              <a:t>2018/12/29</a:t>
             </a:fld>
             <a:endParaRPr lang="zh-TW" altLang="en-US"/>
           </a:p>
@@ -13707,7 +13707,7 @@
           <a:p>
             <a:fld id="{C85E1984-8962-4D22-85D0-F7905988C2FE}" type="datetimeFigureOut">
               <a:rPr lang="zh-TW" altLang="en-US" smtClean="0"/>
-              <a:t>2018/12/6</a:t>
+              <a:t>2018/12/29</a:t>
             </a:fld>
             <a:endParaRPr lang="zh-TW" altLang="en-US"/>
           </a:p>
@@ -14040,7 +14040,7 @@
           <a:p>
             <a:fld id="{C85E1984-8962-4D22-85D0-F7905988C2FE}" type="datetimeFigureOut">
               <a:rPr lang="zh-TW" altLang="en-US" smtClean="0"/>
-              <a:t>2018/12/6</a:t>
+              <a:t>2018/12/29</a:t>
             </a:fld>
             <a:endParaRPr lang="zh-TW" altLang="en-US"/>
           </a:p>
@@ -14385,7 +14385,7 @@
           <a:p>
             <a:fld id="{C85E1984-8962-4D22-85D0-F7905988C2FE}" type="datetimeFigureOut">
               <a:rPr lang="zh-TW" altLang="en-US" smtClean="0"/>
-              <a:t>2018/12/6</a:t>
+              <a:t>2018/12/29</a:t>
             </a:fld>
             <a:endParaRPr lang="zh-TW" altLang="en-US"/>
           </a:p>
@@ -14723,7 +14723,7 @@
           <a:p>
             <a:fld id="{C85E1984-8962-4D22-85D0-F7905988C2FE}" type="datetimeFigureOut">
               <a:rPr lang="zh-TW" altLang="en-US" smtClean="0"/>
-              <a:t>2018/12/6</a:t>
+              <a:t>2018/12/29</a:t>
             </a:fld>
             <a:endParaRPr lang="zh-TW" altLang="en-US"/>
           </a:p>
@@ -15124,7 +15124,7 @@
           <a:p>
             <a:fld id="{C85E1984-8962-4D22-85D0-F7905988C2FE}" type="datetimeFigureOut">
               <a:rPr lang="zh-TW" altLang="en-US" smtClean="0"/>
-              <a:t>2018/12/6</a:t>
+              <a:t>2018/12/29</a:t>
             </a:fld>
             <a:endParaRPr lang="zh-TW" altLang="en-US"/>
           </a:p>
@@ -15460,7 +15460,7 @@
           <a:p>
             <a:fld id="{C85E1984-8962-4D22-85D0-F7905988C2FE}" type="datetimeFigureOut">
               <a:rPr lang="zh-TW" altLang="en-US" smtClean="0"/>
-              <a:t>2018/12/6</a:t>
+              <a:t>2018/12/29</a:t>
             </a:fld>
             <a:endParaRPr lang="zh-TW" altLang="en-US"/>
           </a:p>
@@ -15780,7 +15780,7 @@
           <a:p>
             <a:fld id="{C85E1984-8962-4D22-85D0-F7905988C2FE}" type="datetimeFigureOut">
               <a:rPr lang="zh-TW" altLang="en-US" smtClean="0"/>
-              <a:t>2018/12/6</a:t>
+              <a:t>2018/12/29</a:t>
             </a:fld>
             <a:endParaRPr lang="zh-TW" altLang="en-US"/>
           </a:p>
@@ -16176,7 +16176,7 @@
           <a:p>
             <a:fld id="{C85E1984-8962-4D22-85D0-F7905988C2FE}" type="datetimeFigureOut">
               <a:rPr lang="zh-TW" altLang="en-US" smtClean="0"/>
-              <a:t>2018/12/6</a:t>
+              <a:t>2018/12/29</a:t>
             </a:fld>
             <a:endParaRPr lang="zh-TW" altLang="en-US"/>
           </a:p>
@@ -16392,7 +16392,7 @@
           <a:p>
             <a:fld id="{C85E1984-8962-4D22-85D0-F7905988C2FE}" type="datetimeFigureOut">
               <a:rPr lang="zh-TW" altLang="en-US" smtClean="0"/>
-              <a:t>2018/12/6</a:t>
+              <a:t>2018/12/29</a:t>
             </a:fld>
             <a:endParaRPr lang="zh-TW" altLang="en-US"/>
           </a:p>
@@ -16574,7 +16574,7 @@
           <a:p>
             <a:fld id="{C85E1984-8962-4D22-85D0-F7905988C2FE}" type="datetimeFigureOut">
               <a:rPr lang="zh-TW" altLang="en-US" smtClean="0"/>
-              <a:t>2018/12/6</a:t>
+              <a:t>2018/12/29</a:t>
             </a:fld>
             <a:endParaRPr lang="zh-TW" altLang="en-US"/>
           </a:p>
@@ -16836,7 +16836,7 @@
           <a:p>
             <a:fld id="{C85E1984-8962-4D22-85D0-F7905988C2FE}" type="datetimeFigureOut">
               <a:rPr lang="zh-TW" altLang="en-US" smtClean="0"/>
-              <a:t>2018/12/6</a:t>
+              <a:t>2018/12/29</a:t>
             </a:fld>
             <a:endParaRPr lang="zh-TW" altLang="en-US"/>
           </a:p>
@@ -17019,7 +17019,7 @@
           <a:p>
             <a:fld id="{C85E1984-8962-4D22-85D0-F7905988C2FE}" type="datetimeFigureOut">
               <a:rPr lang="zh-TW" altLang="en-US" smtClean="0"/>
-              <a:t>2018/12/6</a:t>
+              <a:t>2018/12/29</a:t>
             </a:fld>
             <a:endParaRPr lang="zh-TW" altLang="en-US"/>
           </a:p>
@@ -17330,7 +17330,7 @@
           <a:p>
             <a:fld id="{C85E1984-8962-4D22-85D0-F7905988C2FE}" type="datetimeFigureOut">
               <a:rPr lang="zh-TW" altLang="en-US" smtClean="0"/>
-              <a:t>2018/12/6</a:t>
+              <a:t>2018/12/29</a:t>
             </a:fld>
             <a:endParaRPr lang="zh-TW" altLang="en-US"/>
           </a:p>
@@ -17618,7 +17618,7 @@
           <a:p>
             <a:fld id="{C85E1984-8962-4D22-85D0-F7905988C2FE}" type="datetimeFigureOut">
               <a:rPr lang="zh-TW" altLang="en-US" smtClean="0"/>
-              <a:t>2018/12/6</a:t>
+              <a:t>2018/12/29</a:t>
             </a:fld>
             <a:endParaRPr lang="zh-TW" altLang="en-US"/>
           </a:p>
@@ -17859,7 +17859,7 @@
           <a:p>
             <a:fld id="{C85E1984-8962-4D22-85D0-F7905988C2FE}" type="datetimeFigureOut">
               <a:rPr lang="zh-TW" altLang="en-US" smtClean="0"/>
-              <a:t>2018/12/6</a:t>
+              <a:t>2018/12/29</a:t>
             </a:fld>
             <a:endParaRPr lang="zh-TW" altLang="en-US"/>
           </a:p>
@@ -18549,7 +18549,7 @@
           <a:p>
             <a:fld id="{C85E1984-8962-4D22-85D0-F7905988C2FE}" type="datetimeFigureOut">
               <a:rPr lang="zh-TW" altLang="en-US" smtClean="0"/>
-              <a:t>2018/12/6</a:t>
+              <a:t>2018/12/29</a:t>
             </a:fld>
             <a:endParaRPr lang="zh-TW" altLang="en-US"/>
           </a:p>
@@ -19365,7 +19365,7 @@
           <a:p>
             <a:fld id="{C85E1984-8962-4D22-85D0-F7905988C2FE}" type="datetimeFigureOut">
               <a:rPr lang="zh-TW" altLang="en-US" smtClean="0"/>
-              <a:t>2018/12/6</a:t>
+              <a:t>2018/12/29</a:t>
             </a:fld>
             <a:endParaRPr lang="zh-TW" altLang="en-US"/>
           </a:p>
@@ -21860,7 +21860,7 @@
           <a:p>
             <a:fld id="{C85E1984-8962-4D22-85D0-F7905988C2FE}" type="datetimeFigureOut">
               <a:rPr lang="zh-TW" altLang="en-US" smtClean="0"/>
-              <a:t>2018/12/6</a:t>
+              <a:t>2018/12/29</a:t>
             </a:fld>
             <a:endParaRPr lang="zh-TW" altLang="en-US"/>
           </a:p>
